--- a/员工晋升陈述材料_6级及以下(1).pptx
+++ b/员工晋升陈述材料_6级及以下(1).pptx
@@ -11900,7 +11900,7 @@
                           <a:latin typeface="微软雅黑" panose="020B0503020204020204" pitchFamily="34" charset="-122"/>
                           <a:ea typeface="微软雅黑" panose="020B0503020204020204" pitchFamily="34" charset="-122"/>
                         </a:rPr>
-                        <a:t>参照任职资格“软件开发”，中的角色特征、教育背景、工作经验、关键经历</a:t>
+                        <a:t>在组织内部被认为是技术开发类的工程师(Engineer)。熟练掌握技术开发知识及方法论，精通某个特定领域，能够独立完成中小型项目的模块开发工作，或指导中小规模团队（5-10人）完成模块开发工作。</a:t>
                       </a:r>
                       <a:endParaRPr lang="zh-CN" altLang="en-US" sz="1200" dirty="0" smtClean="0">
                         <a:solidFill>
@@ -12698,6 +12698,21 @@
                         <a:buNone/>
                       </a:pPr>
                       <a:r>
+                        <a:rPr kumimoji="0" lang="en-US" altLang="zh-CN" sz="1200" b="0" i="0" u="none" strike="noStrike" kern="1200" cap="none" normalizeH="0" baseline="0" dirty="0" smtClean="0">
+                          <a:ln>
+                            <a:noFill/>
+                          </a:ln>
+                          <a:solidFill>
+                            <a:srgbClr val="FF0000"/>
+                          </a:solidFill>
+                          <a:effectLst/>
+                          <a:latin typeface="微软雅黑" panose="020B0503020204020204" pitchFamily="34" charset="-122"/>
+                          <a:ea typeface="微软雅黑" panose="020B0503020204020204" pitchFamily="34" charset="-122"/>
+                          <a:cs typeface="+mn-cs"/>
+                        </a:rPr>
+                        <a:t>2015</a:t>
+                      </a:r>
+                      <a:r>
                         <a:rPr kumimoji="0" lang="zh-CN" altLang="en-US" sz="1200" b="0" i="0" u="none" strike="noStrike" kern="1200" cap="none" normalizeH="0" baseline="0" dirty="0" smtClean="0">
                           <a:ln>
                             <a:noFill/>
@@ -12710,9 +12725,145 @@
                           <a:ea typeface="微软雅黑" panose="020B0503020204020204" pitchFamily="34" charset="-122"/>
                           <a:cs typeface="+mn-cs"/>
                         </a:rPr>
-                        <a:t>说明：请由近及远罗列参加工作以来的所有经历（含外部工作经历）</a:t>
+                        <a:t>年</a:t>
                       </a:r>
-                      <a:endParaRPr kumimoji="0" lang="en-US" altLang="zh-CN" sz="1200" b="0" i="0" u="none" strike="noStrike" kern="1200" cap="none" normalizeH="0" baseline="0" dirty="0" smtClean="0">
+                      <a:r>
+                        <a:rPr kumimoji="0" lang="en-US" altLang="zh-CN" sz="1200" b="0" i="0" u="none" strike="noStrike" kern="1200" cap="none" normalizeH="0" baseline="0" dirty="0" smtClean="0">
+                          <a:ln>
+                            <a:noFill/>
+                          </a:ln>
+                          <a:solidFill>
+                            <a:srgbClr val="FF0000"/>
+                          </a:solidFill>
+                          <a:effectLst/>
+                          <a:latin typeface="微软雅黑" panose="020B0503020204020204" pitchFamily="34" charset="-122"/>
+                          <a:ea typeface="微软雅黑" panose="020B0503020204020204" pitchFamily="34" charset="-122"/>
+                          <a:cs typeface="+mn-cs"/>
+                        </a:rPr>
+                        <a:t>11</a:t>
+                      </a:r>
+                      <a:r>
+                        <a:rPr kumimoji="0" lang="zh-CN" altLang="en-US" sz="1200" b="0" i="0" u="none" strike="noStrike" kern="1200" cap="none" normalizeH="0" baseline="0" dirty="0" smtClean="0">
+                          <a:ln>
+                            <a:noFill/>
+                          </a:ln>
+                          <a:solidFill>
+                            <a:srgbClr val="FF0000"/>
+                          </a:solidFill>
+                          <a:effectLst/>
+                          <a:latin typeface="微软雅黑" panose="020B0503020204020204" pitchFamily="34" charset="-122"/>
+                          <a:ea typeface="微软雅黑" panose="020B0503020204020204" pitchFamily="34" charset="-122"/>
+                          <a:cs typeface="+mn-cs"/>
+                        </a:rPr>
+                        <a:t>月 </a:t>
+                      </a:r>
+                      <a:r>
+                        <a:rPr kumimoji="0" lang="en-US" altLang="zh-CN" sz="1200" b="0" i="0" u="none" strike="noStrike" kern="1200" cap="none" normalizeH="0" baseline="0" dirty="0" smtClean="0">
+                          <a:ln>
+                            <a:noFill/>
+                          </a:ln>
+                          <a:solidFill>
+                            <a:srgbClr val="FF0000"/>
+                          </a:solidFill>
+                          <a:effectLst/>
+                          <a:latin typeface="微软雅黑" panose="020B0503020204020204" pitchFamily="34" charset="-122"/>
+                          <a:ea typeface="微软雅黑" panose="020B0503020204020204" pitchFamily="34" charset="-122"/>
+                          <a:cs typeface="+mn-cs"/>
+                        </a:rPr>
+                        <a:t>- </a:t>
+                      </a:r>
+                      <a:r>
+                        <a:rPr kumimoji="0" lang="zh-CN" altLang="en-US" sz="1200" b="0" i="0" u="none" strike="noStrike" kern="1200" cap="none" normalizeH="0" baseline="0" dirty="0" smtClean="0">
+                          <a:ln>
+                            <a:noFill/>
+                          </a:ln>
+                          <a:solidFill>
+                            <a:srgbClr val="FF0000"/>
+                          </a:solidFill>
+                          <a:effectLst/>
+                          <a:latin typeface="微软雅黑" panose="020B0503020204020204" pitchFamily="34" charset="-122"/>
+                          <a:ea typeface="微软雅黑" panose="020B0503020204020204" pitchFamily="34" charset="-122"/>
+                          <a:cs typeface="+mn-cs"/>
+                        </a:rPr>
+                        <a:t>至今 ， 网龙网络公司工程院八部</a:t>
+                      </a:r>
+                      <a:r>
+                        <a:rPr kumimoji="0" lang="en-US" altLang="zh-CN" sz="1200" b="0" i="0" u="none" strike="noStrike" kern="1200" cap="none" normalizeH="0" baseline="0" dirty="0" smtClean="0">
+                          <a:ln>
+                            <a:noFill/>
+                          </a:ln>
+                          <a:solidFill>
+                            <a:srgbClr val="FF0000"/>
+                          </a:solidFill>
+                          <a:effectLst/>
+                          <a:latin typeface="微软雅黑" panose="020B0503020204020204" pitchFamily="34" charset="-122"/>
+                          <a:ea typeface="微软雅黑" panose="020B0503020204020204" pitchFamily="34" charset="-122"/>
+                          <a:cs typeface="+mn-cs"/>
+                        </a:rPr>
+                        <a:t>-</a:t>
+                      </a:r>
+                      <a:r>
+                        <a:rPr kumimoji="0" lang="zh-CN" altLang="en-US" sz="1200" b="0" i="0" u="none" strike="noStrike" kern="1200" cap="none" normalizeH="0" baseline="0" dirty="0" smtClean="0">
+                          <a:ln>
+                            <a:noFill/>
+                          </a:ln>
+                          <a:solidFill>
+                            <a:srgbClr val="FF0000"/>
+                          </a:solidFill>
+                          <a:effectLst/>
+                          <a:latin typeface="微软雅黑" panose="020B0503020204020204" pitchFamily="34" charset="-122"/>
+                          <a:ea typeface="微软雅黑" panose="020B0503020204020204" pitchFamily="34" charset="-122"/>
+                          <a:cs typeface="+mn-cs"/>
+                        </a:rPr>
+                        <a:t>后端</a:t>
+                      </a:r>
+                      <a:r>
+                        <a:rPr kumimoji="0" lang="zh-CN" altLang="en-US" sz="1200" b="0" i="0" u="none" strike="noStrike" kern="1200" cap="none" normalizeH="0" baseline="0" dirty="0" smtClean="0">
+                          <a:ln>
+                            <a:noFill/>
+                          </a:ln>
+                          <a:solidFill>
+                            <a:srgbClr val="FF0000"/>
+                          </a:solidFill>
+                          <a:effectLst/>
+                          <a:latin typeface="微软雅黑" panose="020B0503020204020204" pitchFamily="34" charset="-122"/>
+                          <a:ea typeface="微软雅黑" panose="020B0503020204020204" pitchFamily="34" charset="-122"/>
+                          <a:cs typeface="+mn-cs"/>
+                        </a:rPr>
+                        <a:t>软件开发工程师</a:t>
+                      </a:r>
+                      <a:endParaRPr kumimoji="0" lang="zh-CN" altLang="en-US" sz="1200" b="0" i="0" u="none" strike="noStrike" kern="1200" cap="none" normalizeH="0" baseline="0" dirty="0" smtClean="0">
+                        <a:ln>
+                          <a:noFill/>
+                        </a:ln>
+                        <a:solidFill>
+                          <a:srgbClr val="FF0000"/>
+                        </a:solidFill>
+                        <a:effectLst/>
+                        <a:latin typeface="微软雅黑" panose="020B0503020204020204" pitchFamily="34" charset="-122"/>
+                        <a:ea typeface="微软雅黑" panose="020B0503020204020204" pitchFamily="34" charset="-122"/>
+                        <a:cs typeface="+mn-cs"/>
+                      </a:endParaRPr>
+                    </a:p>
+                    <a:p>
+                      <a:pPr marL="0" marR="0" lvl="0" indent="0" algn="l" defTabSz="914400" rtl="0" eaLnBrk="0" fontAlgn="base" latinLnBrk="0" hangingPunct="0">
+                        <a:lnSpc>
+                          <a:spcPct val="120000"/>
+                        </a:lnSpc>
+                        <a:spcBef>
+                          <a:spcPct val="10000"/>
+                        </a:spcBef>
+                        <a:spcAft>
+                          <a:spcPct val="0"/>
+                        </a:spcAft>
+                        <a:buClr>
+                          <a:srgbClr val="3F6985"/>
+                        </a:buClr>
+                        <a:buSzTx/>
+                        <a:buFont typeface="Wingdings" panose="05000000000000000000" pitchFamily="2" charset="2"/>
+                        <a:buNone/>
+                      </a:pPr>
+                      <a:endParaRPr kumimoji="0" lang="zh-CN" altLang="en-US" sz="1200" b="0" i="0" u="none" strike="noStrike" kern="1200" cap="none" normalizeH="0" baseline="0" dirty="0" smtClean="0">
                         <a:ln>
                           <a:noFill/>
                         </a:ln>
@@ -12744,21 +12895,6 @@
                         <a:buNone/>
                       </a:pPr>
                       <a:r>
-                        <a:rPr kumimoji="0" lang="zh-CN" altLang="en-US" sz="1200" b="0" i="0" u="none" strike="noStrike" kern="1200" cap="none" normalizeH="0" baseline="0" dirty="0" smtClean="0">
-                          <a:ln>
-                            <a:noFill/>
-                          </a:ln>
-                          <a:solidFill>
-                            <a:srgbClr val="FF0000"/>
-                          </a:solidFill>
-                          <a:effectLst/>
-                          <a:latin typeface="微软雅黑" panose="020B0503020204020204" pitchFamily="34" charset="-122"/>
-                          <a:ea typeface="微软雅黑" panose="020B0503020204020204" pitchFamily="34" charset="-122"/>
-                          <a:cs typeface="+mn-cs"/>
-                        </a:rPr>
-                        <a:t>例如：</a:t>
-                      </a:r>
-                      <a:r>
                         <a:rPr kumimoji="0" lang="en-US" altLang="zh-CN" sz="1200" b="0" i="0" u="none" strike="noStrike" kern="1200" cap="none" normalizeH="0" baseline="0" dirty="0" smtClean="0">
                           <a:ln>
                             <a:noFill/>
@@ -12771,7 +12907,7 @@
                           <a:ea typeface="微软雅黑" panose="020B0503020204020204" pitchFamily="34" charset="-122"/>
                           <a:cs typeface="+mn-cs"/>
                         </a:rPr>
-                        <a:t>XXXX</a:t>
+                        <a:t>2014</a:t>
                       </a:r>
                       <a:r>
                         <a:rPr kumimoji="0" lang="zh-CN" altLang="en-US" sz="1200" b="0" i="0" u="none" strike="noStrike" kern="1200" cap="none" normalizeH="0" baseline="0" dirty="0" smtClean="0">
@@ -12801,7 +12937,7 @@
                           <a:ea typeface="微软雅黑" panose="020B0503020204020204" pitchFamily="34" charset="-122"/>
                           <a:cs typeface="+mn-cs"/>
                         </a:rPr>
-                        <a:t>XX</a:t>
+                        <a:t>7</a:t>
                       </a:r>
                       <a:r>
                         <a:rPr kumimoji="0" lang="zh-CN" altLang="en-US" sz="1200" b="0" i="0" u="none" strike="noStrike" kern="1200" cap="none" normalizeH="0" baseline="0" dirty="0" smtClean="0">
@@ -12816,7 +12952,7 @@
                           <a:ea typeface="微软雅黑" panose="020B0503020204020204" pitchFamily="34" charset="-122"/>
                           <a:cs typeface="+mn-cs"/>
                         </a:rPr>
-                        <a:t>月</a:t>
+                        <a:t>月 </a:t>
                       </a:r>
                       <a:r>
                         <a:rPr kumimoji="0" lang="en-US" altLang="zh-CN" sz="1200" b="0" i="0" u="none" strike="noStrike" kern="1200" cap="none" normalizeH="0" baseline="0" dirty="0" smtClean="0">
@@ -12831,7 +12967,7 @@
                           <a:ea typeface="微软雅黑" panose="020B0503020204020204" pitchFamily="34" charset="-122"/>
                           <a:cs typeface="+mn-cs"/>
                         </a:rPr>
-                        <a:t>-XXXX</a:t>
+                        <a:t>- 2015</a:t>
                       </a:r>
                       <a:r>
                         <a:rPr kumimoji="0" lang="zh-CN" altLang="en-US" sz="1200" b="0" i="0" u="none" strike="noStrike" kern="1200" cap="none" normalizeH="0" baseline="0" dirty="0" smtClean="0">
@@ -12861,7 +12997,7 @@
                           <a:ea typeface="微软雅黑" panose="020B0503020204020204" pitchFamily="34" charset="-122"/>
                           <a:cs typeface="+mn-cs"/>
                         </a:rPr>
-                        <a:t>XX</a:t>
+                        <a:t>10</a:t>
                       </a:r>
                       <a:r>
                         <a:rPr kumimoji="0" lang="zh-CN" altLang="en-US" sz="1200" b="0" i="0" u="none" strike="noStrike" kern="1200" cap="none" normalizeH="0" baseline="0" dirty="0" smtClean="0">
@@ -12876,7 +13012,7 @@
                           <a:ea typeface="微软雅黑" panose="020B0503020204020204" pitchFamily="34" charset="-122"/>
                           <a:cs typeface="+mn-cs"/>
                         </a:rPr>
-                        <a:t>月，网龙公司管理部</a:t>
+                        <a:t>月 ， 万达信息股份有限公司</a:t>
                       </a:r>
                       <a:r>
                         <a:rPr kumimoji="0" lang="en-US" altLang="zh-CN" sz="1200" b="0" i="0" u="none" strike="noStrike" kern="1200" cap="none" normalizeH="0" baseline="0" dirty="0" smtClean="0">
@@ -12891,7 +13027,7 @@
                           <a:ea typeface="微软雅黑" panose="020B0503020204020204" pitchFamily="34" charset="-122"/>
                           <a:cs typeface="+mn-cs"/>
                         </a:rPr>
-                        <a:t>-XX</a:t>
+                        <a:t>-</a:t>
                       </a:r>
                       <a:r>
                         <a:rPr kumimoji="0" lang="zh-CN" altLang="en-US" sz="1200" b="0" i="0" u="none" strike="noStrike" kern="1200" cap="none" normalizeH="0" baseline="0" dirty="0" smtClean="0">
@@ -12906,9 +13042,9 @@
                           <a:ea typeface="微软雅黑" panose="020B0503020204020204" pitchFamily="34" charset="-122"/>
                           <a:cs typeface="+mn-cs"/>
                         </a:rPr>
-                        <a:t>职位</a:t>
+                        <a:t>软件开发工程师</a:t>
                       </a:r>
-                      <a:endParaRPr kumimoji="0" lang="zh-CN" altLang="zh-CN" sz="1200" b="0" i="0" u="none" strike="noStrike" kern="1200" cap="none" normalizeH="0" baseline="0" dirty="0" smtClean="0">
+                      <a:endParaRPr kumimoji="0" lang="zh-CN" altLang="en-US" sz="1200" b="0" i="0" u="none" strike="noStrike" kern="1200" cap="none" normalizeH="0" baseline="0" dirty="0" smtClean="0">
                         <a:ln>
                           <a:noFill/>
                         </a:ln>

--- a/员工晋升陈述材料_6级及以下(1).pptx
+++ b/员工晋升陈述材料_6级及以下(1).pptx
@@ -6638,7 +6638,7 @@
                           <a:latin typeface="微软雅黑" panose="020B0503020204020204" pitchFamily="34" charset="-122"/>
                           <a:ea typeface="微软雅黑" panose="020B0503020204020204" pitchFamily="34" charset="-122"/>
                         </a:rPr>
-                        <a:t>工程院五部</a:t>
+                        <a:t>工程院后端开发处</a:t>
                       </a:r>
                       <a:endParaRPr kumimoji="0" lang="zh-CN" altLang="zh-CN" sz="1200" b="0" i="0" u="none" strike="noStrike" cap="none" normalizeH="0" baseline="0" dirty="0" smtClean="0">
                         <a:ln>
@@ -9635,6 +9635,20 @@
                         <a:buNone/>
                         <a:defRPr/>
                       </a:pPr>
+                      <a:r>
+                        <a:rPr kumimoji="0" lang="en-US" altLang="zh-CN" sz="1200" b="0" i="0" u="none" strike="noStrike" cap="none" normalizeH="0" baseline="0" dirty="0" smtClean="0">
+                          <a:ln>
+                            <a:noFill/>
+                          </a:ln>
+                          <a:solidFill>
+                            <a:schemeClr val="tx1"/>
+                          </a:solidFill>
+                          <a:effectLst/>
+                          <a:latin typeface="微软雅黑" panose="020B0503020204020204" pitchFamily="34" charset="-122"/>
+                          <a:ea typeface="微软雅黑" panose="020B0503020204020204" pitchFamily="34" charset="-122"/>
+                        </a:rPr>
+                        <a:t>2015/12/13</a:t>
+                      </a:r>
                       <a:endParaRPr kumimoji="0" lang="zh-CN" altLang="zh-CN" sz="1200" b="0" i="0" u="none" strike="noStrike" cap="none" normalizeH="0" baseline="0" dirty="0" smtClean="0">
                         <a:ln>
                           <a:noFill/>
@@ -9728,6 +9742,20 @@
                         <a:buFont typeface="Wingdings" panose="05000000000000000000" pitchFamily="2" charset="2"/>
                         <a:buNone/>
                       </a:pPr>
+                      <a:r>
+                        <a:rPr kumimoji="0" lang="zh-CN" altLang="en-US" sz="1200" b="0" i="0" u="none" strike="noStrike" cap="none" normalizeH="0" baseline="0" dirty="0" smtClean="0">
+                          <a:ln>
+                            <a:noFill/>
+                          </a:ln>
+                          <a:solidFill>
+                            <a:schemeClr val="tx1"/>
+                          </a:solidFill>
+                          <a:effectLst/>
+                          <a:latin typeface="微软雅黑" panose="020B0503020204020204" pitchFamily="34" charset="-122"/>
+                          <a:ea typeface="微软雅黑" panose="020B0503020204020204" pitchFamily="34" charset="-122"/>
+                        </a:rPr>
+                        <a:t>新员工入职培训</a:t>
+                      </a:r>
                       <a:endParaRPr kumimoji="0" lang="zh-CN" altLang="en-US" sz="1200" b="0" i="0" u="none" strike="noStrike" cap="none" normalizeH="0" baseline="0" dirty="0" smtClean="0">
                         <a:ln>
                           <a:noFill/>
@@ -9821,6 +9849,34 @@
                         <a:buFont typeface="Wingdings" panose="05000000000000000000" pitchFamily="2" charset="2"/>
                         <a:buNone/>
                       </a:pPr>
+                      <a:r>
+                        <a:rPr kumimoji="0" lang="en-US" altLang="zh-CN" sz="1200" b="0" i="0" u="none" strike="noStrike" cap="none" normalizeH="0" baseline="0" dirty="0" smtClean="0">
+                          <a:ln>
+                            <a:noFill/>
+                          </a:ln>
+                          <a:solidFill>
+                            <a:schemeClr val="tx1"/>
+                          </a:solidFill>
+                          <a:effectLst/>
+                          <a:latin typeface="微软雅黑" panose="020B0503020204020204" pitchFamily="34" charset="-122"/>
+                          <a:ea typeface="微软雅黑" panose="020B0503020204020204" pitchFamily="34" charset="-122"/>
+                        </a:rPr>
+                        <a:t>100</a:t>
+                      </a:r>
+                      <a:r>
+                        <a:rPr kumimoji="0" lang="zh-CN" altLang="en-US" sz="1200" b="0" i="0" u="none" strike="noStrike" cap="none" normalizeH="0" baseline="0" dirty="0" smtClean="0">
+                          <a:ln>
+                            <a:noFill/>
+                          </a:ln>
+                          <a:solidFill>
+                            <a:schemeClr val="tx1"/>
+                          </a:solidFill>
+                          <a:effectLst/>
+                          <a:latin typeface="微软雅黑" panose="020B0503020204020204" pitchFamily="34" charset="-122"/>
+                          <a:ea typeface="微软雅黑" panose="020B0503020204020204" pitchFamily="34" charset="-122"/>
+                        </a:rPr>
+                        <a:t>（通过）</a:t>
+                      </a:r>
                       <a:endParaRPr kumimoji="0" lang="en-US" altLang="zh-CN" sz="1200" b="0" i="0" u="none" strike="noStrike" cap="none" normalizeH="0" baseline="0" dirty="0" smtClean="0">
                         <a:ln>
                           <a:noFill/>
@@ -9926,6 +9982,114 @@
                     <a:lnB w="12700" cap="flat" cmpd="sng" algn="ctr">
                       <a:solidFill>
                         <a:schemeClr val="tx1"/>
+                      </a:solidFill>
+                      <a:prstDash val="solid"/>
+                      <a:round/>
+                      <a:headEnd type="none" w="med" len="med"/>
+                      <a:tailEnd type="none" w="med" len="med"/>
+                    </a:lnB>
+                    <a:lnTlToBr>
+                      <a:noFill/>
+                    </a:lnTlToBr>
+                    <a:lnBlToTr>
+                      <a:noFill/>
+                    </a:lnBlToTr>
+                    <a:noFill/>
+                  </a:tcPr>
+                </a:tc>
+                <a:tc>
+                  <a:txBody>
+                    <a:bodyPr/>
+                    <a:lstStyle/>
+                    <a:p>
+                      <a:pPr marL="0" marR="0" lvl="0" indent="0" algn="ctr" defTabSz="914400" rtl="0" eaLnBrk="0" fontAlgn="base" latinLnBrk="0" hangingPunct="0">
+                        <a:lnSpc>
+                          <a:spcPct val="100000"/>
+                        </a:lnSpc>
+                        <a:spcBef>
+                          <a:spcPct val="10000"/>
+                        </a:spcBef>
+                        <a:spcAft>
+                          <a:spcPct val="0"/>
+                        </a:spcAft>
+                        <a:buClr>
+                          <a:srgbClr val="3F6985"/>
+                        </a:buClr>
+                        <a:buSzTx/>
+                        <a:buFont typeface="Wingdings" panose="05000000000000000000" pitchFamily="2" charset="2"/>
+                        <a:buNone/>
+                        <a:defRPr/>
+                      </a:pPr>
+                      <a:r>
+                        <a:rPr kumimoji="0" lang="en-US" altLang="zh-CN" sz="1200" b="0" i="0" u="none" strike="noStrike" cap="none" normalizeH="0" baseline="0" dirty="0" smtClean="0">
+                          <a:ln>
+                            <a:noFill/>
+                          </a:ln>
+                          <a:solidFill>
+                            <a:schemeClr val="tx1"/>
+                          </a:solidFill>
+                          <a:effectLst/>
+                          <a:latin typeface="微软雅黑" panose="020B0503020204020204" pitchFamily="34" charset="-122"/>
+                          <a:ea typeface="微软雅黑" panose="020B0503020204020204" pitchFamily="34" charset="-122"/>
+                        </a:rPr>
+                        <a:t>2015/1/5</a:t>
+                      </a:r>
+                      <a:endParaRPr kumimoji="0" lang="zh-CN" altLang="zh-CN" sz="1200" b="0" i="0" u="none" strike="noStrike" cap="none" normalizeH="0" baseline="0" dirty="0" smtClean="0">
+                        <a:ln>
+                          <a:noFill/>
+                        </a:ln>
+                        <a:solidFill>
+                          <a:schemeClr val="tx1"/>
+                        </a:solidFill>
+                        <a:effectLst/>
+                        <a:latin typeface="微软雅黑" panose="020B0503020204020204" pitchFamily="34" charset="-122"/>
+                        <a:ea typeface="微软雅黑" panose="020B0503020204020204" pitchFamily="34" charset="-122"/>
+                      </a:endParaRPr>
+                    </a:p>
+                  </a:txBody>
+                  <a:tcPr marL="90000" marR="90000" marT="41773" marB="41773" anchor="ctr" anchorCtr="1" horzOverflow="overflow">
+                    <a:lnL w="12700" cap="flat" cmpd="sng" algn="ctr">
+                      <a:solidFill>
+                        <a:schemeClr val="tx1">
+                          <a:lumMod val="50000"/>
+                          <a:lumOff val="50000"/>
+                        </a:schemeClr>
+                      </a:solidFill>
+                      <a:prstDash val="solid"/>
+                      <a:round/>
+                      <a:headEnd type="none" w="med" len="med"/>
+                      <a:tailEnd type="none" w="med" len="med"/>
+                    </a:lnL>
+                    <a:lnR w="12700" cap="flat" cmpd="sng" algn="ctr">
+                      <a:solidFill>
+                        <a:schemeClr val="tx1">
+                          <a:lumMod val="50000"/>
+                          <a:lumOff val="50000"/>
+                        </a:schemeClr>
+                      </a:solidFill>
+                      <a:prstDash val="solid"/>
+                      <a:round/>
+                      <a:headEnd type="none" w="med" len="med"/>
+                      <a:tailEnd type="none" w="med" len="med"/>
+                    </a:lnR>
+                    <a:lnT w="12700" cap="flat" cmpd="sng" algn="ctr">
+                      <a:solidFill>
+                        <a:schemeClr val="tx1">
+                          <a:lumMod val="50000"/>
+                          <a:lumOff val="50000"/>
+                        </a:schemeClr>
+                      </a:solidFill>
+                      <a:prstDash val="solid"/>
+                      <a:round/>
+                      <a:headEnd type="none" w="med" len="med"/>
+                      <a:tailEnd type="none" w="med" len="med"/>
+                    </a:lnT>
+                    <a:lnB w="12700" cap="flat" cmpd="sng" algn="ctr">
+                      <a:solidFill>
+                        <a:schemeClr val="tx1">
+                          <a:lumMod val="50000"/>
+                          <a:lumOff val="50000"/>
+                        </a:schemeClr>
                       </a:solidFill>
                       <a:prstDash val="solid"/>
                       <a:round/>
@@ -9963,7 +10127,160 @@
                         <a:buFont typeface="Wingdings" panose="05000000000000000000" pitchFamily="2" charset="2"/>
                         <a:buNone/>
                       </a:pPr>
-                      <a:endParaRPr kumimoji="0" lang="zh-CN" altLang="zh-CN" sz="1200" b="0" i="0" u="none" strike="noStrike" cap="none" normalizeH="0" baseline="0" dirty="0" smtClean="0">
+                      <a:r>
+                        <a:rPr kumimoji="0" lang="en-US" altLang="zh-CN" sz="1200" b="0" i="0" u="none" strike="noStrike" kern="1200" cap="none" normalizeH="0" baseline="0" dirty="0" smtClean="0">
+                          <a:ln>
+                            <a:noFill/>
+                          </a:ln>
+                          <a:solidFill>
+                            <a:schemeClr val="tx1"/>
+                          </a:solidFill>
+                          <a:effectLst/>
+                          <a:latin typeface="微软雅黑" panose="020B0503020204020204" pitchFamily="34" charset="-122"/>
+                          <a:ea typeface="微软雅黑" panose="020B0503020204020204" pitchFamily="34" charset="-122"/>
+                          <a:cs typeface="+mn-cs"/>
+                        </a:rPr>
+                        <a:t>OEC-</a:t>
+                      </a:r>
+                      <a:r>
+                        <a:rPr kumimoji="0" lang="zh-CN" altLang="en-US" sz="1200" b="0" i="0" u="none" strike="noStrike" kern="1200" cap="none" normalizeH="0" baseline="0" dirty="0" smtClean="0">
+                          <a:ln>
+                            <a:noFill/>
+                          </a:ln>
+                          <a:solidFill>
+                            <a:schemeClr val="tx1"/>
+                          </a:solidFill>
+                          <a:effectLst/>
+                          <a:latin typeface="微软雅黑" panose="020B0503020204020204" pitchFamily="34" charset="-122"/>
+                          <a:ea typeface="微软雅黑" panose="020B0503020204020204" pitchFamily="34" charset="-122"/>
+                          <a:cs typeface="+mn-cs"/>
+                        </a:rPr>
+                        <a:t>在线教育认证项目认证</a:t>
+                      </a:r>
+                      <a:endParaRPr kumimoji="0" lang="zh-CN" altLang="en-US" sz="1200" b="0" i="0" u="none" strike="noStrike" kern="1200" cap="none" normalizeH="0" baseline="0" dirty="0" smtClean="0">
+                        <a:ln>
+                          <a:noFill/>
+                        </a:ln>
+                        <a:solidFill>
+                          <a:schemeClr val="tx1"/>
+                        </a:solidFill>
+                        <a:effectLst/>
+                        <a:latin typeface="微软雅黑" panose="020B0503020204020204" pitchFamily="34" charset="-122"/>
+                        <a:ea typeface="微软雅黑" panose="020B0503020204020204" pitchFamily="34" charset="-122"/>
+                        <a:cs typeface="+mn-cs"/>
+                      </a:endParaRPr>
+                    </a:p>
+                  </a:txBody>
+                  <a:tcPr marL="90000" marR="90000" marT="41773" marB="41773" anchor="ctr" anchorCtr="1" horzOverflow="overflow">
+                    <a:lnL w="12700" cap="flat" cmpd="sng" algn="ctr">
+                      <a:solidFill>
+                        <a:schemeClr val="tx1">
+                          <a:lumMod val="50000"/>
+                          <a:lumOff val="50000"/>
+                        </a:schemeClr>
+                      </a:solidFill>
+                      <a:prstDash val="solid"/>
+                      <a:round/>
+                      <a:headEnd type="none" w="med" len="med"/>
+                      <a:tailEnd type="none" w="med" len="med"/>
+                    </a:lnL>
+                    <a:lnR w="12700" cap="flat" cmpd="sng" algn="ctr">
+                      <a:solidFill>
+                        <a:schemeClr val="tx1">
+                          <a:lumMod val="50000"/>
+                          <a:lumOff val="50000"/>
+                        </a:schemeClr>
+                      </a:solidFill>
+                      <a:prstDash val="solid"/>
+                      <a:round/>
+                      <a:headEnd type="none" w="med" len="med"/>
+                      <a:tailEnd type="none" w="med" len="med"/>
+                    </a:lnR>
+                    <a:lnT w="12700" cap="flat" cmpd="sng" algn="ctr">
+                      <a:solidFill>
+                        <a:schemeClr val="tx1">
+                          <a:lumMod val="50000"/>
+                          <a:lumOff val="50000"/>
+                        </a:schemeClr>
+                      </a:solidFill>
+                      <a:prstDash val="solid"/>
+                      <a:round/>
+                      <a:headEnd type="none" w="med" len="med"/>
+                      <a:tailEnd type="none" w="med" len="med"/>
+                    </a:lnT>
+                    <a:lnB w="12700" cap="flat" cmpd="sng" algn="ctr">
+                      <a:solidFill>
+                        <a:schemeClr val="tx1">
+                          <a:lumMod val="50000"/>
+                          <a:lumOff val="50000"/>
+                        </a:schemeClr>
+                      </a:solidFill>
+                      <a:prstDash val="solid"/>
+                      <a:round/>
+                      <a:headEnd type="none" w="med" len="med"/>
+                      <a:tailEnd type="none" w="med" len="med"/>
+                    </a:lnB>
+                    <a:lnTlToBr>
+                      <a:noFill/>
+                    </a:lnTlToBr>
+                    <a:lnBlToTr>
+                      <a:noFill/>
+                    </a:lnBlToTr>
+                    <a:noFill/>
+                  </a:tcPr>
+                </a:tc>
+                <a:tc>
+                  <a:txBody>
+                    <a:bodyPr/>
+                    <a:lstStyle/>
+                    <a:p>
+                      <a:pPr marL="0" marR="0" lvl="0" indent="0" algn="ctr" defTabSz="914400" rtl="0" eaLnBrk="0" fontAlgn="base" latinLnBrk="0" hangingPunct="0">
+                        <a:lnSpc>
+                          <a:spcPct val="100000"/>
+                        </a:lnSpc>
+                        <a:spcBef>
+                          <a:spcPct val="10000"/>
+                        </a:spcBef>
+                        <a:spcAft>
+                          <a:spcPct val="0"/>
+                        </a:spcAft>
+                        <a:buClr>
+                          <a:srgbClr val="3F6985"/>
+                        </a:buClr>
+                        <a:buSzTx/>
+                        <a:buFont typeface="Wingdings" panose="05000000000000000000" pitchFamily="2" charset="2"/>
+                        <a:buNone/>
+                        <a:defRPr/>
+                      </a:pPr>
+                      <a:r>
+                        <a:rPr kumimoji="0" lang="en-US" altLang="zh-CN" sz="1200" b="0" i="0" u="none" strike="noStrike" cap="none" normalizeH="0" baseline="0" dirty="0" smtClean="0">
+                          <a:ln>
+                            <a:noFill/>
+                          </a:ln>
+                          <a:solidFill>
+                            <a:schemeClr val="tx1"/>
+                          </a:solidFill>
+                          <a:effectLst/>
+                          <a:latin typeface="微软雅黑" panose="020B0503020204020204" pitchFamily="34" charset="-122"/>
+                          <a:ea typeface="微软雅黑" panose="020B0503020204020204" pitchFamily="34" charset="-122"/>
+                        </a:rPr>
+                        <a:t>100</a:t>
+                      </a:r>
+                      <a:r>
+                        <a:rPr kumimoji="0" lang="zh-CN" altLang="en-US" sz="1200" b="0" i="0" u="none" strike="noStrike" cap="none" normalizeH="0" baseline="0" dirty="0" smtClean="0">
+                          <a:ln>
+                            <a:noFill/>
+                          </a:ln>
+                          <a:solidFill>
+                            <a:schemeClr val="tx1"/>
+                          </a:solidFill>
+                          <a:effectLst/>
+                          <a:latin typeface="微软雅黑" panose="020B0503020204020204" pitchFamily="34" charset="-122"/>
+                          <a:ea typeface="微软雅黑" panose="020B0503020204020204" pitchFamily="34" charset="-122"/>
+                        </a:rPr>
+                        <a:t>（通过）</a:t>
+                      </a:r>
+                      <a:endParaRPr kumimoji="0" lang="en-US" altLang="zh-CN" sz="1200" b="0" i="0" u="none" strike="noStrike" cap="none" normalizeH="0" baseline="0" dirty="0" smtClean="0">
                         <a:ln>
                           <a:noFill/>
                         </a:ln>
@@ -10019,6 +10336,55 @@
                           <a:lumMod val="50000"/>
                           <a:lumOff val="50000"/>
                         </a:schemeClr>
+                      </a:solidFill>
+                      <a:prstDash val="solid"/>
+                      <a:round/>
+                      <a:headEnd type="none" w="med" len="med"/>
+                      <a:tailEnd type="none" w="med" len="med"/>
+                    </a:lnB>
+                    <a:lnTlToBr>
+                      <a:noFill/>
+                    </a:lnTlToBr>
+                    <a:lnBlToTr>
+                      <a:noFill/>
+                    </a:lnBlToTr>
+                    <a:noFill/>
+                  </a:tcPr>
+                </a:tc>
+              </a:tr>
+              <a:tr h="399064">
+                <a:tc vMerge="1">
+                  <a:tcPr marL="90000" marR="90000" marT="46800" marB="46800" anchor="ctr" anchorCtr="1" horzOverflow="overflow">
+                    <a:lnL w="28575" cap="flat" cmpd="sng" algn="ctr">
+                      <a:solidFill>
+                        <a:schemeClr val="tx1"/>
+                      </a:solidFill>
+                      <a:prstDash val="solid"/>
+                      <a:round/>
+                      <a:headEnd type="none" w="med" len="med"/>
+                      <a:tailEnd type="none" w="med" len="med"/>
+                    </a:lnL>
+                    <a:lnR w="12700" cap="flat" cmpd="sng" algn="ctr">
+                      <a:solidFill>
+                        <a:schemeClr val="tx1"/>
+                      </a:solidFill>
+                      <a:prstDash val="solid"/>
+                      <a:round/>
+                      <a:headEnd type="none" w="med" len="med"/>
+                      <a:tailEnd type="none" w="med" len="med"/>
+                    </a:lnR>
+                    <a:lnT w="12700" cap="flat" cmpd="sng" algn="ctr">
+                      <a:solidFill>
+                        <a:schemeClr val="tx1"/>
+                      </a:solidFill>
+                      <a:prstDash val="solid"/>
+                      <a:round/>
+                      <a:headEnd type="none" w="med" len="med"/>
+                      <a:tailEnd type="none" w="med" len="med"/>
+                    </a:lnT>
+                    <a:lnB w="12700" cap="flat" cmpd="sng" algn="ctr">
+                      <a:solidFill>
+                        <a:schemeClr val="tx1"/>
                       </a:solidFill>
                       <a:prstDash val="solid"/>
                       <a:round/>
@@ -10056,6 +10422,20 @@
                         <a:buFont typeface="Wingdings" panose="05000000000000000000" pitchFamily="2" charset="2"/>
                         <a:buNone/>
                       </a:pPr>
+                      <a:r>
+                        <a:rPr kumimoji="0" lang="en-US" altLang="zh-CN" sz="1200" b="0" i="0" u="none" strike="noStrike" cap="none" normalizeH="0" baseline="0" dirty="0" smtClean="0">
+                          <a:ln>
+                            <a:noFill/>
+                          </a:ln>
+                          <a:solidFill>
+                            <a:schemeClr val="tx1"/>
+                          </a:solidFill>
+                          <a:effectLst/>
+                          <a:latin typeface="微软雅黑" panose="020B0503020204020204" pitchFamily="34" charset="-122"/>
+                          <a:ea typeface="微软雅黑" panose="020B0503020204020204" pitchFamily="34" charset="-122"/>
+                        </a:rPr>
+                        <a:t>2017/2/15</a:t>
+                      </a:r>
                       <a:endParaRPr kumimoji="0" lang="zh-CN" altLang="en-US" sz="1200" b="0" i="0" u="none" strike="noStrike" cap="none" normalizeH="0" baseline="0" dirty="0" smtClean="0">
                         <a:ln>
                           <a:noFill/>
@@ -10149,7 +10529,35 @@
                         <a:buFont typeface="Wingdings" panose="05000000000000000000" pitchFamily="2" charset="2"/>
                         <a:buNone/>
                       </a:pPr>
-                      <a:endParaRPr kumimoji="0" lang="zh-CN" altLang="zh-CN" sz="1200" b="0" i="0" u="none" strike="noStrike" cap="none" normalizeH="0" baseline="0" dirty="0" smtClean="0">
+                      <a:r>
+                        <a:rPr kumimoji="0" lang="en-US" altLang="zh-CN" sz="1200" b="0" i="0" u="none" strike="noStrike" cap="none" normalizeH="0" baseline="0" dirty="0" smtClean="0">
+                          <a:ln>
+                            <a:noFill/>
+                          </a:ln>
+                          <a:solidFill>
+                            <a:schemeClr val="tx1"/>
+                          </a:solidFill>
+                          <a:effectLst/>
+                          <a:latin typeface="微软雅黑" panose="020B0503020204020204" pitchFamily="34" charset="-122"/>
+                          <a:ea typeface="微软雅黑" panose="020B0503020204020204" pitchFamily="34" charset="-122"/>
+                        </a:rPr>
+                        <a:t>java</a:t>
+                      </a:r>
+                      <a:r>
+                        <a:rPr kumimoji="0" lang="zh-CN" altLang="en-US" sz="1200" b="0" i="0" u="none" strike="noStrike" cap="none" normalizeH="0" baseline="0" dirty="0" smtClean="0">
+                          <a:ln>
+                            <a:noFill/>
+                          </a:ln>
+                          <a:solidFill>
+                            <a:schemeClr val="tx1"/>
+                          </a:solidFill>
+                          <a:effectLst/>
+                          <a:latin typeface="微软雅黑" panose="020B0503020204020204" pitchFamily="34" charset="-122"/>
+                          <a:ea typeface="微软雅黑" panose="020B0503020204020204" pitchFamily="34" charset="-122"/>
+                        </a:rPr>
+                        <a:t>初级认证考试</a:t>
+                      </a:r>
+                      <a:endParaRPr kumimoji="0" lang="zh-CN" altLang="en-US" sz="1200" b="0" i="0" u="none" strike="noStrike" cap="none" normalizeH="0" baseline="0" dirty="0" smtClean="0">
                         <a:ln>
                           <a:noFill/>
                         </a:ln>
@@ -10205,55 +10613,6 @@
                           <a:lumMod val="50000"/>
                           <a:lumOff val="50000"/>
                         </a:schemeClr>
-                      </a:solidFill>
-                      <a:prstDash val="solid"/>
-                      <a:round/>
-                      <a:headEnd type="none" w="med" len="med"/>
-                      <a:tailEnd type="none" w="med" len="med"/>
-                    </a:lnB>
-                    <a:lnTlToBr>
-                      <a:noFill/>
-                    </a:lnTlToBr>
-                    <a:lnBlToTr>
-                      <a:noFill/>
-                    </a:lnBlToTr>
-                    <a:noFill/>
-                  </a:tcPr>
-                </a:tc>
-              </a:tr>
-              <a:tr h="399064">
-                <a:tc vMerge="1">
-                  <a:tcPr marL="90000" marR="90000" marT="46800" marB="46800" anchor="ctr" anchorCtr="1" horzOverflow="overflow">
-                    <a:lnL w="28575" cap="flat" cmpd="sng" algn="ctr">
-                      <a:solidFill>
-                        <a:schemeClr val="tx1"/>
-                      </a:solidFill>
-                      <a:prstDash val="solid"/>
-                      <a:round/>
-                      <a:headEnd type="none" w="med" len="med"/>
-                      <a:tailEnd type="none" w="med" len="med"/>
-                    </a:lnL>
-                    <a:lnR w="12700" cap="flat" cmpd="sng" algn="ctr">
-                      <a:solidFill>
-                        <a:schemeClr val="tx1"/>
-                      </a:solidFill>
-                      <a:prstDash val="solid"/>
-                      <a:round/>
-                      <a:headEnd type="none" w="med" len="med"/>
-                      <a:tailEnd type="none" w="med" len="med"/>
-                    </a:lnR>
-                    <a:lnT w="12700" cap="flat" cmpd="sng" algn="ctr">
-                      <a:solidFill>
-                        <a:schemeClr val="tx1"/>
-                      </a:solidFill>
-                      <a:prstDash val="solid"/>
-                      <a:round/>
-                      <a:headEnd type="none" w="med" len="med"/>
-                      <a:tailEnd type="none" w="med" len="med"/>
-                    </a:lnT>
-                    <a:lnB w="12700" cap="flat" cmpd="sng" algn="ctr">
-                      <a:solidFill>
-                        <a:schemeClr val="tx1"/>
                       </a:solidFill>
                       <a:prstDash val="solid"/>
                       <a:round/>
@@ -10291,192 +10650,20 @@
                         <a:buFont typeface="Wingdings" panose="05000000000000000000" pitchFamily="2" charset="2"/>
                         <a:buNone/>
                       </a:pPr>
-                      <a:endParaRPr kumimoji="0" lang="zh-CN" altLang="zh-CN" sz="1200" b="0" i="0" u="none" strike="noStrike" cap="none" normalizeH="0" baseline="0" dirty="0" smtClean="0">
-                        <a:ln>
-                          <a:noFill/>
-                        </a:ln>
-                        <a:solidFill>
-                          <a:schemeClr val="tx1"/>
-                        </a:solidFill>
-                        <a:effectLst/>
-                        <a:latin typeface="微软雅黑" panose="020B0503020204020204" pitchFamily="34" charset="-122"/>
-                        <a:ea typeface="微软雅黑" panose="020B0503020204020204" pitchFamily="34" charset="-122"/>
-                      </a:endParaRPr>
-                    </a:p>
-                  </a:txBody>
-                  <a:tcPr marL="90000" marR="90000" marT="41773" marB="41773" anchor="ctr" anchorCtr="1" horzOverflow="overflow">
-                    <a:lnL w="12700" cap="flat" cmpd="sng" algn="ctr">
-                      <a:solidFill>
-                        <a:schemeClr val="tx1">
-                          <a:lumMod val="50000"/>
-                          <a:lumOff val="50000"/>
-                        </a:schemeClr>
-                      </a:solidFill>
-                      <a:prstDash val="solid"/>
-                      <a:round/>
-                      <a:headEnd type="none" w="med" len="med"/>
-                      <a:tailEnd type="none" w="med" len="med"/>
-                    </a:lnL>
-                    <a:lnR w="12700" cap="flat" cmpd="sng" algn="ctr">
-                      <a:solidFill>
-                        <a:schemeClr val="tx1">
-                          <a:lumMod val="50000"/>
-                          <a:lumOff val="50000"/>
-                        </a:schemeClr>
-                      </a:solidFill>
-                      <a:prstDash val="solid"/>
-                      <a:round/>
-                      <a:headEnd type="none" w="med" len="med"/>
-                      <a:tailEnd type="none" w="med" len="med"/>
-                    </a:lnR>
-                    <a:lnT w="12700" cap="flat" cmpd="sng" algn="ctr">
-                      <a:solidFill>
-                        <a:schemeClr val="tx1">
-                          <a:lumMod val="50000"/>
-                          <a:lumOff val="50000"/>
-                        </a:schemeClr>
-                      </a:solidFill>
-                      <a:prstDash val="solid"/>
-                      <a:round/>
-                      <a:headEnd type="none" w="med" len="med"/>
-                      <a:tailEnd type="none" w="med" len="med"/>
-                    </a:lnT>
-                    <a:lnB w="12700" cap="flat" cmpd="sng" algn="ctr">
-                      <a:solidFill>
-                        <a:schemeClr val="tx1">
-                          <a:lumMod val="50000"/>
-                          <a:lumOff val="50000"/>
-                        </a:schemeClr>
-                      </a:solidFill>
-                      <a:prstDash val="solid"/>
-                      <a:round/>
-                      <a:headEnd type="none" w="med" len="med"/>
-                      <a:tailEnd type="none" w="med" len="med"/>
-                    </a:lnB>
-                    <a:lnTlToBr>
-                      <a:noFill/>
-                    </a:lnTlToBr>
-                    <a:lnBlToTr>
-                      <a:noFill/>
-                    </a:lnBlToTr>
-                    <a:noFill/>
-                  </a:tcPr>
-                </a:tc>
-                <a:tc>
-                  <a:txBody>
-                    <a:bodyPr/>
-                    <a:lstStyle/>
-                    <a:p>
-                      <a:pPr marL="0" marR="0" lvl="0" indent="0" algn="ctr" defTabSz="914400" rtl="0" eaLnBrk="0" fontAlgn="base" latinLnBrk="0" hangingPunct="0">
-                        <a:lnSpc>
-                          <a:spcPct val="100000"/>
-                        </a:lnSpc>
-                        <a:spcBef>
-                          <a:spcPct val="10000"/>
-                        </a:spcBef>
-                        <a:spcAft>
-                          <a:spcPct val="0"/>
-                        </a:spcAft>
-                        <a:buClr>
-                          <a:srgbClr val="3F6985"/>
-                        </a:buClr>
-                        <a:buSzTx/>
-                        <a:buFont typeface="Wingdings" panose="05000000000000000000" pitchFamily="2" charset="2"/>
-                        <a:buNone/>
-                      </a:pPr>
-                      <a:endParaRPr kumimoji="0" lang="zh-CN" altLang="en-US" sz="1200" b="0" i="0" u="none" strike="noStrike" cap="none" normalizeH="0" baseline="0" dirty="0" smtClean="0">
-                        <a:ln>
-                          <a:noFill/>
-                        </a:ln>
-                        <a:solidFill>
-                          <a:schemeClr val="tx1"/>
-                        </a:solidFill>
-                        <a:effectLst/>
-                        <a:latin typeface="微软雅黑" panose="020B0503020204020204" pitchFamily="34" charset="-122"/>
-                        <a:ea typeface="微软雅黑" panose="020B0503020204020204" pitchFamily="34" charset="-122"/>
-                      </a:endParaRPr>
-                    </a:p>
-                  </a:txBody>
-                  <a:tcPr marL="90000" marR="90000" marT="41773" marB="41773" anchor="ctr" anchorCtr="1" horzOverflow="overflow">
-                    <a:lnL w="12700" cap="flat" cmpd="sng" algn="ctr">
-                      <a:solidFill>
-                        <a:schemeClr val="tx1">
-                          <a:lumMod val="50000"/>
-                          <a:lumOff val="50000"/>
-                        </a:schemeClr>
-                      </a:solidFill>
-                      <a:prstDash val="solid"/>
-                      <a:round/>
-                      <a:headEnd type="none" w="med" len="med"/>
-                      <a:tailEnd type="none" w="med" len="med"/>
-                    </a:lnL>
-                    <a:lnR w="12700" cap="flat" cmpd="sng" algn="ctr">
-                      <a:solidFill>
-                        <a:schemeClr val="tx1">
-                          <a:lumMod val="50000"/>
-                          <a:lumOff val="50000"/>
-                        </a:schemeClr>
-                      </a:solidFill>
-                      <a:prstDash val="solid"/>
-                      <a:round/>
-                      <a:headEnd type="none" w="med" len="med"/>
-                      <a:tailEnd type="none" w="med" len="med"/>
-                    </a:lnR>
-                    <a:lnT w="12700" cap="flat" cmpd="sng" algn="ctr">
-                      <a:solidFill>
-                        <a:schemeClr val="tx1">
-                          <a:lumMod val="50000"/>
-                          <a:lumOff val="50000"/>
-                        </a:schemeClr>
-                      </a:solidFill>
-                      <a:prstDash val="solid"/>
-                      <a:round/>
-                      <a:headEnd type="none" w="med" len="med"/>
-                      <a:tailEnd type="none" w="med" len="med"/>
-                    </a:lnT>
-                    <a:lnB w="12700" cap="flat" cmpd="sng" algn="ctr">
-                      <a:solidFill>
-                        <a:schemeClr val="tx1">
-                          <a:lumMod val="50000"/>
-                          <a:lumOff val="50000"/>
-                        </a:schemeClr>
-                      </a:solidFill>
-                      <a:prstDash val="solid"/>
-                      <a:round/>
-                      <a:headEnd type="none" w="med" len="med"/>
-                      <a:tailEnd type="none" w="med" len="med"/>
-                    </a:lnB>
-                    <a:lnTlToBr>
-                      <a:noFill/>
-                    </a:lnTlToBr>
-                    <a:lnBlToTr>
-                      <a:noFill/>
-                    </a:lnBlToTr>
-                    <a:noFill/>
-                  </a:tcPr>
-                </a:tc>
-                <a:tc>
-                  <a:txBody>
-                    <a:bodyPr/>
-                    <a:lstStyle/>
-                    <a:p>
-                      <a:pPr marL="0" marR="0" lvl="0" indent="0" algn="ctr" defTabSz="914400" rtl="0" eaLnBrk="0" fontAlgn="base" latinLnBrk="0" hangingPunct="0">
-                        <a:lnSpc>
-                          <a:spcPct val="100000"/>
-                        </a:lnSpc>
-                        <a:spcBef>
-                          <a:spcPct val="10000"/>
-                        </a:spcBef>
-                        <a:spcAft>
-                          <a:spcPct val="0"/>
-                        </a:spcAft>
-                        <a:buClr>
-                          <a:srgbClr val="3F6985"/>
-                        </a:buClr>
-                        <a:buSzTx/>
-                        <a:buFont typeface="Wingdings" panose="05000000000000000000" pitchFamily="2" charset="2"/>
-                        <a:buNone/>
-                      </a:pPr>
+                      <a:r>
+                        <a:rPr kumimoji="0" lang="zh-CN" altLang="zh-CN" sz="1200" b="0" i="0" u="none" strike="noStrike" cap="none" normalizeH="0" baseline="0" dirty="0" smtClean="0">
+                          <a:ln>
+                            <a:noFill/>
+                          </a:ln>
+                          <a:solidFill>
+                            <a:schemeClr val="tx1"/>
+                          </a:solidFill>
+                          <a:effectLst/>
+                          <a:latin typeface="微软雅黑" panose="020B0503020204020204" pitchFamily="34" charset="-122"/>
+                          <a:ea typeface="微软雅黑" panose="020B0503020204020204" pitchFamily="34" charset="-122"/>
+                        </a:rPr>
+                        <a:t>通过</a:t>
+                      </a:r>
                       <a:endParaRPr kumimoji="0" lang="zh-CN" altLang="zh-CN" sz="1200" b="0" i="0" u="none" strike="noStrike" cap="none" normalizeH="0" baseline="0" dirty="0" smtClean="0">
                         <a:ln>
                           <a:noFill/>
@@ -10719,6 +10906,13 @@
                           <a:ea typeface="微软雅黑" panose="020B0503020204020204" pitchFamily="34" charset="-122"/>
                         </a:rPr>
                         <a:t>上一年度：</a:t>
+                      </a:r>
+                      <a:r>
+                        <a:rPr lang="en-US" altLang="zh-CN" sz="1200" b="0" dirty="0" smtClean="0">
+                          <a:latin typeface="微软雅黑" panose="020B0503020204020204" pitchFamily="34" charset="-122"/>
+                          <a:ea typeface="微软雅黑" panose="020B0503020204020204" pitchFamily="34" charset="-122"/>
+                        </a:rPr>
+                        <a:t>B-</a:t>
                       </a:r>
                       <a:endParaRPr lang="en-US" altLang="zh-CN" sz="1200" b="0" dirty="0" smtClean="0">
                         <a:latin typeface="微软雅黑" panose="020B0503020204020204" pitchFamily="34" charset="-122"/>
@@ -11329,52 +11523,7 @@
                         <a:defRPr/>
                       </a:pPr>
                       <a:r>
-                        <a:rPr kumimoji="0" lang="zh-CN" altLang="en-US" sz="1200" b="0" i="0" u="none" strike="noStrike" cap="none" normalizeH="0" baseline="0" dirty="0" smtClean="0">
-                          <a:ln>
-                            <a:noFill/>
-                          </a:ln>
-                          <a:solidFill>
-                            <a:schemeClr val="tx1"/>
-                          </a:solidFill>
-                          <a:effectLst/>
-                          <a:latin typeface="微软雅黑" panose="020B0503020204020204" pitchFamily="34" charset="-122"/>
-                          <a:ea typeface="微软雅黑" panose="020B0503020204020204" pitchFamily="34" charset="-122"/>
-                        </a:rPr>
-                        <a:t>被投诉事件：</a:t>
-                      </a:r>
-                      <a:endParaRPr kumimoji="0" lang="en-US" altLang="zh-CN" sz="1200" b="0" i="0" u="none" strike="noStrike" cap="none" normalizeH="0" baseline="0" dirty="0" smtClean="0">
-                        <a:ln>
-                          <a:noFill/>
-                        </a:ln>
-                        <a:solidFill>
-                          <a:schemeClr val="tx1"/>
-                        </a:solidFill>
-                        <a:effectLst/>
-                        <a:latin typeface="微软雅黑" panose="020B0503020204020204" pitchFamily="34" charset="-122"/>
-                        <a:ea typeface="微软雅黑" panose="020B0503020204020204" pitchFamily="34" charset="-122"/>
-                      </a:endParaRPr>
-                    </a:p>
-                    <a:p>
-                      <a:pPr marL="0" marR="0" lvl="0" indent="0" algn="l" defTabSz="914400" rtl="0" eaLnBrk="0" fontAlgn="base" latinLnBrk="0" hangingPunct="0">
-                        <a:lnSpc>
-                          <a:spcPct val="150000"/>
-                        </a:lnSpc>
-                        <a:spcBef>
-                          <a:spcPct val="10000"/>
-                        </a:spcBef>
-                        <a:spcAft>
-                          <a:spcPct val="0"/>
-                        </a:spcAft>
-                        <a:buClr>
-                          <a:srgbClr val="3F6985"/>
-                        </a:buClr>
-                        <a:buSzTx/>
-                        <a:buFont typeface="Wingdings" panose="05000000000000000000" pitchFamily="2" charset="2"/>
-                        <a:buNone/>
-                        <a:defRPr/>
-                      </a:pPr>
-                      <a:r>
-                        <a:rPr kumimoji="0" lang="zh-CN" altLang="en-US" sz="800" b="0" i="0" u="none" strike="noStrike" cap="none" normalizeH="0" baseline="0" dirty="0" smtClean="0">
+                        <a:rPr kumimoji="0" lang="en-US" altLang="zh-CN" sz="1200" b="0" i="0" u="none" strike="noStrike" kern="1200" cap="none" normalizeH="0" baseline="0" dirty="0" smtClean="0">
                           <a:ln>
                             <a:noFill/>
                           </a:ln>
@@ -11384,11 +11533,56 @@
                           <a:effectLst/>
                           <a:latin typeface="微软雅黑" panose="020B0503020204020204" pitchFamily="34" charset="-122"/>
                           <a:ea typeface="微软雅黑" panose="020B0503020204020204" pitchFamily="34" charset="-122"/>
-                          <a:sym typeface="Wingdings" panose="05000000000000000000" pitchFamily="2" charset="2"/>
+                          <a:cs typeface="+mn-cs"/>
                         </a:rPr>
-                        <a:t>说明：从大到小、自公司级至部门级、由近及远描述，描述需具体至时间、事件</a:t>
+                        <a:t>2017</a:t>
                       </a:r>
-                      <a:endParaRPr kumimoji="0" lang="zh-CN" altLang="zh-CN" sz="800" b="0" i="0" u="none" strike="noStrike" kern="1200" cap="none" normalizeH="0" baseline="0" dirty="0" smtClean="0">
+                      <a:r>
+                        <a:rPr kumimoji="0" lang="zh-CN" altLang="en-US" sz="1200" b="0" i="0" u="none" strike="noStrike" kern="1200" cap="none" normalizeH="0" baseline="0" dirty="0" smtClean="0">
+                          <a:ln>
+                            <a:noFill/>
+                          </a:ln>
+                          <a:solidFill>
+                            <a:srgbClr val="FF0000"/>
+                          </a:solidFill>
+                          <a:effectLst/>
+                          <a:latin typeface="微软雅黑" panose="020B0503020204020204" pitchFamily="34" charset="-122"/>
+                          <a:ea typeface="微软雅黑" panose="020B0503020204020204" pitchFamily="34" charset="-122"/>
+                          <a:cs typeface="+mn-cs"/>
+                        </a:rPr>
+                        <a:t>年</a:t>
+                      </a:r>
+                      <a:r>
+                        <a:rPr kumimoji="0" lang="en-US" altLang="zh-CN" sz="1200" b="0" i="0" u="none" strike="noStrike" kern="1200" cap="none" normalizeH="0" baseline="0" dirty="0" smtClean="0">
+                          <a:ln>
+                            <a:noFill/>
+                          </a:ln>
+                          <a:solidFill>
+                            <a:srgbClr val="FF0000"/>
+                          </a:solidFill>
+                          <a:effectLst/>
+                          <a:latin typeface="微软雅黑" panose="020B0503020204020204" pitchFamily="34" charset="-122"/>
+                          <a:ea typeface="微软雅黑" panose="020B0503020204020204" pitchFamily="34" charset="-122"/>
+                          <a:cs typeface="+mn-cs"/>
+                        </a:rPr>
+                        <a:t>2</a:t>
+                      </a:r>
+                      <a:r>
+                        <a:rPr kumimoji="0" lang="zh-CN" altLang="en-US" sz="1200" b="0" i="0" u="none" strike="noStrike" kern="1200" cap="none" normalizeH="0" baseline="0" dirty="0" smtClean="0">
+                          <a:ln>
+                            <a:noFill/>
+                          </a:ln>
+                          <a:solidFill>
+                            <a:srgbClr val="FF0000"/>
+                          </a:solidFill>
+                          <a:effectLst/>
+                          <a:latin typeface="微软雅黑" panose="020B0503020204020204" pitchFamily="34" charset="-122"/>
+                          <a:ea typeface="微软雅黑" panose="020B0503020204020204" pitchFamily="34" charset="-122"/>
+                          <a:cs typeface="+mn-cs"/>
+                        </a:rPr>
+                        <a:t>月部门优秀员工</a:t>
+                      </a:r>
+                      <a:endParaRPr kumimoji="0" lang="zh-CN" altLang="en-US" sz="1200" b="0" i="0" u="none" strike="noStrike" kern="1200" cap="none" normalizeH="0" baseline="0" dirty="0" smtClean="0">
                         <a:ln>
                           <a:noFill/>
                         </a:ln>
@@ -11690,8 +11884,8 @@
           <p:nvPr/>
         </p:nvGraphicFramePr>
         <p:xfrm>
-          <a:off x="546931" y="1190625"/>
-          <a:ext cx="8754988" cy="4449063"/>
+          <a:off x="546735" y="1190625"/>
+          <a:ext cx="8754745" cy="4553585"/>
         </p:xfrm>
         <a:graphic>
           <a:graphicData uri="http://schemas.openxmlformats.org/drawingml/2006/table">
@@ -11700,11 +11894,11 @@
                 <a:tableStyleId>{5C22544A-7EE6-4342-B048-85BDC9FD1C3A}</a:tableStyleId>
               </a:tblPr>
               <a:tblGrid>
-                <a:gridCol w="1091369"/>
+                <a:gridCol w="1091565"/>
                 <a:gridCol w="609600"/>
-                <a:gridCol w="7054019"/>
+                <a:gridCol w="7053580"/>
               </a:tblGrid>
-              <a:tr h="718175">
+              <a:tr h="660400">
                 <a:tc rowSpan="2">
                   <a:txBody>
                     <a:bodyPr/>
@@ -11964,7 +12158,7 @@
                   </a:tcPr>
                 </a:tc>
               </a:tr>
-              <a:tr h="729625">
+              <a:tr h="1068705">
                 <a:tc vMerge="1">
                   <a:tcPr anchor="ctr">
                     <a:lnL w="12700" cap="flat" cmpd="sng" algn="ctr">
@@ -12150,7 +12344,7 @@
                   </a:tcPr>
                 </a:tc>
               </a:tr>
-              <a:tr h="272062">
+              <a:tr h="309245">
                 <a:tc gridSpan="3">
                   <a:txBody>
                     <a:bodyPr/>
@@ -12277,7 +12471,7 @@
                   <a:tcPr/>
                 </a:tc>
               </a:tr>
-              <a:tr h="141393">
+              <a:tr h="339725">
                 <a:tc gridSpan="2">
                   <a:txBody>
                     <a:bodyPr/>
@@ -12531,7 +12725,7 @@
                   </a:tcPr>
                 </a:tc>
               </a:tr>
-              <a:tr h="2366707">
+              <a:tr h="2175510">
                 <a:tc gridSpan="2">
                   <a:txBody>
                     <a:bodyPr/>
@@ -12815,22 +13009,7 @@
                           <a:ea typeface="微软雅黑" panose="020B0503020204020204" pitchFamily="34" charset="-122"/>
                           <a:cs typeface="+mn-cs"/>
                         </a:rPr>
-                        <a:t>后端</a:t>
-                      </a:r>
-                      <a:r>
-                        <a:rPr kumimoji="0" lang="zh-CN" altLang="en-US" sz="1200" b="0" i="0" u="none" strike="noStrike" kern="1200" cap="none" normalizeH="0" baseline="0" dirty="0" smtClean="0">
-                          <a:ln>
-                            <a:noFill/>
-                          </a:ln>
-                          <a:solidFill>
-                            <a:srgbClr val="FF0000"/>
-                          </a:solidFill>
-                          <a:effectLst/>
-                          <a:latin typeface="微软雅黑" panose="020B0503020204020204" pitchFamily="34" charset="-122"/>
-                          <a:ea typeface="微软雅黑" panose="020B0503020204020204" pitchFamily="34" charset="-122"/>
-                          <a:cs typeface="+mn-cs"/>
-                        </a:rPr>
-                        <a:t>软件开发工程师</a:t>
+                        <a:t>后端软件开发工程师</a:t>
                       </a:r>
                       <a:endParaRPr kumimoji="0" lang="zh-CN" altLang="en-US" sz="1200" b="0" i="0" u="none" strike="noStrike" kern="1200" cap="none" normalizeH="0" baseline="0" dirty="0" smtClean="0">
                         <a:ln>
@@ -13206,21 +13385,21 @@
           </p:nvPr>
         </p:nvGraphicFramePr>
         <p:xfrm>
-          <a:off x="316427" y="1133475"/>
-          <a:ext cx="9274134" cy="3168890"/>
+          <a:off x="438150" y="867410"/>
+          <a:ext cx="9274175" cy="4552950"/>
         </p:xfrm>
         <a:graphic>
           <a:graphicData uri="http://schemas.openxmlformats.org/drawingml/2006/table">
             <a:tbl>
               <a:tblPr/>
               <a:tblGrid>
-                <a:gridCol w="693223"/>
-                <a:gridCol w="1301337"/>
-                <a:gridCol w="908463"/>
-                <a:gridCol w="5551713"/>
-                <a:gridCol w="819398"/>
+                <a:gridCol w="693420"/>
+                <a:gridCol w="1301115"/>
+                <a:gridCol w="908685"/>
+                <a:gridCol w="5551805"/>
+                <a:gridCol w="819150"/>
               </a:tblGrid>
-              <a:tr h="672435">
+              <a:tr h="724535">
                 <a:tc gridSpan="2">
                   <a:txBody>
                     <a:bodyPr/>
@@ -13757,7 +13936,7 @@
                   </a:tcPr>
                 </a:tc>
               </a:tr>
-              <a:tr h="395185">
+              <a:tr h="445135">
                 <a:tc rowSpan="5">
                   <a:txBody>
                     <a:bodyPr/>
@@ -14231,7 +14410,7 @@
                   </a:tcPr>
                 </a:tc>
               </a:tr>
-              <a:tr h="395185">
+              <a:tr h="466090">
                 <a:tc vMerge="1">
                   <a:tcPr horzOverflow="overflow">
                     <a:lnL w="12700" cap="flat" cmpd="sng" algn="ctr">
@@ -14636,7 +14815,7 @@
                   </a:tcPr>
                 </a:tc>
               </a:tr>
-              <a:tr h="395185">
+              <a:tr h="466090">
                 <a:tc vMerge="1">
                   <a:tcPr horzOverflow="overflow">
                     <a:lnL w="12700" cap="flat" cmpd="sng" algn="ctr">
@@ -15041,7 +15220,7 @@
                   </a:tcPr>
                 </a:tc>
               </a:tr>
-              <a:tr h="395185">
+              <a:tr h="487045">
                 <a:tc vMerge="1">
                   <a:tcPr horzOverflow="overflow">
                     <a:lnL w="12700" cap="flat" cmpd="sng" algn="ctr">
@@ -15446,7 +15625,7 @@
                   </a:tcPr>
                 </a:tc>
               </a:tr>
-              <a:tr h="395185">
+              <a:tr h="626110">
                 <a:tc vMerge="1">
                   <a:tcPr horzOverflow="overflow">
                     <a:lnL w="12700" cap="flat" cmpd="sng" algn="ctr">
@@ -15851,7 +16030,7 @@
                   </a:tcPr>
                 </a:tc>
               </a:tr>
-              <a:tr h="395185">
+              <a:tr h="1337945">
                 <a:tc>
                   <a:txBody>
                     <a:bodyPr/>
@@ -16798,21 +16977,21 @@
           <p:nvPr/>
         </p:nvGraphicFramePr>
         <p:xfrm>
-          <a:off x="383350" y="1292677"/>
-          <a:ext cx="9046399" cy="3412673"/>
+          <a:off x="383540" y="1292860"/>
+          <a:ext cx="9046210" cy="3775075"/>
         </p:xfrm>
         <a:graphic>
           <a:graphicData uri="http://schemas.openxmlformats.org/drawingml/2006/table">
             <a:tbl>
               <a:tblPr/>
               <a:tblGrid>
-                <a:gridCol w="681498"/>
-                <a:gridCol w="954452"/>
-                <a:gridCol w="981075"/>
-                <a:gridCol w="5309132"/>
-                <a:gridCol w="1120242"/>
+                <a:gridCol w="681355"/>
+                <a:gridCol w="954405"/>
+                <a:gridCol w="1080135"/>
+                <a:gridCol w="5210175"/>
+                <a:gridCol w="1120140"/>
               </a:tblGrid>
-              <a:tr h="657468">
+              <a:tr h="727075">
                 <a:tc gridSpan="2">
                   <a:txBody>
                     <a:bodyPr/>
@@ -17304,7 +17483,7 @@
                   </a:tcPr>
                 </a:tc>
               </a:tr>
-              <a:tr h="488255">
+              <a:tr h="540385">
                 <a:tc rowSpan="5">
                   <a:txBody>
                     <a:bodyPr/>
@@ -17778,7 +17957,7 @@
                   </a:tcPr>
                 </a:tc>
               </a:tr>
-              <a:tr h="552450">
+              <a:tr h="610870">
                 <a:tc vMerge="1">
                   <a:tcPr horzOverflow="overflow">
                     <a:lnL w="12700" cap="flat" cmpd="sng" algn="ctr">
@@ -18202,7 +18381,7 @@
                   </a:tcPr>
                 </a:tc>
               </a:tr>
-              <a:tr h="561975">
+              <a:tr h="621665">
                 <a:tc vMerge="1">
                   <a:tcPr marT="40809" marB="40809" anchor="ctr" horzOverflow="overflow">
                     <a:lnL w="12700" cap="flat" cmpd="sng" algn="ctr">
@@ -18628,7 +18807,7 @@
                   </a:tcPr>
                 </a:tc>
               </a:tr>
-              <a:tr h="561975">
+              <a:tr h="621665">
                 <a:tc vMerge="1">
                   <a:tcPr horzOverflow="overflow">
                     <a:lnL w="12700" cap="flat" cmpd="sng" algn="ctr">
@@ -19052,7 +19231,7 @@
                   </a:tcPr>
                 </a:tc>
               </a:tr>
-              <a:tr h="590550">
+              <a:tr h="653415">
                 <a:tc vMerge="1">
                   <a:tcPr horzOverflow="overflow">
                     <a:lnL w="12700" cap="flat" cmpd="sng" algn="ctr">
@@ -19616,7 +19795,7 @@
                 <a:latin typeface="微软雅黑" panose="020B0503020204020204" pitchFamily="34" charset="-122"/>
                 <a:ea typeface="微软雅黑" panose="020B0503020204020204" pitchFamily="34" charset="-122"/>
               </a:rPr>
-              <a:t>：</a:t>
+              <a:t>：架构师</a:t>
             </a:r>
             <a:endParaRPr lang="en-US" altLang="zh-CN" sz="2400" dirty="0" smtClean="0">
               <a:solidFill>
@@ -19705,7 +19884,7 @@
                 <a:latin typeface="微软雅黑" panose="020B0503020204020204" pitchFamily="34" charset="-122"/>
                 <a:ea typeface="微软雅黑" panose="020B0503020204020204" pitchFamily="34" charset="-122"/>
               </a:rPr>
-              <a:t>：</a:t>
+              <a:t>：高级软件工程师</a:t>
             </a:r>
             <a:endParaRPr lang="en-US" altLang="zh-CN" sz="2000" dirty="0" smtClean="0">
               <a:solidFill>
@@ -19794,7 +19973,7 @@
                 <a:latin typeface="微软雅黑" panose="020B0503020204020204" pitchFamily="34" charset="-122"/>
                 <a:ea typeface="微软雅黑" panose="020B0503020204020204" pitchFamily="34" charset="-122"/>
               </a:rPr>
-              <a:t>：</a:t>
+              <a:t>：熟读各个框架的源码，了解技术的深度，提升自己在设计和架构上的能力</a:t>
             </a:r>
             <a:endParaRPr lang="en-US" altLang="zh-CN" sz="1800" dirty="0" smtClean="0">
               <a:latin typeface="微软雅黑" panose="020B0503020204020204" pitchFamily="34" charset="-122"/>

--- a/员工晋升陈述材料_6级及以下(1).pptx
+++ b/员工晋升陈述材料_6级及以下(1).pptx
@@ -10937,7 +10937,21 @@
                           <a:latin typeface="微软雅黑" panose="020B0503020204020204" pitchFamily="34" charset="-122"/>
                           <a:ea typeface="微软雅黑" panose="020B0503020204020204" pitchFamily="34" charset="-122"/>
                         </a:rPr>
-                        <a:t>X</a:t>
+                        <a:t>2016</a:t>
+                      </a:r>
+                      <a:r>
+                        <a:rPr lang="zh-CN" altLang="en-US" sz="1200" b="0" dirty="0" smtClean="0">
+                          <a:latin typeface="微软雅黑" panose="020B0503020204020204" pitchFamily="34" charset="-122"/>
+                          <a:ea typeface="微软雅黑" panose="020B0503020204020204" pitchFamily="34" charset="-122"/>
+                        </a:rPr>
+                        <a:t>年</a:t>
+                      </a:r>
+                      <a:r>
+                        <a:rPr lang="en-US" altLang="zh-CN" sz="1200" b="0" dirty="0" smtClean="0">
+                          <a:latin typeface="微软雅黑" panose="020B0503020204020204" pitchFamily="34" charset="-122"/>
+                          <a:ea typeface="微软雅黑" panose="020B0503020204020204" pitchFamily="34" charset="-122"/>
+                        </a:rPr>
+                        <a:t>9</a:t>
                       </a:r>
                       <a:r>
                         <a:rPr lang="zh-CN" altLang="en-US" sz="1200" b="0" dirty="0" smtClean="0">
@@ -10951,7 +10965,7 @@
                           <a:latin typeface="微软雅黑" panose="020B0503020204020204" pitchFamily="34" charset="-122"/>
                           <a:ea typeface="微软雅黑" panose="020B0503020204020204" pitchFamily="34" charset="-122"/>
                         </a:rPr>
-                        <a:t>-</a:t>
+                        <a:t>-B+</a:t>
                       </a:r>
                       <a:r>
                         <a:rPr lang="zh-CN" altLang="en-US" sz="1200" b="0" dirty="0" smtClean="0">
@@ -10961,11 +10975,27 @@
                         <a:t>   </a:t>
                       </a:r>
                       <a:r>
+                        <a:rPr lang="en-US" altLang="zh-CN" sz="1200" dirty="0" smtClean="0">
+                          <a:latin typeface="微软雅黑" panose="020B0503020204020204" pitchFamily="34" charset="-122"/>
+                          <a:ea typeface="微软雅黑" panose="020B0503020204020204" pitchFamily="34" charset="-122"/>
+                          <a:sym typeface="+mn-ea"/>
+                        </a:rPr>
+                        <a:t>2016</a:t>
+                      </a:r>
+                      <a:r>
+                        <a:rPr lang="zh-CN" altLang="en-US" sz="1200" dirty="0" smtClean="0">
+                          <a:latin typeface="微软雅黑" panose="020B0503020204020204" pitchFamily="34" charset="-122"/>
+                          <a:ea typeface="微软雅黑" panose="020B0503020204020204" pitchFamily="34" charset="-122"/>
+                          <a:sym typeface="+mn-ea"/>
+                        </a:rPr>
+                        <a:t>年</a:t>
+                      </a:r>
+                      <a:r>
                         <a:rPr lang="en-US" altLang="zh-CN" sz="1200" b="0" dirty="0" smtClean="0">
                           <a:latin typeface="微软雅黑" panose="020B0503020204020204" pitchFamily="34" charset="-122"/>
                           <a:ea typeface="微软雅黑" panose="020B0503020204020204" pitchFamily="34" charset="-122"/>
                         </a:rPr>
-                        <a:t>X</a:t>
+                        <a:t>10</a:t>
                       </a:r>
                       <a:r>
                         <a:rPr lang="zh-CN" altLang="en-US" sz="1200" b="0" dirty="0" smtClean="0">
@@ -10986,14 +11016,44 @@
                           <a:latin typeface="微软雅黑" panose="020B0503020204020204" pitchFamily="34" charset="-122"/>
                           <a:ea typeface="微软雅黑" panose="020B0503020204020204" pitchFamily="34" charset="-122"/>
                         </a:rPr>
-                        <a:t>   </a:t>
+                        <a:t> </a:t>
                       </a:r>
                       <a:r>
                         <a:rPr lang="en-US" altLang="zh-CN" sz="1200" b="0" dirty="0" smtClean="0">
                           <a:latin typeface="微软雅黑" panose="020B0503020204020204" pitchFamily="34" charset="-122"/>
                           <a:ea typeface="微软雅黑" panose="020B0503020204020204" pitchFamily="34" charset="-122"/>
                         </a:rPr>
-                        <a:t>X</a:t>
+                        <a:t>B</a:t>
+                      </a:r>
+                      <a:r>
+                        <a:rPr lang="zh-CN" altLang="en-US" sz="1200" b="0" dirty="0" smtClean="0">
+                          <a:latin typeface="微软雅黑" panose="020B0503020204020204" pitchFamily="34" charset="-122"/>
+                          <a:ea typeface="微软雅黑" panose="020B0503020204020204" pitchFamily="34" charset="-122"/>
+                        </a:rPr>
+                        <a:t>  </a:t>
+                      </a:r>
+                      <a:r>
+                        <a:rPr lang="en-US" altLang="zh-CN" sz="1200" dirty="0" smtClean="0">
+                          <a:latin typeface="微软雅黑" panose="020B0503020204020204" pitchFamily="34" charset="-122"/>
+                          <a:ea typeface="微软雅黑" panose="020B0503020204020204" pitchFamily="34" charset="-122"/>
+                          <a:sym typeface="+mn-ea"/>
+                        </a:rPr>
+                        <a:t>2016</a:t>
+                      </a:r>
+                      <a:r>
+                        <a:rPr lang="zh-CN" altLang="en-US" sz="1200" dirty="0" smtClean="0">
+                          <a:latin typeface="微软雅黑" panose="020B0503020204020204" pitchFamily="34" charset="-122"/>
+                          <a:ea typeface="微软雅黑" panose="020B0503020204020204" pitchFamily="34" charset="-122"/>
+                          <a:sym typeface="+mn-ea"/>
+                        </a:rPr>
+                        <a:t>年</a:t>
+                      </a:r>
+                      <a:r>
+                        <a:rPr lang="en-US" altLang="zh-CN" sz="1200" b="0" dirty="0" smtClean="0">
+                          <a:latin typeface="微软雅黑" panose="020B0503020204020204" pitchFamily="34" charset="-122"/>
+                          <a:ea typeface="微软雅黑" panose="020B0503020204020204" pitchFamily="34" charset="-122"/>
+                        </a:rPr>
+                        <a:t>11</a:t>
                       </a:r>
                       <a:r>
                         <a:rPr lang="zh-CN" altLang="en-US" sz="1200" b="0" dirty="0" smtClean="0">
@@ -11007,7 +11067,7 @@
                           <a:latin typeface="微软雅黑" panose="020B0503020204020204" pitchFamily="34" charset="-122"/>
                           <a:ea typeface="微软雅黑" panose="020B0503020204020204" pitchFamily="34" charset="-122"/>
                         </a:rPr>
-                        <a:t>-</a:t>
+                        <a:t>-A-</a:t>
                       </a:r>
                       <a:r>
                         <a:rPr lang="zh-CN" altLang="en-US" sz="1200" b="0" dirty="0" smtClean="0">
@@ -11017,11 +11077,27 @@
                         <a:t>   </a:t>
                       </a:r>
                       <a:r>
+                        <a:rPr lang="en-US" altLang="zh-CN" sz="1200" dirty="0" smtClean="0">
+                          <a:latin typeface="微软雅黑" panose="020B0503020204020204" pitchFamily="34" charset="-122"/>
+                          <a:ea typeface="微软雅黑" panose="020B0503020204020204" pitchFamily="34" charset="-122"/>
+                          <a:sym typeface="+mn-ea"/>
+                        </a:rPr>
+                        <a:t>2016</a:t>
+                      </a:r>
+                      <a:r>
+                        <a:rPr lang="zh-CN" altLang="en-US" sz="1200" dirty="0" smtClean="0">
+                          <a:latin typeface="微软雅黑" panose="020B0503020204020204" pitchFamily="34" charset="-122"/>
+                          <a:ea typeface="微软雅黑" panose="020B0503020204020204" pitchFamily="34" charset="-122"/>
+                          <a:sym typeface="+mn-ea"/>
+                        </a:rPr>
+                        <a:t>年</a:t>
+                      </a:r>
+                      <a:r>
                         <a:rPr lang="en-US" altLang="zh-CN" sz="1200" b="0" dirty="0" smtClean="0">
                           <a:latin typeface="微软雅黑" panose="020B0503020204020204" pitchFamily="34" charset="-122"/>
                           <a:ea typeface="微软雅黑" panose="020B0503020204020204" pitchFamily="34" charset="-122"/>
                         </a:rPr>
-                        <a:t>X</a:t>
+                        <a:t>12</a:t>
                       </a:r>
                       <a:r>
                         <a:rPr lang="zh-CN" altLang="en-US" sz="1200" b="0" dirty="0" smtClean="0">
@@ -11035,7 +11111,7 @@
                           <a:latin typeface="微软雅黑" panose="020B0503020204020204" pitchFamily="34" charset="-122"/>
                           <a:ea typeface="微软雅黑" panose="020B0503020204020204" pitchFamily="34" charset="-122"/>
                         </a:rPr>
-                        <a:t>-</a:t>
+                        <a:t>-B+</a:t>
                       </a:r>
                       <a:r>
                         <a:rPr lang="zh-CN" altLang="en-US" sz="1200" b="0" dirty="0" smtClean="0">
@@ -11045,11 +11121,27 @@
                         <a:t>   </a:t>
                       </a:r>
                       <a:r>
+                        <a:rPr lang="en-US" altLang="zh-CN" sz="1200" dirty="0" smtClean="0">
+                          <a:latin typeface="微软雅黑" panose="020B0503020204020204" pitchFamily="34" charset="-122"/>
+                          <a:ea typeface="微软雅黑" panose="020B0503020204020204" pitchFamily="34" charset="-122"/>
+                          <a:sym typeface="+mn-ea"/>
+                        </a:rPr>
+                        <a:t>2017</a:t>
+                      </a:r>
+                      <a:r>
+                        <a:rPr lang="zh-CN" altLang="en-US" sz="1200" dirty="0" smtClean="0">
+                          <a:latin typeface="微软雅黑" panose="020B0503020204020204" pitchFamily="34" charset="-122"/>
+                          <a:ea typeface="微软雅黑" panose="020B0503020204020204" pitchFamily="34" charset="-122"/>
+                          <a:sym typeface="+mn-ea"/>
+                        </a:rPr>
+                        <a:t>年</a:t>
+                      </a:r>
+                      <a:r>
                         <a:rPr lang="en-US" altLang="zh-CN" sz="1200" b="0" dirty="0" smtClean="0">
                           <a:latin typeface="微软雅黑" panose="020B0503020204020204" pitchFamily="34" charset="-122"/>
                           <a:ea typeface="微软雅黑" panose="020B0503020204020204" pitchFamily="34" charset="-122"/>
                         </a:rPr>
-                        <a:t>X</a:t>
+                        <a:t>1</a:t>
                       </a:r>
                       <a:r>
                         <a:rPr lang="zh-CN" altLang="en-US" sz="1200" b="0" dirty="0" smtClean="0">
@@ -11070,14 +11162,44 @@
                           <a:latin typeface="微软雅黑" panose="020B0503020204020204" pitchFamily="34" charset="-122"/>
                           <a:ea typeface="微软雅黑" panose="020B0503020204020204" pitchFamily="34" charset="-122"/>
                         </a:rPr>
-                        <a:t>   </a:t>
+                        <a:t> </a:t>
                       </a:r>
                       <a:r>
                         <a:rPr lang="en-US" altLang="zh-CN" sz="1200" b="0" dirty="0" smtClean="0">
                           <a:latin typeface="微软雅黑" panose="020B0503020204020204" pitchFamily="34" charset="-122"/>
                           <a:ea typeface="微软雅黑" panose="020B0503020204020204" pitchFamily="34" charset="-122"/>
                         </a:rPr>
-                        <a:t>X</a:t>
+                        <a:t>A-</a:t>
+                      </a:r>
+                      <a:r>
+                        <a:rPr lang="zh-CN" altLang="en-US" sz="1200" b="0" dirty="0" smtClean="0">
+                          <a:latin typeface="微软雅黑" panose="020B0503020204020204" pitchFamily="34" charset="-122"/>
+                          <a:ea typeface="微软雅黑" panose="020B0503020204020204" pitchFamily="34" charset="-122"/>
+                        </a:rPr>
+                        <a:t>  </a:t>
+                      </a:r>
+                      <a:r>
+                        <a:rPr lang="en-US" altLang="zh-CN" sz="1200" dirty="0" smtClean="0">
+                          <a:latin typeface="微软雅黑" panose="020B0503020204020204" pitchFamily="34" charset="-122"/>
+                          <a:ea typeface="微软雅黑" panose="020B0503020204020204" pitchFamily="34" charset="-122"/>
+                          <a:sym typeface="+mn-ea"/>
+                        </a:rPr>
+                        <a:t>2017</a:t>
+                      </a:r>
+                      <a:r>
+                        <a:rPr lang="zh-CN" altLang="en-US" sz="1200" dirty="0" smtClean="0">
+                          <a:latin typeface="微软雅黑" panose="020B0503020204020204" pitchFamily="34" charset="-122"/>
+                          <a:ea typeface="微软雅黑" panose="020B0503020204020204" pitchFamily="34" charset="-122"/>
+                          <a:sym typeface="+mn-ea"/>
+                        </a:rPr>
+                        <a:t>年</a:t>
+                      </a:r>
+                      <a:r>
+                        <a:rPr lang="en-US" altLang="zh-CN" sz="1200" b="0" dirty="0" smtClean="0">
+                          <a:latin typeface="微软雅黑" panose="020B0503020204020204" pitchFamily="34" charset="-122"/>
+                          <a:ea typeface="微软雅黑" panose="020B0503020204020204" pitchFamily="34" charset="-122"/>
+                        </a:rPr>
+                        <a:t>2</a:t>
                       </a:r>
                       <a:r>
                         <a:rPr lang="zh-CN" altLang="en-US" sz="1200" b="0" dirty="0" smtClean="0">
@@ -11091,7 +11213,7 @@
                           <a:latin typeface="微软雅黑" panose="020B0503020204020204" pitchFamily="34" charset="-122"/>
                           <a:ea typeface="微软雅黑" panose="020B0503020204020204" pitchFamily="34" charset="-122"/>
                         </a:rPr>
-                        <a:t>-</a:t>
+                        <a:t>-A</a:t>
                       </a:r>
                       <a:endParaRPr lang="en-US" altLang="zh-CN" sz="1200" b="0" dirty="0" smtClean="0">
                         <a:latin typeface="微软雅黑" panose="020B0503020204020204" pitchFamily="34" charset="-122"/>
@@ -11099,70 +11221,11 @@
                       </a:endParaRPr>
                     </a:p>
                     <a:p>
-                      <a:pPr marL="0" marR="0" lvl="0" indent="0" algn="l" defTabSz="914400" rtl="0" eaLnBrk="1" fontAlgn="auto" latinLnBrk="0" hangingPunct="1">
+                      <a:pPr algn="l">
                         <a:lnSpc>
                           <a:spcPct val="150000"/>
                         </a:lnSpc>
-                        <a:spcBef>
-                          <a:spcPts val="0"/>
-                        </a:spcBef>
-                        <a:spcAft>
-                          <a:spcPts val="0"/>
-                        </a:spcAft>
-                        <a:buClrTx/>
-                        <a:buSzTx/>
-                        <a:buFontTx/>
-                        <a:buNone/>
-                        <a:defRPr/>
                       </a:pPr>
-                      <a:r>
-                        <a:rPr kumimoji="0" lang="zh-CN" altLang="en-US" sz="800" b="0" i="0" u="none" strike="noStrike" kern="1200" cap="none" normalizeH="0" baseline="0" dirty="0" smtClean="0">
-                          <a:ln>
-                            <a:noFill/>
-                          </a:ln>
-                          <a:solidFill>
-                            <a:srgbClr val="FF0000"/>
-                          </a:solidFill>
-                          <a:effectLst/>
-                          <a:latin typeface="微软雅黑" panose="020B0503020204020204" pitchFamily="34" charset="-122"/>
-                          <a:ea typeface="微软雅黑" panose="020B0503020204020204" pitchFamily="34" charset="-122"/>
-                          <a:cs typeface="+mn-cs"/>
-                          <a:sym typeface="Wingdings" panose="05000000000000000000" pitchFamily="2" charset="2"/>
-                        </a:rPr>
-                        <a:t>说明：请写出上一年度及前</a:t>
-                      </a:r>
-                      <a:r>
-                        <a:rPr kumimoji="0" lang="en-US" altLang="zh-CN" sz="800" b="0" i="0" u="none" strike="noStrike" kern="1200" cap="none" normalizeH="0" baseline="0" dirty="0" smtClean="0">
-                          <a:ln>
-                            <a:noFill/>
-                          </a:ln>
-                          <a:solidFill>
-                            <a:srgbClr val="FF0000"/>
-                          </a:solidFill>
-                          <a:effectLst/>
-                          <a:latin typeface="微软雅黑" panose="020B0503020204020204" pitchFamily="34" charset="-122"/>
-                          <a:ea typeface="微软雅黑" panose="020B0503020204020204" pitchFamily="34" charset="-122"/>
-                          <a:cs typeface="+mn-cs"/>
-                          <a:sym typeface="Wingdings" panose="05000000000000000000" pitchFamily="2" charset="2"/>
-                        </a:rPr>
-                        <a:t>6</a:t>
-                      </a:r>
-                      <a:r>
-                        <a:rPr kumimoji="0" lang="zh-CN" altLang="en-US" sz="800" b="0" i="0" u="none" strike="noStrike" kern="1200" cap="none" normalizeH="0" baseline="0" dirty="0" smtClean="0">
-                          <a:ln>
-                            <a:noFill/>
-                          </a:ln>
-                          <a:solidFill>
-                            <a:srgbClr val="FF0000"/>
-                          </a:solidFill>
-                          <a:effectLst/>
-                          <a:latin typeface="微软雅黑" panose="020B0503020204020204" pitchFamily="34" charset="-122"/>
-                          <a:ea typeface="微软雅黑" panose="020B0503020204020204" pitchFamily="34" charset="-122"/>
-                          <a:cs typeface="+mn-cs"/>
-                          <a:sym typeface="Wingdings" panose="05000000000000000000" pitchFamily="2" charset="2"/>
-                        </a:rPr>
-                        <a:t>个月绩效考核结果</a:t>
-                      </a:r>
                       <a:endParaRPr kumimoji="0" lang="zh-CN" altLang="zh-CN" sz="800" b="0" i="0" u="none" strike="noStrike" kern="1200" cap="none" normalizeH="0" baseline="0" dirty="0" smtClean="0">
                         <a:ln>
                           <a:noFill/>
@@ -11528,7 +11591,7 @@
                             <a:noFill/>
                           </a:ln>
                           <a:solidFill>
-                            <a:srgbClr val="FF0000"/>
+                            <a:schemeClr val="tx1"/>
                           </a:solidFill>
                           <a:effectLst/>
                           <a:latin typeface="微软雅黑" panose="020B0503020204020204" pitchFamily="34" charset="-122"/>
@@ -11543,7 +11606,7 @@
                             <a:noFill/>
                           </a:ln>
                           <a:solidFill>
-                            <a:srgbClr val="FF0000"/>
+                            <a:schemeClr val="tx1"/>
                           </a:solidFill>
                           <a:effectLst/>
                           <a:latin typeface="微软雅黑" panose="020B0503020204020204" pitchFamily="34" charset="-122"/>
@@ -11558,7 +11621,7 @@
                             <a:noFill/>
                           </a:ln>
                           <a:solidFill>
-                            <a:srgbClr val="FF0000"/>
+                            <a:schemeClr val="tx1"/>
                           </a:solidFill>
                           <a:effectLst/>
                           <a:latin typeface="微软雅黑" panose="020B0503020204020204" pitchFamily="34" charset="-122"/>
@@ -11573,7 +11636,7 @@
                             <a:noFill/>
                           </a:ln>
                           <a:solidFill>
-                            <a:srgbClr val="FF0000"/>
+                            <a:schemeClr val="tx1"/>
                           </a:solidFill>
                           <a:effectLst/>
                           <a:latin typeface="微软雅黑" panose="020B0503020204020204" pitchFamily="34" charset="-122"/>
@@ -11587,7 +11650,7 @@
                           <a:noFill/>
                         </a:ln>
                         <a:solidFill>
-                          <a:srgbClr val="FF0000"/>
+                          <a:schemeClr val="tx1"/>
                         </a:solidFill>
                         <a:effectLst/>
                         <a:latin typeface="微软雅黑" panose="020B0503020204020204" pitchFamily="34" charset="-122"/>
@@ -11884,8 +11947,8 @@
           <p:nvPr/>
         </p:nvGraphicFramePr>
         <p:xfrm>
-          <a:off x="546735" y="1190625"/>
-          <a:ext cx="8754745" cy="4553585"/>
+          <a:off x="546735" y="1166495"/>
+          <a:ext cx="8754745" cy="4844415"/>
         </p:xfrm>
         <a:graphic>
           <a:graphicData uri="http://schemas.openxmlformats.org/drawingml/2006/table">
@@ -11898,7 +11961,7 @@
                 <a:gridCol w="609600"/>
                 <a:gridCol w="7053580"/>
               </a:tblGrid>
-              <a:tr h="660400">
+              <a:tr h="1180465">
                 <a:tc rowSpan="2">
                   <a:txBody>
                     <a:bodyPr/>
@@ -12070,38 +12133,103 @@
                     <a:bodyPr/>
                     <a:lstStyle/>
                     <a:p>
-                      <a:pPr marL="0" marR="0" indent="0" algn="l" defTabSz="915035" rtl="0" eaLnBrk="1" fontAlgn="auto" latinLnBrk="0" hangingPunct="1">
+                      <a:pPr marL="0" marR="0" algn="l" defTabSz="915035" rtl="0" eaLnBrk="1" fontAlgn="auto" latinLnBrk="0" hangingPunct="1">
                         <a:lnSpc>
                           <a:spcPct val="100000"/>
                         </a:lnSpc>
                         <a:spcBef>
                           <a:spcPts val="0"/>
                         </a:spcBef>
-                        <a:spcAft>
-                          <a:spcPts val="0"/>
-                        </a:spcAft>
-                        <a:buClrTx/>
-                        <a:buSzTx/>
                         <a:buFontTx/>
                         <a:buNone/>
-                        <a:defRPr/>
                       </a:pPr>
                       <a:r>
-                        <a:rPr lang="zh-CN" altLang="en-US" sz="1200" dirty="0" smtClean="0">
+                        <a:rPr lang="en-US" altLang="zh-CN" sz="1200" b="0" dirty="0" smtClean="0">
                           <a:solidFill>
-                            <a:schemeClr val="tx1"/>
+                            <a:schemeClr val="dk1"/>
                           </a:solidFill>
-                          <a:latin typeface="微软雅黑" panose="020B0503020204020204" pitchFamily="34" charset="-122"/>
-                          <a:ea typeface="微软雅黑" panose="020B0503020204020204" pitchFamily="34" charset="-122"/>
                         </a:rPr>
-                        <a:t>在组织内部被认为是技术开发类的工程师(Engineer)。熟练掌握技术开发知识及方法论，精通某个特定领域，能够独立完成中小型项目的模块开发工作，或指导中小规模团队（5-10人）完成模块开发工作。</a:t>
-                      </a:r>
-                      <a:endParaRPr lang="zh-CN" altLang="en-US" sz="1200" dirty="0" smtClean="0">
+                        <a:t>（1）在组织内部被认为是技术开发类的工程师(Engineer)。熟练掌握技术开发知识及方法论，精通某个特定领域，能够独立完成中小型项目的模块开发工作，或指导中小规模团队（5-10人）完成模块开发工作。</a:t>
+                      </a:r>
+                      <a:endParaRPr lang="en-US" altLang="zh-CN" sz="1200" b="0" dirty="0" smtClean="0">
                         <a:solidFill>
-                          <a:schemeClr val="tx1"/>
+                          <a:schemeClr val="dk1"/>
                         </a:solidFill>
-                        <a:latin typeface="微软雅黑" panose="020B0503020204020204" pitchFamily="34" charset="-122"/>
-                        <a:ea typeface="微软雅黑" panose="020B0503020204020204" pitchFamily="34" charset="-122"/>
+                      </a:endParaRPr>
+                    </a:p>
+                    <a:p>
+                      <a:pPr marL="0" marR="0" algn="l" defTabSz="915035" rtl="0" eaLnBrk="1" fontAlgn="auto" latinLnBrk="0" hangingPunct="1">
+                        <a:lnSpc>
+                          <a:spcPct val="100000"/>
+                        </a:lnSpc>
+                        <a:spcBef>
+                          <a:spcPts val="0"/>
+                        </a:spcBef>
+                        <a:buFontTx/>
+                        <a:buNone/>
+                      </a:pPr>
+                      <a:r>
+                        <a:rPr lang="en-US" altLang="zh-CN" sz="1200" b="0" dirty="0" smtClean="0">
+                          <a:solidFill>
+                            <a:schemeClr val="dk1"/>
+                          </a:solidFill>
+                        </a:rPr>
+                        <a:t>（2）本科及以上学历，计算机相关专业</a:t>
+                      </a:r>
+                      <a:endParaRPr lang="en-US" altLang="zh-CN" sz="1200" b="0" dirty="0" smtClean="0">
+                        <a:solidFill>
+                          <a:schemeClr val="dk1"/>
+                        </a:solidFill>
+                      </a:endParaRPr>
+                    </a:p>
+                    <a:p>
+                      <a:pPr marL="0" marR="0" algn="l" defTabSz="915035" rtl="0" eaLnBrk="1" fontAlgn="auto" latinLnBrk="0" hangingPunct="1">
+                        <a:lnSpc>
+                          <a:spcPct val="100000"/>
+                        </a:lnSpc>
+                        <a:spcBef>
+                          <a:spcPts val="0"/>
+                        </a:spcBef>
+                        <a:buFontTx/>
+                        <a:buNone/>
+                      </a:pPr>
+                      <a:r>
+                        <a:rPr lang="en-US" altLang="zh-CN" sz="1200" b="0" dirty="0" smtClean="0">
+                          <a:solidFill>
+                            <a:schemeClr val="dk1"/>
+                          </a:solidFill>
+                        </a:rPr>
+                        <a:t>（3）3年以上工作经验</a:t>
+                      </a:r>
+                      <a:endParaRPr lang="en-US" altLang="zh-CN" sz="1200" b="0" dirty="0" smtClean="0">
+                        <a:solidFill>
+                          <a:schemeClr val="dk1"/>
+                        </a:solidFill>
+                      </a:endParaRPr>
+                    </a:p>
+                    <a:p>
+                      <a:pPr marL="0" marR="0" algn="l" defTabSz="915035" rtl="0" eaLnBrk="1" fontAlgn="auto" latinLnBrk="0" hangingPunct="1">
+                        <a:lnSpc>
+                          <a:spcPct val="100000"/>
+                        </a:lnSpc>
+                        <a:spcBef>
+                          <a:spcPts val="0"/>
+                        </a:spcBef>
+                        <a:buFontTx/>
+                        <a:buNone/>
+                      </a:pPr>
+                      <a:r>
+                        <a:rPr lang="en-US" altLang="zh-CN" sz="1200" b="0" dirty="0" smtClean="0">
+                          <a:solidFill>
+                            <a:schemeClr val="dk1"/>
+                          </a:solidFill>
+                        </a:rPr>
+                        <a:t>（4）参与过至少一个中型软件和系统的模块开发，或若干小型软件和系统的模块开发</a:t>
+                      </a:r>
+                      <a:endParaRPr lang="en-US" altLang="zh-CN" sz="1200" b="0" dirty="0" smtClean="0">
+                        <a:solidFill>
+                          <a:schemeClr val="dk1"/>
+                        </a:solidFill>
                       </a:endParaRPr>
                     </a:p>
                   </a:txBody>
@@ -12158,7 +12286,7 @@
                   </a:tcPr>
                 </a:tc>
               </a:tr>
-              <a:tr h="1068705">
+              <a:tr h="1363345">
                 <a:tc vMerge="1">
                   <a:tcPr anchor="ctr">
                     <a:lnL w="12700" cap="flat" cmpd="sng" algn="ctr">
@@ -12288,7 +12416,212 @@
                     <a:bodyPr/>
                     <a:lstStyle/>
                     <a:p>
-                      <a:endParaRPr lang="zh-CN" altLang="en-US" sz="1200" dirty="0"/>
+                      <a:r>
+                        <a:rPr lang="en-US" altLang="zh-CN" sz="1200" dirty="0" smtClean="0">
+                          <a:sym typeface="+mn-ea"/>
+                        </a:rPr>
+                        <a:t>1.</a:t>
+                      </a:r>
+                      <a:r>
+                        <a:rPr lang="zh-CN" altLang="en-US" sz="1200" dirty="0" smtClean="0">
+                          <a:sym typeface="+mn-ea"/>
+                        </a:rPr>
+                        <a:t>在网龙期间参与</a:t>
+                      </a:r>
+                      <a:r>
+                        <a:rPr lang="zh-CN" altLang="en-US" sz="1200" smtClean="0">
+                          <a:sym typeface="+mn-ea"/>
+                        </a:rPr>
+                        <a:t>中国</a:t>
+                      </a:r>
+                      <a:r>
+                        <a:rPr lang="zh-CN" altLang="en-US" sz="1200" dirty="0" smtClean="0">
+                          <a:sym typeface="+mn-ea"/>
+                        </a:rPr>
+                        <a:t>好党员，</a:t>
+                      </a:r>
+                      <a:r>
+                        <a:rPr lang="en-US" altLang="zh-CN" sz="1200" dirty="0" smtClean="0">
+                          <a:sym typeface="+mn-ea"/>
+                        </a:rPr>
+                        <a:t>101</a:t>
+                      </a:r>
+                      <a:r>
+                        <a:rPr lang="zh-CN" altLang="en-US" sz="1200" dirty="0" smtClean="0">
+                          <a:sym typeface="+mn-ea"/>
+                        </a:rPr>
+                        <a:t>教育平台</a:t>
+                      </a:r>
+                      <a:r>
+                        <a:rPr lang="zh-CN" altLang="en-US" sz="1200" dirty="0" smtClean="0">
+                          <a:sym typeface="+mn-ea"/>
+                        </a:rPr>
+                        <a:t>项目开发。</a:t>
+                      </a:r>
+                      <a:endParaRPr lang="en-US" altLang="zh-CN" sz="1200" dirty="0" smtClean="0">
+                        <a:sym typeface="+mn-ea"/>
+                      </a:endParaRPr>
+                    </a:p>
+                    <a:p>
+                      <a:r>
+                        <a:rPr lang="en-US" altLang="zh-CN" sz="1200" dirty="0" smtClean="0">
+                          <a:sym typeface="+mn-ea"/>
+                        </a:rPr>
+                        <a:t>2.</a:t>
+                      </a:r>
+                      <a:r>
+                        <a:rPr lang="zh-CN" altLang="en-US" sz="1200" dirty="0" smtClean="0">
+                          <a:sym typeface="+mn-ea"/>
+                        </a:rPr>
+                        <a:t>目前主要负责我的学习组件、证书组件和报表统计的开发工作</a:t>
+                      </a:r>
+                      <a:r>
+                        <a:rPr lang="en-US" altLang="zh-CN" sz="1200" dirty="0" smtClean="0">
+                          <a:sym typeface="+mn-ea"/>
+                        </a:rPr>
+                        <a:t>;</a:t>
+                      </a:r>
+                      <a:endParaRPr lang="en-US" altLang="zh-CN" sz="1200" dirty="0" smtClean="0">
+                        <a:sym typeface="+mn-ea"/>
+                      </a:endParaRPr>
+                    </a:p>
+                    <a:p>
+                      <a:r>
+                        <a:rPr lang="en-US" altLang="zh-CN" sz="1200" dirty="0" smtClean="0">
+                          <a:sym typeface="+mn-ea"/>
+                        </a:rPr>
+                        <a:t>3.</a:t>
+                      </a:r>
+                      <a:r>
+                        <a:rPr lang="zh-CN" altLang="en-US" sz="1200" dirty="0" smtClean="0">
+                          <a:sym typeface="+mn-ea"/>
+                        </a:rPr>
+                        <a:t>参与报表统计从开始的设计最后的一系列开发工作，并参与了我的学习后期重构版本的设计和开发；</a:t>
+                      </a:r>
+                      <a:endParaRPr lang="zh-CN" altLang="en-US" sz="1200" dirty="0" smtClean="0">
+                        <a:sym typeface="+mn-ea"/>
+                      </a:endParaRPr>
+                    </a:p>
+                    <a:p>
+                      <a:r>
+                        <a:rPr lang="en-US" altLang="zh-CN" sz="1200" dirty="0" smtClean="0">
+                          <a:sym typeface="+mn-ea"/>
+                        </a:rPr>
+                        <a:t>4.</a:t>
+                      </a:r>
+                      <a:r>
+                        <a:rPr lang="zh-CN" altLang="en-US" sz="1200" dirty="0" smtClean="0">
+                          <a:sym typeface="+mn-ea"/>
+                        </a:rPr>
+                        <a:t>担任负责组件的</a:t>
+                      </a:r>
+                      <a:r>
+                        <a:rPr lang="zh-CN" altLang="en-US" sz="1200" dirty="0" smtClean="0">
+                          <a:sym typeface="+mn-ea"/>
+                        </a:rPr>
+                        <a:t>版本管理、发布工作。</a:t>
+                      </a:r>
+                      <a:endParaRPr lang="zh-CN" altLang="en-US" sz="1200" dirty="0" smtClean="0">
+                        <a:sym typeface="+mn-ea"/>
+                      </a:endParaRPr>
+                    </a:p>
+                    <a:p>
+                      <a:r>
+                        <a:rPr lang="en-US" altLang="zh-CN" sz="1200" dirty="0"/>
+                        <a:t>5.</a:t>
+                      </a:r>
+                      <a:r>
+                        <a:rPr lang="zh-CN" altLang="en-US" sz="1200" dirty="0"/>
+                        <a:t>熟练使用</a:t>
+                      </a:r>
+                      <a:r>
+                        <a:rPr lang="en-US" altLang="zh-CN" sz="1200" dirty="0"/>
+                        <a:t>spring boot</a:t>
+                      </a:r>
+                      <a:r>
+                        <a:rPr lang="zh-CN" altLang="en-US" sz="1200" dirty="0"/>
+                        <a:t>及相关的中间件</a:t>
+                      </a:r>
+                      <a:r>
+                        <a:rPr lang="en-US" altLang="zh-CN" sz="1200" dirty="0"/>
+                        <a:t> ;</a:t>
+                      </a:r>
+                      <a:r>
+                        <a:rPr lang="zh-CN" altLang="en-US" sz="1200" dirty="0"/>
+                        <a:t>了解其自动注入的原理</a:t>
+                      </a:r>
+                      <a:r>
+                        <a:rPr lang="en-US" altLang="zh-CN" sz="1200" dirty="0"/>
+                        <a:t>,</a:t>
+                      </a:r>
+                      <a:r>
+                        <a:rPr lang="zh-CN" altLang="en-US" sz="1200" dirty="0"/>
+                        <a:t>并能很好的使用</a:t>
+                      </a:r>
+                      <a:r>
+                        <a:rPr lang="en-US" altLang="zh-CN" sz="1200" dirty="0"/>
+                        <a:t>spring data jpa </a:t>
+                      </a:r>
+                      <a:r>
+                        <a:rPr lang="zh-CN" altLang="en-US" sz="1200" dirty="0"/>
+                        <a:t>的数据访问</a:t>
+                      </a:r>
+                      <a:r>
+                        <a:rPr lang="en-US" altLang="zh-CN" sz="1200" dirty="0"/>
+                        <a:t>,</a:t>
+                      </a:r>
+                      <a:r>
+                        <a:rPr lang="zh-CN" altLang="en-US" sz="1200" dirty="0"/>
+                        <a:t>根据需求自定义自己的</a:t>
+                      </a:r>
+                      <a:r>
+                        <a:rPr lang="en-US" altLang="zh-CN" sz="1200" dirty="0"/>
+                        <a:t>spring jpa</a:t>
+                      </a:r>
+                      <a:r>
+                        <a:rPr lang="zh-CN" altLang="en-US" sz="1200" dirty="0"/>
+                        <a:t>实现</a:t>
+                      </a:r>
+                      <a:r>
+                        <a:rPr lang="en-US" altLang="zh-CN" sz="1200" dirty="0"/>
+                        <a:t>;</a:t>
+                      </a:r>
+                      <a:endParaRPr lang="en-US" altLang="zh-CN" sz="1200" dirty="0"/>
+                    </a:p>
+                    <a:p>
+                      <a:r>
+                        <a:rPr lang="en-US" altLang="zh-CN" sz="1200" dirty="0"/>
+                        <a:t>6.</a:t>
+                      </a:r>
+                      <a:r>
+                        <a:rPr lang="zh-CN" altLang="en-US" sz="1200" dirty="0"/>
+                        <a:t>根据具体的应用场景</a:t>
+                      </a:r>
+                      <a:r>
+                        <a:rPr lang="zh-CN" altLang="en-US" sz="1200" dirty="0"/>
+                        <a:t>很好的将分布式缓存</a:t>
+                      </a:r>
+                      <a:r>
+                        <a:rPr lang="en-US" altLang="zh-CN" sz="1200" dirty="0"/>
+                        <a:t>redis</a:t>
+                      </a:r>
+                      <a:r>
+                        <a:rPr lang="zh-CN" altLang="en-US" sz="1200" dirty="0"/>
+                        <a:t>及分布式消息服务</a:t>
+                      </a:r>
+                      <a:r>
+                        <a:rPr lang="en-US" altLang="zh-CN" sz="1200" dirty="0"/>
+                        <a:t>rabbit MQ</a:t>
+                      </a:r>
+                      <a:r>
+                        <a:rPr lang="zh-CN" altLang="en-US" sz="1200" dirty="0"/>
+                        <a:t>用于到组件中</a:t>
+                      </a:r>
+                      <a:r>
+                        <a:rPr lang="en-US" altLang="zh-CN" sz="1200" dirty="0"/>
+                        <a:t>;</a:t>
+                      </a:r>
+                      <a:endParaRPr lang="en-US" altLang="zh-CN" sz="1200" dirty="0"/>
                     </a:p>
                   </a:txBody>
                   <a:tcPr marT="40809" marB="40809" anchor="ctr">
@@ -12725,7 +13058,7 @@
                   </a:tcPr>
                 </a:tc>
               </a:tr>
-              <a:tr h="2175510">
+              <a:tr h="1651635">
                 <a:tc gridSpan="2">
                   <a:txBody>
                     <a:bodyPr/>
@@ -12750,18 +13083,60 @@
                         <a:defRPr/>
                       </a:pPr>
                       <a:r>
+                        <a:rPr kumimoji="0" lang="en-US" altLang="zh-CN" sz="1200" b="0" i="0" u="none" strike="noStrike" cap="none" normalizeH="0" baseline="0" dirty="0" smtClean="0">
+                          <a:ln>
+                            <a:noFill/>
+                          </a:ln>
+                          <a:solidFill>
+                            <a:schemeClr val="tx1"/>
+                          </a:solidFill>
+                          <a:effectLst/>
+                          <a:latin typeface="微软雅黑" panose="020B0503020204020204" pitchFamily="34" charset="-122"/>
+                          <a:ea typeface="微软雅黑" panose="020B0503020204020204" pitchFamily="34" charset="-122"/>
+                        </a:rPr>
+                        <a:t>2</a:t>
+                      </a:r>
+                      <a:r>
                         <a:rPr kumimoji="0" lang="zh-CN" altLang="en-US" sz="1200" b="0" i="0" u="none" strike="noStrike" cap="none" normalizeH="0" baseline="0" dirty="0" smtClean="0">
                           <a:ln>
                             <a:noFill/>
                           </a:ln>
                           <a:solidFill>
-                            <a:srgbClr val="FF0000"/>
+                            <a:schemeClr val="tx1"/>
                           </a:solidFill>
                           <a:effectLst/>
                           <a:latin typeface="微软雅黑" panose="020B0503020204020204" pitchFamily="34" charset="-122"/>
                           <a:ea typeface="微软雅黑" panose="020B0503020204020204" pitchFamily="34" charset="-122"/>
                         </a:rPr>
-                        <a:t>说明：请填写自工作以来的时间总和</a:t>
+                        <a:t>年</a:t>
+                      </a:r>
+                      <a:r>
+                        <a:rPr kumimoji="0" lang="en-US" altLang="zh-CN" sz="1200" b="0" i="0" u="none" strike="noStrike" cap="none" normalizeH="0" baseline="0" dirty="0" smtClean="0">
+                          <a:ln>
+                            <a:noFill/>
+                          </a:ln>
+                          <a:solidFill>
+                            <a:schemeClr val="tx1"/>
+                          </a:solidFill>
+                          <a:effectLst/>
+                          <a:latin typeface="微软雅黑" panose="020B0503020204020204" pitchFamily="34" charset="-122"/>
+                          <a:ea typeface="微软雅黑" panose="020B0503020204020204" pitchFamily="34" charset="-122"/>
+                        </a:rPr>
+                        <a:t>9</a:t>
+                      </a:r>
+                      <a:r>
+                        <a:rPr kumimoji="0" lang="zh-CN" altLang="en-US" sz="1200" b="0" i="0" u="none" strike="noStrike" cap="none" normalizeH="0" baseline="0" dirty="0" smtClean="0">
+                          <a:ln>
+                            <a:noFill/>
+                          </a:ln>
+                          <a:solidFill>
+                            <a:schemeClr val="tx1"/>
+                          </a:solidFill>
+                          <a:effectLst/>
+                          <a:latin typeface="微软雅黑" panose="020B0503020204020204" pitchFamily="34" charset="-122"/>
+                          <a:ea typeface="微软雅黑" panose="020B0503020204020204" pitchFamily="34" charset="-122"/>
+                        </a:rPr>
+                        <a:t>个月</a:t>
                       </a:r>
                       <a:endParaRPr kumimoji="0" lang="zh-CN" altLang="en-US" sz="1200" b="0" i="0" u="none" strike="noStrike" cap="none" normalizeH="0" baseline="0" dirty="0" smtClean="0">
                         <a:ln>
@@ -12897,7 +13272,7 @@
                             <a:noFill/>
                           </a:ln>
                           <a:solidFill>
-                            <a:srgbClr val="FF0000"/>
+                            <a:schemeClr val="tx1"/>
                           </a:solidFill>
                           <a:effectLst/>
                           <a:latin typeface="微软雅黑" panose="020B0503020204020204" pitchFamily="34" charset="-122"/>
@@ -12912,7 +13287,7 @@
                             <a:noFill/>
                           </a:ln>
                           <a:solidFill>
-                            <a:srgbClr val="FF0000"/>
+                            <a:schemeClr val="tx1"/>
                           </a:solidFill>
                           <a:effectLst/>
                           <a:latin typeface="微软雅黑" panose="020B0503020204020204" pitchFamily="34" charset="-122"/>
@@ -12927,7 +13302,7 @@
                             <a:noFill/>
                           </a:ln>
                           <a:solidFill>
-                            <a:srgbClr val="FF0000"/>
+                            <a:schemeClr val="tx1"/>
                           </a:solidFill>
                           <a:effectLst/>
                           <a:latin typeface="微软雅黑" panose="020B0503020204020204" pitchFamily="34" charset="-122"/>
@@ -12942,7 +13317,7 @@
                             <a:noFill/>
                           </a:ln>
                           <a:solidFill>
-                            <a:srgbClr val="FF0000"/>
+                            <a:schemeClr val="tx1"/>
                           </a:solidFill>
                           <a:effectLst/>
                           <a:latin typeface="微软雅黑" panose="020B0503020204020204" pitchFamily="34" charset="-122"/>
@@ -12957,7 +13332,7 @@
                             <a:noFill/>
                           </a:ln>
                           <a:solidFill>
-                            <a:srgbClr val="FF0000"/>
+                            <a:schemeClr val="tx1"/>
                           </a:solidFill>
                           <a:effectLst/>
                           <a:latin typeface="微软雅黑" panose="020B0503020204020204" pitchFamily="34" charset="-122"/>
@@ -12972,14 +13347,14 @@
                             <a:noFill/>
                           </a:ln>
                           <a:solidFill>
-                            <a:srgbClr val="FF0000"/>
+                            <a:schemeClr val="tx1"/>
                           </a:solidFill>
                           <a:effectLst/>
                           <a:latin typeface="微软雅黑" panose="020B0503020204020204" pitchFamily="34" charset="-122"/>
                           <a:ea typeface="微软雅黑" panose="020B0503020204020204" pitchFamily="34" charset="-122"/>
                           <a:cs typeface="+mn-cs"/>
                         </a:rPr>
-                        <a:t>至今 ， 网龙网络公司工程院八部</a:t>
+                        <a:t>至今 ， 网龙网络公司工程院</a:t>
                       </a:r>
                       <a:r>
                         <a:rPr kumimoji="0" lang="en-US" altLang="zh-CN" sz="1200" b="0" i="0" u="none" strike="noStrike" kern="1200" cap="none" normalizeH="0" baseline="0" dirty="0" smtClean="0">
@@ -12987,7 +13362,7 @@
                             <a:noFill/>
                           </a:ln>
                           <a:solidFill>
-                            <a:srgbClr val="FF0000"/>
+                            <a:schemeClr val="tx1"/>
                           </a:solidFill>
                           <a:effectLst/>
                           <a:latin typeface="微软雅黑" panose="020B0503020204020204" pitchFamily="34" charset="-122"/>
@@ -13002,7 +13377,7 @@
                             <a:noFill/>
                           </a:ln>
                           <a:solidFill>
-                            <a:srgbClr val="FF0000"/>
+                            <a:schemeClr val="tx1"/>
                           </a:solidFill>
                           <a:effectLst/>
                           <a:latin typeface="微软雅黑" panose="020B0503020204020204" pitchFamily="34" charset="-122"/>
@@ -13016,7 +13391,7 @@
                           <a:noFill/>
                         </a:ln>
                         <a:solidFill>
-                          <a:srgbClr val="FF0000"/>
+                          <a:schemeClr val="tx1"/>
                         </a:solidFill>
                         <a:effectLst/>
                         <a:latin typeface="微软雅黑" panose="020B0503020204020204" pitchFamily="34" charset="-122"/>
@@ -13047,7 +13422,7 @@
                           <a:noFill/>
                         </a:ln>
                         <a:solidFill>
-                          <a:srgbClr val="FF0000"/>
+                          <a:schemeClr val="tx1"/>
                         </a:solidFill>
                         <a:effectLst/>
                         <a:latin typeface="微软雅黑" panose="020B0503020204020204" pitchFamily="34" charset="-122"/>
@@ -13079,7 +13454,7 @@
                             <a:noFill/>
                           </a:ln>
                           <a:solidFill>
-                            <a:srgbClr val="FF0000"/>
+                            <a:schemeClr val="tx1"/>
                           </a:solidFill>
                           <a:effectLst/>
                           <a:latin typeface="微软雅黑" panose="020B0503020204020204" pitchFamily="34" charset="-122"/>
@@ -13094,7 +13469,7 @@
                             <a:noFill/>
                           </a:ln>
                           <a:solidFill>
-                            <a:srgbClr val="FF0000"/>
+                            <a:schemeClr val="tx1"/>
                           </a:solidFill>
                           <a:effectLst/>
                           <a:latin typeface="微软雅黑" panose="020B0503020204020204" pitchFamily="34" charset="-122"/>
@@ -13109,7 +13484,7 @@
                             <a:noFill/>
                           </a:ln>
                           <a:solidFill>
-                            <a:srgbClr val="FF0000"/>
+                            <a:schemeClr val="tx1"/>
                           </a:solidFill>
                           <a:effectLst/>
                           <a:latin typeface="微软雅黑" panose="020B0503020204020204" pitchFamily="34" charset="-122"/>
@@ -13124,7 +13499,7 @@
                             <a:noFill/>
                           </a:ln>
                           <a:solidFill>
-                            <a:srgbClr val="FF0000"/>
+                            <a:schemeClr val="tx1"/>
                           </a:solidFill>
                           <a:effectLst/>
                           <a:latin typeface="微软雅黑" panose="020B0503020204020204" pitchFamily="34" charset="-122"/>
@@ -13139,7 +13514,7 @@
                             <a:noFill/>
                           </a:ln>
                           <a:solidFill>
-                            <a:srgbClr val="FF0000"/>
+                            <a:schemeClr val="tx1"/>
                           </a:solidFill>
                           <a:effectLst/>
                           <a:latin typeface="微软雅黑" panose="020B0503020204020204" pitchFamily="34" charset="-122"/>
@@ -13154,7 +13529,7 @@
                             <a:noFill/>
                           </a:ln>
                           <a:solidFill>
-                            <a:srgbClr val="FF0000"/>
+                            <a:schemeClr val="tx1"/>
                           </a:solidFill>
                           <a:effectLst/>
                           <a:latin typeface="微软雅黑" panose="020B0503020204020204" pitchFamily="34" charset="-122"/>
@@ -13169,7 +13544,7 @@
                             <a:noFill/>
                           </a:ln>
                           <a:solidFill>
-                            <a:srgbClr val="FF0000"/>
+                            <a:schemeClr val="tx1"/>
                           </a:solidFill>
                           <a:effectLst/>
                           <a:latin typeface="微软雅黑" panose="020B0503020204020204" pitchFamily="34" charset="-122"/>
@@ -13184,7 +13559,7 @@
                             <a:noFill/>
                           </a:ln>
                           <a:solidFill>
-                            <a:srgbClr val="FF0000"/>
+                            <a:schemeClr val="tx1"/>
                           </a:solidFill>
                           <a:effectLst/>
                           <a:latin typeface="微软雅黑" panose="020B0503020204020204" pitchFamily="34" charset="-122"/>
@@ -13199,7 +13574,7 @@
                             <a:noFill/>
                           </a:ln>
                           <a:solidFill>
-                            <a:srgbClr val="FF0000"/>
+                            <a:schemeClr val="tx1"/>
                           </a:solidFill>
                           <a:effectLst/>
                           <a:latin typeface="微软雅黑" panose="020B0503020204020204" pitchFamily="34" charset="-122"/>
@@ -13214,7 +13589,7 @@
                             <a:noFill/>
                           </a:ln>
                           <a:solidFill>
-                            <a:srgbClr val="FF0000"/>
+                            <a:schemeClr val="tx1"/>
                           </a:solidFill>
                           <a:effectLst/>
                           <a:latin typeface="微软雅黑" panose="020B0503020204020204" pitchFamily="34" charset="-122"/>
@@ -13228,7 +13603,7 @@
                           <a:noFill/>
                         </a:ln>
                         <a:solidFill>
-                          <a:srgbClr val="FF0000"/>
+                          <a:schemeClr val="tx1"/>
                         </a:solidFill>
                         <a:effectLst/>
                         <a:latin typeface="微软雅黑" panose="020B0503020204020204" pitchFamily="34" charset="-122"/>
@@ -13385,8 +13760,8 @@
           </p:nvPr>
         </p:nvGraphicFramePr>
         <p:xfrm>
-          <a:off x="438150" y="867410"/>
-          <a:ext cx="9274175" cy="4552950"/>
+          <a:off x="438150" y="784225"/>
+          <a:ext cx="9274175" cy="5248275"/>
         </p:xfrm>
         <a:graphic>
           <a:graphicData uri="http://schemas.openxmlformats.org/drawingml/2006/table">
@@ -13399,7 +13774,7 @@
                 <a:gridCol w="5551805"/>
                 <a:gridCol w="819150"/>
               </a:tblGrid>
-              <a:tr h="724535">
+              <a:tr h="736600">
                 <a:tc gridSpan="2">
                   <a:txBody>
                     <a:bodyPr/>
@@ -13936,7 +14311,7 @@
                   </a:tcPr>
                 </a:tc>
               </a:tr>
-              <a:tr h="445135">
+              <a:tr h="0">
                 <a:tc rowSpan="5">
                   <a:txBody>
                     <a:bodyPr/>
@@ -14410,7 +14785,7 @@
                   </a:tcPr>
                 </a:tc>
               </a:tr>
-              <a:tr h="466090">
+              <a:tr h="528320">
                 <a:tc vMerge="1">
                   <a:tcPr horzOverflow="overflow">
                     <a:lnL w="12700" cap="flat" cmpd="sng" algn="ctr">
@@ -14477,6 +14852,741 @@
                         <a:t>软件设计</a:t>
                       </a:r>
                       <a:endParaRPr lang="zh-CN" sz="1050" kern="100">
+                        <a:effectLst/>
+                        <a:latin typeface="微软雅黑" panose="020B0503020204020204" pitchFamily="34" charset="-122"/>
+                        <a:ea typeface="微软雅黑" panose="020B0503020204020204" pitchFamily="34" charset="-122"/>
+                      </a:endParaRPr>
+                    </a:p>
+                  </a:txBody>
+                  <a:tcPr marL="68580" marR="68580" marT="0" marB="0" anchor="ctr">
+                    <a:lnL w="12700" cap="flat" cmpd="sng" algn="ctr">
+                      <a:solidFill>
+                        <a:schemeClr val="tx1">
+                          <a:lumMod val="50000"/>
+                          <a:lumOff val="50000"/>
+                        </a:schemeClr>
+                      </a:solidFill>
+                      <a:prstDash val="solid"/>
+                      <a:round/>
+                      <a:headEnd type="none" w="med" len="med"/>
+                      <a:tailEnd type="none" w="med" len="med"/>
+                    </a:lnL>
+                    <a:lnR w="12700" cap="flat" cmpd="sng" algn="ctr">
+                      <a:solidFill>
+                        <a:schemeClr val="tx1">
+                          <a:lumMod val="50000"/>
+                          <a:lumOff val="50000"/>
+                        </a:schemeClr>
+                      </a:solidFill>
+                      <a:prstDash val="solid"/>
+                      <a:round/>
+                      <a:headEnd type="none" w="med" len="med"/>
+                      <a:tailEnd type="none" w="med" len="med"/>
+                    </a:lnR>
+                    <a:lnT w="12700" cap="flat" cmpd="sng" algn="ctr">
+                      <a:solidFill>
+                        <a:schemeClr val="tx1">
+                          <a:lumMod val="50000"/>
+                          <a:lumOff val="50000"/>
+                        </a:schemeClr>
+                      </a:solidFill>
+                      <a:prstDash val="solid"/>
+                      <a:round/>
+                      <a:headEnd type="none" w="med" len="med"/>
+                      <a:tailEnd type="none" w="med" len="med"/>
+                    </a:lnT>
+                    <a:lnB w="12700" cap="flat" cmpd="sng" algn="ctr">
+                      <a:solidFill>
+                        <a:schemeClr val="tx1">
+                          <a:lumMod val="50000"/>
+                          <a:lumOff val="50000"/>
+                        </a:schemeClr>
+                      </a:solidFill>
+                      <a:prstDash val="solid"/>
+                      <a:round/>
+                      <a:headEnd type="none" w="med" len="med"/>
+                      <a:tailEnd type="none" w="med" len="med"/>
+                    </a:lnB>
+                  </a:tcPr>
+                </a:tc>
+                <a:tc>
+                  <a:txBody>
+                    <a:bodyPr/>
+                    <a:lstStyle/>
+                    <a:p>
+                      <a:pPr marL="0" marR="0" lvl="0" indent="0" algn="ctr" defTabSz="914400" rtl="0" eaLnBrk="0" fontAlgn="base" latinLnBrk="0" hangingPunct="0">
+                        <a:lnSpc>
+                          <a:spcPct val="120000"/>
+                        </a:lnSpc>
+                        <a:spcBef>
+                          <a:spcPct val="10000"/>
+                        </a:spcBef>
+                        <a:spcAft>
+                          <a:spcPct val="0"/>
+                        </a:spcAft>
+                        <a:buClr>
+                          <a:srgbClr val="3F6985"/>
+                        </a:buClr>
+                        <a:buSzTx/>
+                        <a:buFont typeface="Wingdings" panose="05000000000000000000" pitchFamily="2" charset="2"/>
+                        <a:buNone/>
+                      </a:pPr>
+                      <a:r>
+                        <a:rPr kumimoji="0" lang="en-US" altLang="zh-CN" sz="1200" b="0" i="0" u="none" strike="noStrike" cap="none" normalizeH="0" baseline="0" dirty="0" smtClean="0">
+                          <a:ln>
+                            <a:noFill/>
+                          </a:ln>
+                          <a:solidFill>
+                            <a:schemeClr val="tx1"/>
+                          </a:solidFill>
+                          <a:effectLst/>
+                          <a:latin typeface="微软雅黑" panose="020B0503020204020204" pitchFamily="34" charset="-122"/>
+                          <a:ea typeface="微软雅黑" panose="020B0503020204020204" pitchFamily="34" charset="-122"/>
+                        </a:rPr>
+                        <a:t>2</a:t>
+                      </a:r>
+                      <a:endParaRPr kumimoji="0" lang="en-US" altLang="zh-CN" sz="1200" b="0" i="0" u="none" strike="noStrike" cap="none" normalizeH="0" baseline="0" dirty="0" smtClean="0">
+                        <a:ln>
+                          <a:noFill/>
+                        </a:ln>
+                        <a:solidFill>
+                          <a:schemeClr val="tx1"/>
+                        </a:solidFill>
+                        <a:effectLst/>
+                        <a:latin typeface="微软雅黑" panose="020B0503020204020204" pitchFamily="34" charset="-122"/>
+                        <a:ea typeface="微软雅黑" panose="020B0503020204020204" pitchFamily="34" charset="-122"/>
+                      </a:endParaRPr>
+                    </a:p>
+                  </a:txBody>
+                  <a:tcPr marT="40809" marB="40809" anchor="ctr" horzOverflow="overflow">
+                    <a:lnL w="12700" cap="flat" cmpd="sng" algn="ctr">
+                      <a:solidFill>
+                        <a:schemeClr val="tx1">
+                          <a:lumMod val="50000"/>
+                          <a:lumOff val="50000"/>
+                        </a:schemeClr>
+                      </a:solidFill>
+                      <a:prstDash val="solid"/>
+                      <a:round/>
+                      <a:headEnd type="none" w="med" len="med"/>
+                      <a:tailEnd type="none" w="med" len="med"/>
+                    </a:lnL>
+                    <a:lnR w="12700" cap="flat" cmpd="sng" algn="ctr">
+                      <a:solidFill>
+                        <a:schemeClr val="tx1">
+                          <a:lumMod val="50000"/>
+                          <a:lumOff val="50000"/>
+                        </a:schemeClr>
+                      </a:solidFill>
+                      <a:prstDash val="solid"/>
+                      <a:round/>
+                      <a:headEnd type="none" w="med" len="med"/>
+                      <a:tailEnd type="none" w="med" len="med"/>
+                    </a:lnR>
+                    <a:lnT w="12700" cap="flat" cmpd="sng" algn="ctr">
+                      <a:solidFill>
+                        <a:schemeClr val="tx1">
+                          <a:lumMod val="50000"/>
+                          <a:lumOff val="50000"/>
+                        </a:schemeClr>
+                      </a:solidFill>
+                      <a:prstDash val="solid"/>
+                      <a:round/>
+                      <a:headEnd type="none" w="med" len="med"/>
+                      <a:tailEnd type="none" w="med" len="med"/>
+                    </a:lnT>
+                    <a:lnB w="12700" cap="flat" cmpd="sng" algn="ctr">
+                      <a:solidFill>
+                        <a:schemeClr val="tx1">
+                          <a:lumMod val="50000"/>
+                          <a:lumOff val="50000"/>
+                        </a:schemeClr>
+                      </a:solidFill>
+                      <a:prstDash val="solid"/>
+                      <a:round/>
+                      <a:headEnd type="none" w="med" len="med"/>
+                      <a:tailEnd type="none" w="med" len="med"/>
+                    </a:lnB>
+                    <a:lnTlToBr>
+                      <a:noFill/>
+                    </a:lnTlToBr>
+                    <a:lnBlToTr>
+                      <a:noFill/>
+                    </a:lnBlToTr>
+                    <a:noFill/>
+                  </a:tcPr>
+                </a:tc>
+                <a:tc>
+                  <a:txBody>
+                    <a:bodyPr/>
+                    <a:lstStyle/>
+                    <a:p>
+                      <a:pPr marL="0" marR="0" lvl="0" indent="0" algn="l" defTabSz="914400" rtl="0" eaLnBrk="0" fontAlgn="base" latinLnBrk="0" hangingPunct="0">
+                        <a:lnSpc>
+                          <a:spcPct val="120000"/>
+                        </a:lnSpc>
+                        <a:spcBef>
+                          <a:spcPct val="10000"/>
+                        </a:spcBef>
+                        <a:spcAft>
+                          <a:spcPct val="0"/>
+                        </a:spcAft>
+                        <a:buClr>
+                          <a:srgbClr val="3F6985"/>
+                        </a:buClr>
+                        <a:buSzTx/>
+                        <a:buFont typeface="Wingdings" panose="05000000000000000000" pitchFamily="2" charset="2"/>
+                        <a:buNone/>
+                      </a:pPr>
+                      <a:r>
+                        <a:rPr kumimoji="0" lang="en-US" altLang="zh-CN" sz="1200" b="0" i="0" u="none" strike="noStrike" cap="none" normalizeH="0" baseline="0" dirty="0" smtClean="0">
+                          <a:ln>
+                            <a:noFill/>
+                          </a:ln>
+                          <a:solidFill>
+                            <a:srgbClr val="000000"/>
+                          </a:solidFill>
+                          <a:effectLst/>
+                          <a:latin typeface="微软雅黑" panose="020B0503020204020204" pitchFamily="34" charset="-122"/>
+                          <a:ea typeface="微软雅黑" panose="020B0503020204020204" pitchFamily="34" charset="-122"/>
+                          <a:cs typeface="Times New Roman" panose="02020603050405020304" pitchFamily="18" charset="0"/>
+                        </a:rPr>
+                        <a:t>1.</a:t>
+                      </a:r>
+                      <a:r>
+                        <a:rPr kumimoji="0" lang="zh-CN" altLang="en-US" sz="1200" b="0" i="0" u="none" strike="noStrike" cap="none" normalizeH="0" baseline="0" dirty="0" smtClean="0">
+                          <a:ln>
+                            <a:noFill/>
+                          </a:ln>
+                          <a:solidFill>
+                            <a:srgbClr val="000000"/>
+                          </a:solidFill>
+                          <a:effectLst/>
+                          <a:latin typeface="微软雅黑" panose="020B0503020204020204" pitchFamily="34" charset="-122"/>
+                          <a:ea typeface="微软雅黑" panose="020B0503020204020204" pitchFamily="34" charset="-122"/>
+                          <a:cs typeface="Times New Roman" panose="02020603050405020304" pitchFamily="18" charset="0"/>
+                        </a:rPr>
+                        <a:t>参与我的学习重构设计，旧我的学习服务跟别的服务（如培训、公开课、考试等等）之间的通信都是采用</a:t>
+                      </a:r>
+                      <a:r>
+                        <a:rPr kumimoji="0" lang="en-US" altLang="zh-CN" sz="1200" b="0" i="0" u="none" strike="noStrike" cap="none" normalizeH="0" baseline="0" dirty="0" smtClean="0">
+                          <a:ln>
+                            <a:noFill/>
+                          </a:ln>
+                          <a:solidFill>
+                            <a:srgbClr val="000000"/>
+                          </a:solidFill>
+                          <a:effectLst/>
+                          <a:latin typeface="微软雅黑" panose="020B0503020204020204" pitchFamily="34" charset="-122"/>
+                          <a:ea typeface="微软雅黑" panose="020B0503020204020204" pitchFamily="34" charset="-122"/>
+                          <a:cs typeface="Times New Roman" panose="02020603050405020304" pitchFamily="18" charset="0"/>
+                        </a:rPr>
+                        <a:t>http</a:t>
+                      </a:r>
+                      <a:r>
+                        <a:rPr kumimoji="0" lang="zh-CN" altLang="en-US" sz="1200" b="0" i="0" u="none" strike="noStrike" cap="none" normalizeH="0" baseline="0" dirty="0" smtClean="0">
+                          <a:ln>
+                            <a:noFill/>
+                          </a:ln>
+                          <a:solidFill>
+                            <a:srgbClr val="000000"/>
+                          </a:solidFill>
+                          <a:effectLst/>
+                          <a:latin typeface="微软雅黑" panose="020B0503020204020204" pitchFamily="34" charset="-122"/>
+                          <a:ea typeface="微软雅黑" panose="020B0503020204020204" pitchFamily="34" charset="-122"/>
+                          <a:cs typeface="Times New Roman" panose="02020603050405020304" pitchFamily="18" charset="0"/>
+                        </a:rPr>
+                        <a:t>的方式，有时候我的学习的一个接口里面会封装多个接口调用，每个接口本来有自己的响应时间，加上</a:t>
+                      </a:r>
+                      <a:r>
+                        <a:rPr kumimoji="0" lang="en-US" altLang="zh-CN" sz="1200" b="0" i="0" u="none" strike="noStrike" cap="none" normalizeH="0" baseline="0" dirty="0" smtClean="0">
+                          <a:ln>
+                            <a:noFill/>
+                          </a:ln>
+                          <a:solidFill>
+                            <a:srgbClr val="000000"/>
+                          </a:solidFill>
+                          <a:effectLst/>
+                          <a:latin typeface="微软雅黑" panose="020B0503020204020204" pitchFamily="34" charset="-122"/>
+                          <a:ea typeface="微软雅黑" panose="020B0503020204020204" pitchFamily="34" charset="-122"/>
+                          <a:cs typeface="Times New Roman" panose="02020603050405020304" pitchFamily="18" charset="0"/>
+                        </a:rPr>
+                        <a:t>http</a:t>
+                      </a:r>
+                      <a:r>
+                        <a:rPr kumimoji="0" lang="zh-CN" altLang="en-US" sz="1200" b="0" i="0" u="none" strike="noStrike" cap="none" normalizeH="0" baseline="0" dirty="0" smtClean="0">
+                          <a:ln>
+                            <a:noFill/>
+                          </a:ln>
+                          <a:solidFill>
+                            <a:srgbClr val="000000"/>
+                          </a:solidFill>
+                          <a:effectLst/>
+                          <a:latin typeface="微软雅黑" panose="020B0503020204020204" pitchFamily="34" charset="-122"/>
+                          <a:ea typeface="微软雅黑" panose="020B0503020204020204" pitchFamily="34" charset="-122"/>
+                          <a:cs typeface="Times New Roman" panose="02020603050405020304" pitchFamily="18" charset="0"/>
+                        </a:rPr>
+                        <a:t>远程调用的性能损耗，每次请求一个我的学习的接口响应时间就异常的久（高达</a:t>
+                      </a:r>
+                      <a:r>
+                        <a:rPr kumimoji="0" lang="en-US" altLang="zh-CN" sz="1200" b="0" i="0" u="none" strike="noStrike" cap="none" normalizeH="0" baseline="0" dirty="0" smtClean="0">
+                          <a:ln>
+                            <a:noFill/>
+                          </a:ln>
+                          <a:solidFill>
+                            <a:srgbClr val="000000"/>
+                          </a:solidFill>
+                          <a:effectLst/>
+                          <a:latin typeface="微软雅黑" panose="020B0503020204020204" pitchFamily="34" charset="-122"/>
+                          <a:ea typeface="微软雅黑" panose="020B0503020204020204" pitchFamily="34" charset="-122"/>
+                          <a:cs typeface="Times New Roman" panose="02020603050405020304" pitchFamily="18" charset="0"/>
+                        </a:rPr>
+                        <a:t>7</a:t>
+                      </a:r>
+                      <a:r>
+                        <a:rPr kumimoji="0" lang="zh-CN" altLang="en-US" sz="1200" b="0" i="0" u="none" strike="noStrike" cap="none" normalizeH="0" baseline="0" dirty="0" smtClean="0">
+                          <a:ln>
+                            <a:noFill/>
+                          </a:ln>
+                          <a:solidFill>
+                            <a:srgbClr val="000000"/>
+                          </a:solidFill>
+                          <a:effectLst/>
+                          <a:latin typeface="微软雅黑" panose="020B0503020204020204" pitchFamily="34" charset="-122"/>
+                          <a:ea typeface="微软雅黑" panose="020B0503020204020204" pitchFamily="34" charset="-122"/>
+                          <a:cs typeface="Times New Roman" panose="02020603050405020304" pitchFamily="18" charset="0"/>
+                        </a:rPr>
+                        <a:t>、</a:t>
+                      </a:r>
+                      <a:r>
+                        <a:rPr kumimoji="0" lang="en-US" altLang="zh-CN" sz="1200" b="0" i="0" u="none" strike="noStrike" cap="none" normalizeH="0" baseline="0" dirty="0" smtClean="0">
+                          <a:ln>
+                            <a:noFill/>
+                          </a:ln>
+                          <a:solidFill>
+                            <a:srgbClr val="000000"/>
+                          </a:solidFill>
+                          <a:effectLst/>
+                          <a:latin typeface="微软雅黑" panose="020B0503020204020204" pitchFamily="34" charset="-122"/>
+                          <a:ea typeface="微软雅黑" panose="020B0503020204020204" pitchFamily="34" charset="-122"/>
+                          <a:cs typeface="Times New Roman" panose="02020603050405020304" pitchFamily="18" charset="0"/>
+                        </a:rPr>
+                        <a:t>8s</a:t>
+                      </a:r>
+                      <a:r>
+                        <a:rPr kumimoji="0" lang="zh-CN" altLang="en-US" sz="1200" b="0" i="0" u="none" strike="noStrike" cap="none" normalizeH="0" baseline="0" dirty="0" smtClean="0">
+                          <a:ln>
+                            <a:noFill/>
+                          </a:ln>
+                          <a:solidFill>
+                            <a:srgbClr val="000000"/>
+                          </a:solidFill>
+                          <a:effectLst/>
+                          <a:latin typeface="微软雅黑" panose="020B0503020204020204" pitchFamily="34" charset="-122"/>
+                          <a:ea typeface="微软雅黑" panose="020B0503020204020204" pitchFamily="34" charset="-122"/>
+                          <a:cs typeface="Times New Roman" panose="02020603050405020304" pitchFamily="18" charset="0"/>
+                        </a:rPr>
+                        <a:t>），导致体验性特别差，通过重构采用</a:t>
+                      </a:r>
+                      <a:r>
+                        <a:rPr kumimoji="0" lang="en-US" altLang="zh-CN" sz="1200" b="0" i="0" u="none" strike="noStrike" cap="none" normalizeH="0" baseline="0" dirty="0" smtClean="0">
+                          <a:ln>
+                            <a:noFill/>
+                          </a:ln>
+                          <a:solidFill>
+                            <a:srgbClr val="000000"/>
+                          </a:solidFill>
+                          <a:effectLst/>
+                          <a:latin typeface="微软雅黑" panose="020B0503020204020204" pitchFamily="34" charset="-122"/>
+                          <a:ea typeface="微软雅黑" panose="020B0503020204020204" pitchFamily="34" charset="-122"/>
+                          <a:cs typeface="Times New Roman" panose="02020603050405020304" pitchFamily="18" charset="0"/>
+                        </a:rPr>
+                        <a:t>rabbit MQ</a:t>
+                      </a:r>
+                      <a:r>
+                        <a:rPr kumimoji="0" lang="zh-CN" altLang="en-US" sz="1200" b="0" i="0" u="none" strike="noStrike" cap="none" normalizeH="0" baseline="0" dirty="0" smtClean="0">
+                          <a:ln>
+                            <a:noFill/>
+                          </a:ln>
+                          <a:solidFill>
+                            <a:srgbClr val="000000"/>
+                          </a:solidFill>
+                          <a:effectLst/>
+                          <a:latin typeface="微软雅黑" panose="020B0503020204020204" pitchFamily="34" charset="-122"/>
+                          <a:ea typeface="微软雅黑" panose="020B0503020204020204" pitchFamily="34" charset="-122"/>
+                          <a:cs typeface="Times New Roman" panose="02020603050405020304" pitchFamily="18" charset="0"/>
+                        </a:rPr>
+                        <a:t>通信</a:t>
+                      </a:r>
+                      <a:r>
+                        <a:rPr kumimoji="0" lang="zh-CN" altLang="en-US" sz="1200" b="0" i="0" u="none" strike="noStrike" cap="none" normalizeH="0" baseline="0" dirty="0" smtClean="0">
+                          <a:ln>
+                            <a:noFill/>
+                          </a:ln>
+                          <a:solidFill>
+                            <a:srgbClr val="000000"/>
+                          </a:solidFill>
+                          <a:effectLst/>
+                          <a:latin typeface="微软雅黑" panose="020B0503020204020204" pitchFamily="34" charset="-122"/>
+                          <a:ea typeface="微软雅黑" panose="020B0503020204020204" pitchFamily="34" charset="-122"/>
+                          <a:cs typeface="Times New Roman" panose="02020603050405020304" pitchFamily="18" charset="0"/>
+                        </a:rPr>
+                        <a:t>的方式在我的学习采用通用的数据结构本地冗余一份用户学习数据，这样就可以直接查询本地数据库，一条</a:t>
+                      </a:r>
+                      <a:r>
+                        <a:rPr kumimoji="0" lang="en-US" altLang="zh-CN" sz="1200" b="0" i="0" u="none" strike="noStrike" cap="none" normalizeH="0" baseline="0" dirty="0" smtClean="0">
+                          <a:ln>
+                            <a:noFill/>
+                          </a:ln>
+                          <a:solidFill>
+                            <a:srgbClr val="000000"/>
+                          </a:solidFill>
+                          <a:effectLst/>
+                          <a:latin typeface="微软雅黑" panose="020B0503020204020204" pitchFamily="34" charset="-122"/>
+                          <a:ea typeface="微软雅黑" panose="020B0503020204020204" pitchFamily="34" charset="-122"/>
+                          <a:cs typeface="Times New Roman" panose="02020603050405020304" pitchFamily="18" charset="0"/>
+                        </a:rPr>
+                        <a:t>select</a:t>
+                      </a:r>
+                      <a:r>
+                        <a:rPr kumimoji="0" lang="zh-CN" altLang="en-US" sz="1200" b="0" i="0" u="none" strike="noStrike" cap="none" normalizeH="0" baseline="0" dirty="0" smtClean="0">
+                          <a:ln>
+                            <a:noFill/>
+                          </a:ln>
+                          <a:solidFill>
+                            <a:srgbClr val="000000"/>
+                          </a:solidFill>
+                          <a:effectLst/>
+                          <a:latin typeface="微软雅黑" panose="020B0503020204020204" pitchFamily="34" charset="-122"/>
+                          <a:ea typeface="微软雅黑" panose="020B0503020204020204" pitchFamily="34" charset="-122"/>
+                          <a:cs typeface="Times New Roman" panose="02020603050405020304" pitchFamily="18" charset="0"/>
+                        </a:rPr>
+                        <a:t>语句，性能直接提升到</a:t>
+                      </a:r>
+                      <a:r>
+                        <a:rPr kumimoji="0" lang="en-US" altLang="zh-CN" sz="1200" b="0" i="0" u="none" strike="noStrike" cap="none" normalizeH="0" baseline="0" dirty="0" smtClean="0">
+                          <a:ln>
+                            <a:noFill/>
+                          </a:ln>
+                          <a:solidFill>
+                            <a:srgbClr val="000000"/>
+                          </a:solidFill>
+                          <a:effectLst/>
+                          <a:latin typeface="微软雅黑" panose="020B0503020204020204" pitchFamily="34" charset="-122"/>
+                          <a:ea typeface="微软雅黑" panose="020B0503020204020204" pitchFamily="34" charset="-122"/>
+                          <a:cs typeface="Times New Roman" panose="02020603050405020304" pitchFamily="18" charset="0"/>
+                        </a:rPr>
+                        <a:t>100ms</a:t>
+                      </a:r>
+                      <a:r>
+                        <a:rPr kumimoji="0" lang="zh-CN" altLang="en-US" sz="1200" b="0" i="0" u="none" strike="noStrike" cap="none" normalizeH="0" baseline="0" dirty="0" smtClean="0">
+                          <a:ln>
+                            <a:noFill/>
+                          </a:ln>
+                          <a:solidFill>
+                            <a:srgbClr val="000000"/>
+                          </a:solidFill>
+                          <a:effectLst/>
+                          <a:latin typeface="微软雅黑" panose="020B0503020204020204" pitchFamily="34" charset="-122"/>
+                          <a:ea typeface="微软雅黑" panose="020B0503020204020204" pitchFamily="34" charset="-122"/>
+                          <a:cs typeface="Times New Roman" panose="02020603050405020304" pitchFamily="18" charset="0"/>
+                        </a:rPr>
+                        <a:t>左右；</a:t>
+                      </a:r>
+                      <a:endParaRPr kumimoji="0" lang="zh-CN" altLang="en-US" sz="1200" b="0" i="0" u="none" strike="noStrike" cap="none" normalizeH="0" baseline="0" dirty="0" smtClean="0">
+                        <a:ln>
+                          <a:noFill/>
+                        </a:ln>
+                        <a:solidFill>
+                          <a:srgbClr val="000000"/>
+                        </a:solidFill>
+                        <a:effectLst/>
+                        <a:latin typeface="微软雅黑" panose="020B0503020204020204" pitchFamily="34" charset="-122"/>
+                        <a:ea typeface="微软雅黑" panose="020B0503020204020204" pitchFamily="34" charset="-122"/>
+                        <a:cs typeface="Times New Roman" panose="02020603050405020304" pitchFamily="18" charset="0"/>
+                      </a:endParaRPr>
+                    </a:p>
+                    <a:p>
+                      <a:pPr marL="0" marR="0" lvl="0" indent="0" algn="l" defTabSz="914400" rtl="0" eaLnBrk="0" fontAlgn="base" latinLnBrk="0" hangingPunct="0">
+                        <a:lnSpc>
+                          <a:spcPct val="120000"/>
+                        </a:lnSpc>
+                        <a:spcBef>
+                          <a:spcPct val="10000"/>
+                        </a:spcBef>
+                        <a:spcAft>
+                          <a:spcPct val="0"/>
+                        </a:spcAft>
+                        <a:buClr>
+                          <a:srgbClr val="3F6985"/>
+                        </a:buClr>
+                        <a:buSzTx/>
+                        <a:buFont typeface="Wingdings" panose="05000000000000000000" pitchFamily="2" charset="2"/>
+                        <a:buNone/>
+                      </a:pPr>
+                      <a:r>
+                        <a:rPr kumimoji="0" lang="en-US" altLang="zh-CN" sz="1200" b="0" i="0" u="none" strike="noStrike" cap="none" normalizeH="0" baseline="0" dirty="0" smtClean="0">
+                          <a:ln>
+                            <a:noFill/>
+                          </a:ln>
+                          <a:solidFill>
+                            <a:srgbClr val="000000"/>
+                          </a:solidFill>
+                          <a:effectLst/>
+                          <a:latin typeface="微软雅黑" panose="020B0503020204020204" pitchFamily="34" charset="-122"/>
+                          <a:ea typeface="微软雅黑" panose="020B0503020204020204" pitchFamily="34" charset="-122"/>
+                          <a:cs typeface="Times New Roman" panose="02020603050405020304" pitchFamily="18" charset="0"/>
+                        </a:rPr>
+                        <a:t>2.</a:t>
+                      </a:r>
+                      <a:r>
+                        <a:rPr kumimoji="0" lang="zh-CN" altLang="en-US" sz="1200" b="0" i="0" u="none" strike="noStrike" cap="none" normalizeH="0" baseline="0" dirty="0" smtClean="0">
+                          <a:ln>
+                            <a:noFill/>
+                          </a:ln>
+                          <a:solidFill>
+                            <a:srgbClr val="000000"/>
+                          </a:solidFill>
+                          <a:effectLst/>
+                          <a:latin typeface="微软雅黑" panose="020B0503020204020204" pitchFamily="34" charset="-122"/>
+                          <a:ea typeface="微软雅黑" panose="020B0503020204020204" pitchFamily="34" charset="-122"/>
+                          <a:cs typeface="Times New Roman" panose="02020603050405020304" pitchFamily="18" charset="0"/>
+                        </a:rPr>
+                        <a:t>参与设计报表统计，本服务设计自己的表结构，采用增量的方式同步用户相关数据，全量的方式同步业务对象数据；</a:t>
+                      </a:r>
+                      <a:endParaRPr kumimoji="0" lang="zh-CN" altLang="en-US" sz="1200" b="0" i="0" u="none" strike="noStrike" cap="none" normalizeH="0" baseline="0" dirty="0" smtClean="0">
+                        <a:ln>
+                          <a:noFill/>
+                        </a:ln>
+                        <a:solidFill>
+                          <a:srgbClr val="000000"/>
+                        </a:solidFill>
+                        <a:effectLst/>
+                        <a:latin typeface="微软雅黑" panose="020B0503020204020204" pitchFamily="34" charset="-122"/>
+                        <a:ea typeface="微软雅黑" panose="020B0503020204020204" pitchFamily="34" charset="-122"/>
+                        <a:cs typeface="Times New Roman" panose="02020603050405020304" pitchFamily="18" charset="0"/>
+                      </a:endParaRPr>
+                    </a:p>
+                  </a:txBody>
+                  <a:tcPr marT="40809" marB="40809" anchor="ctr" horzOverflow="overflow">
+                    <a:lnL w="12700" cap="flat" cmpd="sng" algn="ctr">
+                      <a:solidFill>
+                        <a:schemeClr val="tx1">
+                          <a:lumMod val="50000"/>
+                          <a:lumOff val="50000"/>
+                        </a:schemeClr>
+                      </a:solidFill>
+                      <a:prstDash val="solid"/>
+                      <a:round/>
+                      <a:headEnd type="none" w="med" len="med"/>
+                      <a:tailEnd type="none" w="med" len="med"/>
+                    </a:lnL>
+                    <a:lnR w="12700" cap="flat" cmpd="sng" algn="ctr">
+                      <a:solidFill>
+                        <a:schemeClr val="tx1">
+                          <a:lumMod val="50000"/>
+                          <a:lumOff val="50000"/>
+                        </a:schemeClr>
+                      </a:solidFill>
+                      <a:prstDash val="solid"/>
+                      <a:round/>
+                      <a:headEnd type="none" w="med" len="med"/>
+                      <a:tailEnd type="none" w="med" len="med"/>
+                    </a:lnR>
+                    <a:lnT w="12700" cap="flat" cmpd="sng" algn="ctr">
+                      <a:solidFill>
+                        <a:schemeClr val="tx1">
+                          <a:lumMod val="50000"/>
+                          <a:lumOff val="50000"/>
+                        </a:schemeClr>
+                      </a:solidFill>
+                      <a:prstDash val="solid"/>
+                      <a:round/>
+                      <a:headEnd type="none" w="med" len="med"/>
+                      <a:tailEnd type="none" w="med" len="med"/>
+                    </a:lnT>
+                    <a:lnB w="12700" cap="flat" cmpd="sng" algn="ctr">
+                      <a:solidFill>
+                        <a:schemeClr val="tx1">
+                          <a:lumMod val="50000"/>
+                          <a:lumOff val="50000"/>
+                        </a:schemeClr>
+                      </a:solidFill>
+                      <a:prstDash val="solid"/>
+                      <a:round/>
+                      <a:headEnd type="none" w="med" len="med"/>
+                      <a:tailEnd type="none" w="med" len="med"/>
+                    </a:lnB>
+                    <a:lnTlToBr>
+                      <a:noFill/>
+                    </a:lnTlToBr>
+                    <a:lnBlToTr>
+                      <a:noFill/>
+                    </a:lnBlToTr>
+                    <a:noFill/>
+                  </a:tcPr>
+                </a:tc>
+                <a:tc>
+                  <a:txBody>
+                    <a:bodyPr/>
+                    <a:lstStyle/>
+                    <a:p>
+                      <a:pPr marL="0" marR="0" lvl="0" indent="0" algn="l" defTabSz="914400" rtl="0" eaLnBrk="0" fontAlgn="base" latinLnBrk="0" hangingPunct="0">
+                        <a:lnSpc>
+                          <a:spcPct val="120000"/>
+                        </a:lnSpc>
+                        <a:spcBef>
+                          <a:spcPct val="10000"/>
+                        </a:spcBef>
+                        <a:spcAft>
+                          <a:spcPct val="0"/>
+                        </a:spcAft>
+                        <a:buClr>
+                          <a:srgbClr val="3F6985"/>
+                        </a:buClr>
+                        <a:buSzTx/>
+                        <a:buFont typeface="Wingdings" panose="05000000000000000000" pitchFamily="2" charset="2"/>
+                        <a:buNone/>
+                      </a:pPr>
+                      <a:endParaRPr kumimoji="0" lang="zh-CN" altLang="zh-CN" sz="1200" b="0" i="0" u="none" strike="noStrike" cap="none" normalizeH="0" baseline="0" dirty="0" smtClean="0">
+                        <a:ln>
+                          <a:noFill/>
+                        </a:ln>
+                        <a:solidFill>
+                          <a:schemeClr val="tx1"/>
+                        </a:solidFill>
+                        <a:effectLst/>
+                        <a:latin typeface="微软雅黑" panose="020B0503020204020204" pitchFamily="34" charset="-122"/>
+                        <a:ea typeface="微软雅黑" panose="020B0503020204020204" pitchFamily="34" charset="-122"/>
+                      </a:endParaRPr>
+                    </a:p>
+                  </a:txBody>
+                  <a:tcPr marT="40809" marB="40809" anchor="ctr" horzOverflow="overflow">
+                    <a:lnL w="12700" cap="flat" cmpd="sng" algn="ctr">
+                      <a:solidFill>
+                        <a:schemeClr val="tx1">
+                          <a:lumMod val="50000"/>
+                          <a:lumOff val="50000"/>
+                        </a:schemeClr>
+                      </a:solidFill>
+                      <a:prstDash val="solid"/>
+                      <a:round/>
+                      <a:headEnd type="none" w="med" len="med"/>
+                      <a:tailEnd type="none" w="med" len="med"/>
+                    </a:lnL>
+                    <a:lnR w="12700" cap="flat" cmpd="sng" algn="ctr">
+                      <a:solidFill>
+                        <a:schemeClr val="tx1">
+                          <a:lumMod val="50000"/>
+                          <a:lumOff val="50000"/>
+                        </a:schemeClr>
+                      </a:solidFill>
+                      <a:prstDash val="solid"/>
+                      <a:round/>
+                      <a:headEnd type="none" w="med" len="med"/>
+                      <a:tailEnd type="none" w="med" len="med"/>
+                    </a:lnR>
+                    <a:lnT w="12700" cap="flat" cmpd="sng" algn="ctr">
+                      <a:solidFill>
+                        <a:schemeClr val="tx1">
+                          <a:lumMod val="50000"/>
+                          <a:lumOff val="50000"/>
+                        </a:schemeClr>
+                      </a:solidFill>
+                      <a:prstDash val="solid"/>
+                      <a:round/>
+                      <a:headEnd type="none" w="med" len="med"/>
+                      <a:tailEnd type="none" w="med" len="med"/>
+                    </a:lnT>
+                    <a:lnB w="12700" cap="flat" cmpd="sng" algn="ctr">
+                      <a:solidFill>
+                        <a:schemeClr val="tx1">
+                          <a:lumMod val="50000"/>
+                          <a:lumOff val="50000"/>
+                        </a:schemeClr>
+                      </a:solidFill>
+                      <a:prstDash val="solid"/>
+                      <a:round/>
+                      <a:headEnd type="none" w="med" len="med"/>
+                      <a:tailEnd type="none" w="med" len="med"/>
+                    </a:lnB>
+                    <a:lnTlToBr>
+                      <a:noFill/>
+                    </a:lnTlToBr>
+                    <a:lnBlToTr>
+                      <a:noFill/>
+                    </a:lnBlToTr>
+                    <a:noFill/>
+                  </a:tcPr>
+                </a:tc>
+              </a:tr>
+              <a:tr h="0">
+                <a:tc vMerge="1">
+                  <a:tcPr horzOverflow="overflow">
+                    <a:lnL w="12700" cap="flat" cmpd="sng" algn="ctr">
+                      <a:solidFill>
+                        <a:schemeClr val="tx1"/>
+                      </a:solidFill>
+                      <a:prstDash val="solid"/>
+                      <a:round/>
+                      <a:headEnd type="none" w="med" len="med"/>
+                      <a:tailEnd type="none" w="med" len="med"/>
+                    </a:lnL>
+                    <a:lnR w="12700" cap="flat" cmpd="sng" algn="ctr">
+                      <a:solidFill>
+                        <a:schemeClr val="tx1"/>
+                      </a:solidFill>
+                      <a:prstDash val="solid"/>
+                      <a:round/>
+                      <a:headEnd type="none" w="med" len="med"/>
+                      <a:tailEnd type="none" w="med" len="med"/>
+                    </a:lnR>
+                    <a:lnT w="12700" cap="flat" cmpd="sng" algn="ctr">
+                      <a:solidFill>
+                        <a:schemeClr val="tx1"/>
+                      </a:solidFill>
+                      <a:prstDash val="solid"/>
+                      <a:round/>
+                      <a:headEnd type="none" w="med" len="med"/>
+                      <a:tailEnd type="none" w="med" len="med"/>
+                    </a:lnT>
+                    <a:lnB w="12700" cap="flat" cmpd="sng" algn="ctr">
+                      <a:solidFill>
+                        <a:schemeClr val="tx1"/>
+                      </a:solidFill>
+                      <a:prstDash val="solid"/>
+                      <a:round/>
+                      <a:headEnd type="none" w="med" len="med"/>
+                      <a:tailEnd type="none" w="med" len="med"/>
+                    </a:lnB>
+                    <a:lnTlToBr>
+                      <a:noFill/>
+                    </a:lnTlToBr>
+                    <a:lnBlToTr>
+                      <a:noFill/>
+                    </a:lnBlToTr>
+                    <a:noFill/>
+                  </a:tcPr>
+                </a:tc>
+                <a:tc>
+                  <a:txBody>
+                    <a:bodyPr/>
+                    <a:lstStyle/>
+                    <a:p>
+                      <a:pPr algn="l">
+                        <a:spcAft>
+                          <a:spcPts val="0"/>
+                        </a:spcAft>
+                      </a:pPr>
+                      <a:r>
+                        <a:rPr lang="zh-CN" sz="900" kern="100" dirty="0">
+                          <a:effectLst/>
+                          <a:latin typeface="微软雅黑" panose="020B0503020204020204" pitchFamily="34" charset="-122"/>
+                          <a:ea typeface="微软雅黑" panose="020B0503020204020204" pitchFamily="34" charset="-122"/>
+                        </a:rPr>
+                        <a:t>调试与优化</a:t>
+                      </a:r>
+                      <a:endParaRPr lang="zh-CN" sz="1050" kern="100" dirty="0">
                         <a:effectLst/>
                         <a:latin typeface="微软雅黑" panose="020B0503020204020204" pitchFamily="34" charset="-122"/>
                         <a:ea typeface="微软雅黑" panose="020B0503020204020204" pitchFamily="34" charset="-122"/>
@@ -14815,7 +15925,7 @@
                   </a:tcPr>
                 </a:tc>
               </a:tr>
-              <a:tr h="466090">
+              <a:tr h="0">
                 <a:tc vMerge="1">
                   <a:tcPr horzOverflow="overflow">
                     <a:lnL w="12700" cap="flat" cmpd="sng" algn="ctr">
@@ -14874,14 +15984,14 @@
                         </a:spcAft>
                       </a:pPr>
                       <a:r>
-                        <a:rPr lang="zh-CN" sz="900" kern="100" dirty="0">
+                        <a:rPr lang="zh-CN" sz="900" kern="100">
                           <a:effectLst/>
                           <a:latin typeface="微软雅黑" panose="020B0503020204020204" pitchFamily="34" charset="-122"/>
                           <a:ea typeface="微软雅黑" panose="020B0503020204020204" pitchFamily="34" charset="-122"/>
                         </a:rPr>
-                        <a:t>调试与优化</a:t>
-                      </a:r>
-                      <a:endParaRPr lang="zh-CN" sz="1050" kern="100" dirty="0">
+                        <a:t>编程语言与系统知识</a:t>
+                      </a:r>
+                      <a:endParaRPr lang="zh-CN" sz="1050" kern="100">
                         <a:effectLst/>
                         <a:latin typeface="微软雅黑" panose="020B0503020204020204" pitchFamily="34" charset="-122"/>
                         <a:ea typeface="微软雅黑" panose="020B0503020204020204" pitchFamily="34" charset="-122"/>
@@ -15220,7 +16330,7 @@
                   </a:tcPr>
                 </a:tc>
               </a:tr>
-              <a:tr h="487045">
+              <a:tr h="139700">
                 <a:tc vMerge="1">
                   <a:tcPr horzOverflow="overflow">
                     <a:lnL w="12700" cap="flat" cmpd="sng" algn="ctr">
@@ -15279,14 +16389,14 @@
                         </a:spcAft>
                       </a:pPr>
                       <a:r>
-                        <a:rPr lang="zh-CN" sz="900" kern="100">
+                        <a:rPr lang="zh-CN" sz="900" kern="100" dirty="0">
                           <a:effectLst/>
                           <a:latin typeface="微软雅黑" panose="020B0503020204020204" pitchFamily="34" charset="-122"/>
                           <a:ea typeface="微软雅黑" panose="020B0503020204020204" pitchFamily="34" charset="-122"/>
                         </a:rPr>
-                        <a:t>编程语言与系统知识</a:t>
-                      </a:r>
-                      <a:endParaRPr lang="zh-CN" sz="1050" kern="100">
+                        <a:t>测试支持</a:t>
+                      </a:r>
+                      <a:endParaRPr lang="zh-CN" sz="1050" kern="100" dirty="0">
                         <a:effectLst/>
                         <a:latin typeface="微软雅黑" panose="020B0503020204020204" pitchFamily="34" charset="-122"/>
                         <a:ea typeface="微软雅黑" panose="020B0503020204020204" pitchFamily="34" charset="-122"/>
@@ -15366,7 +16476,21 @@
                         <a:buFont typeface="Wingdings" panose="05000000000000000000" pitchFamily="2" charset="2"/>
                         <a:buNone/>
                       </a:pPr>
-                      <a:endParaRPr kumimoji="0" lang="zh-CN" altLang="zh-CN" sz="1200" b="0" i="0" u="none" strike="noStrike" cap="none" normalizeH="0" baseline="0" dirty="0" smtClean="0">
+                      <a:r>
+                        <a:rPr kumimoji="0" lang="en-US" altLang="zh-CN" sz="1200" b="0" i="0" u="none" strike="noStrike" cap="none" normalizeH="0" baseline="0" dirty="0" smtClean="0">
+                          <a:ln>
+                            <a:noFill/>
+                          </a:ln>
+                          <a:solidFill>
+                            <a:schemeClr val="tx1"/>
+                          </a:solidFill>
+                          <a:effectLst/>
+                          <a:latin typeface="微软雅黑" panose="020B0503020204020204" pitchFamily="34" charset="-122"/>
+                          <a:ea typeface="微软雅黑" panose="020B0503020204020204" pitchFamily="34" charset="-122"/>
+                        </a:rPr>
+                        <a:t>2</a:t>
+                      </a:r>
+                      <a:endParaRPr kumimoji="0" lang="en-US" altLang="zh-CN" sz="1200" b="0" i="0" u="none" strike="noStrike" cap="none" normalizeH="0" baseline="0" dirty="0" smtClean="0">
                         <a:ln>
                           <a:noFill/>
                         </a:ln>
@@ -15459,7 +16583,7 @@
                         <a:buFont typeface="Wingdings" panose="05000000000000000000" pitchFamily="2" charset="2"/>
                         <a:buNone/>
                       </a:pPr>
-                      <a:endParaRPr kumimoji="0" lang="zh-CN" altLang="zh-CN" sz="1200" b="0" i="0" u="none" strike="noStrike" cap="none" normalizeH="0" baseline="0" dirty="0" smtClean="0">
+                      <a:endParaRPr kumimoji="0" lang="zh-CN" altLang="en-US" sz="1200" b="0" i="0" u="none" strike="noStrike" cap="none" normalizeH="0" baseline="0" dirty="0" smtClean="0">
                         <a:ln>
                           <a:noFill/>
                         </a:ln>
@@ -15625,12 +16749,63 @@
                   </a:tcPr>
                 </a:tc>
               </a:tr>
-              <a:tr h="626110">
-                <a:tc vMerge="1">
-                  <a:tcPr horzOverflow="overflow">
+              <a:tr h="1695450">
+                <a:tc>
+                  <a:txBody>
+                    <a:bodyPr/>
+                    <a:lstStyle/>
+                    <a:p>
+                      <a:pPr marL="0" marR="0" lvl="0" indent="0" algn="ctr" defTabSz="914400" rtl="0" eaLnBrk="0" fontAlgn="base" latinLnBrk="0" hangingPunct="0">
+                        <a:lnSpc>
+                          <a:spcPct val="120000"/>
+                        </a:lnSpc>
+                        <a:spcBef>
+                          <a:spcPct val="10000"/>
+                        </a:spcBef>
+                        <a:spcAft>
+                          <a:spcPct val="0"/>
+                        </a:spcAft>
+                        <a:buClr>
+                          <a:srgbClr val="3F6985"/>
+                        </a:buClr>
+                        <a:buSzTx/>
+                        <a:buFont typeface="Wingdings" panose="05000000000000000000" pitchFamily="2" charset="2"/>
+                        <a:buNone/>
+                      </a:pPr>
+                      <a:r>
+                        <a:rPr kumimoji="0" lang="zh-CN" altLang="en-US" sz="1200" b="1" i="0" u="none" strike="noStrike" cap="none" normalizeH="0" baseline="0" dirty="0" smtClean="0">
+                          <a:ln>
+                            <a:noFill/>
+                          </a:ln>
+                          <a:solidFill>
+                            <a:schemeClr val="bg1"/>
+                          </a:solidFill>
+                          <a:effectLst/>
+                          <a:latin typeface="微软雅黑" panose="020B0503020204020204" pitchFamily="34" charset="-122"/>
+                          <a:ea typeface="微软雅黑" panose="020B0503020204020204" pitchFamily="34" charset="-122"/>
+                        </a:rPr>
+                        <a:t>组合锁定技能</a:t>
+                      </a:r>
+                      <a:endParaRPr kumimoji="0" lang="zh-CN" altLang="zh-CN" sz="1200" b="1" i="0" u="none" strike="noStrike" cap="none" normalizeH="0" baseline="0" dirty="0" smtClean="0">
+                        <a:ln>
+                          <a:noFill/>
+                        </a:ln>
+                        <a:solidFill>
+                          <a:schemeClr val="bg1"/>
+                        </a:solidFill>
+                        <a:effectLst/>
+                        <a:latin typeface="微软雅黑" panose="020B0503020204020204" pitchFamily="34" charset="-122"/>
+                        <a:ea typeface="微软雅黑" panose="020B0503020204020204" pitchFamily="34" charset="-122"/>
+                      </a:endParaRPr>
+                    </a:p>
+                  </a:txBody>
+                  <a:tcPr marT="40809" marB="40809" anchor="ctr" horzOverflow="overflow">
                     <a:lnL w="12700" cap="flat" cmpd="sng" algn="ctr">
                       <a:solidFill>
-                        <a:schemeClr val="tx1"/>
+                        <a:schemeClr val="tx1">
+                          <a:lumMod val="50000"/>
+                          <a:lumOff val="50000"/>
+                        </a:schemeClr>
                       </a:solidFill>
                       <a:prstDash val="solid"/>
                       <a:round/>
@@ -15639,7 +16814,10 @@
                     </a:lnL>
                     <a:lnR w="12700" cap="flat" cmpd="sng" algn="ctr">
                       <a:solidFill>
-                        <a:schemeClr val="tx1"/>
+                        <a:schemeClr val="tx1">
+                          <a:lumMod val="50000"/>
+                          <a:lumOff val="50000"/>
+                        </a:schemeClr>
                       </a:solidFill>
                       <a:prstDash val="solid"/>
                       <a:round/>
@@ -15648,7 +16826,10 @@
                     </a:lnR>
                     <a:lnT w="12700" cap="flat" cmpd="sng" algn="ctr">
                       <a:solidFill>
-                        <a:schemeClr val="tx1"/>
+                        <a:schemeClr val="tx1">
+                          <a:lumMod val="50000"/>
+                          <a:lumOff val="50000"/>
+                        </a:schemeClr>
                       </a:solidFill>
                       <a:prstDash val="solid"/>
                       <a:round/>
@@ -15657,7 +16838,119 @@
                     </a:lnT>
                     <a:lnB w="12700" cap="flat" cmpd="sng" algn="ctr">
                       <a:solidFill>
-                        <a:schemeClr val="tx1"/>
+                        <a:schemeClr val="tx1">
+                          <a:lumMod val="50000"/>
+                          <a:lumOff val="50000"/>
+                        </a:schemeClr>
+                      </a:solidFill>
+                      <a:prstDash val="solid"/>
+                      <a:round/>
+                      <a:headEnd type="none" w="med" len="med"/>
+                      <a:tailEnd type="none" w="med" len="med"/>
+                    </a:lnB>
+                    <a:lnTlToBr>
+                      <a:noFill/>
+                    </a:lnTlToBr>
+                    <a:lnBlToTr>
+                      <a:noFill/>
+                    </a:lnBlToTr>
+                    <a:solidFill>
+                      <a:srgbClr val="00B0F0"/>
+                    </a:solidFill>
+                  </a:tcPr>
+                </a:tc>
+                <a:tc>
+                  <a:txBody>
+                    <a:bodyPr/>
+                    <a:lstStyle/>
+                    <a:p>
+                      <a:pPr marL="0" marR="0" lvl="0" indent="0" algn="l" defTabSz="914400" rtl="0" eaLnBrk="0" fontAlgn="base" latinLnBrk="0" hangingPunct="0">
+                        <a:lnSpc>
+                          <a:spcPct val="120000"/>
+                        </a:lnSpc>
+                        <a:spcBef>
+                          <a:spcPct val="10000"/>
+                        </a:spcBef>
+                        <a:spcAft>
+                          <a:spcPct val="0"/>
+                        </a:spcAft>
+                        <a:buClr>
+                          <a:srgbClr val="3F6985"/>
+                        </a:buClr>
+                        <a:buSzTx/>
+                        <a:buFont typeface="Wingdings" panose="05000000000000000000" pitchFamily="2" charset="2"/>
+                        <a:buNone/>
+                      </a:pPr>
+                      <a:r>
+                        <a:rPr kumimoji="0" lang="zh-CN" altLang="zh-CN" sz="900" b="0" i="0" u="none" strike="noStrike" cap="none" normalizeH="0" baseline="0" dirty="0" smtClean="0">
+                          <a:ln>
+                            <a:noFill/>
+                          </a:ln>
+                          <a:solidFill>
+                            <a:schemeClr val="tx1"/>
+                          </a:solidFill>
+                          <a:effectLst/>
+                          <a:latin typeface="微软雅黑" panose="020B0503020204020204" pitchFamily="34" charset="-122"/>
+                          <a:ea typeface="微软雅黑" panose="020B0503020204020204" pitchFamily="34" charset="-122"/>
+                        </a:rPr>
+                        <a:t>服务端开发</a:t>
+                      </a:r>
+                      <a:endParaRPr kumimoji="0" lang="zh-CN" altLang="zh-CN" sz="900" b="0" i="0" u="none" strike="noStrike" cap="none" normalizeH="0" baseline="0" dirty="0" smtClean="0">
+                        <a:ln>
+                          <a:noFill/>
+                        </a:ln>
+                        <a:solidFill>
+                          <a:schemeClr val="tx1"/>
+                        </a:solidFill>
+                        <a:effectLst/>
+                        <a:latin typeface="微软雅黑" panose="020B0503020204020204" pitchFamily="34" charset="-122"/>
+                        <a:ea typeface="微软雅黑" panose="020B0503020204020204" pitchFamily="34" charset="-122"/>
+                      </a:endParaRPr>
+                    </a:p>
+                  </a:txBody>
+                  <a:tcPr marT="40809" marB="40809" anchor="ctr" horzOverflow="overflow">
+                    <a:lnL w="12700" cap="flat" cmpd="sng" algn="ctr">
+                      <a:solidFill>
+                        <a:schemeClr val="tx1">
+                          <a:lumMod val="50000"/>
+                          <a:lumOff val="50000"/>
+                        </a:schemeClr>
+                      </a:solidFill>
+                      <a:prstDash val="solid"/>
+                      <a:round/>
+                      <a:headEnd type="none" w="med" len="med"/>
+                      <a:tailEnd type="none" w="med" len="med"/>
+                    </a:lnL>
+                    <a:lnR w="12700" cap="flat" cmpd="sng" algn="ctr">
+                      <a:solidFill>
+                        <a:schemeClr val="tx1">
+                          <a:lumMod val="50000"/>
+                          <a:lumOff val="50000"/>
+                        </a:schemeClr>
+                      </a:solidFill>
+                      <a:prstDash val="solid"/>
+                      <a:round/>
+                      <a:headEnd type="none" w="med" len="med"/>
+                      <a:tailEnd type="none" w="med" len="med"/>
+                    </a:lnR>
+                    <a:lnT w="12700" cap="flat" cmpd="sng" algn="ctr">
+                      <a:solidFill>
+                        <a:schemeClr val="tx1">
+                          <a:lumMod val="50000"/>
+                          <a:lumOff val="50000"/>
+                        </a:schemeClr>
+                      </a:solidFill>
+                      <a:prstDash val="solid"/>
+                      <a:round/>
+                      <a:headEnd type="none" w="med" len="med"/>
+                      <a:tailEnd type="none" w="med" len="med"/>
+                    </a:lnT>
+                    <a:lnB w="12700" cap="flat" cmpd="sng" algn="ctr">
+                      <a:solidFill>
+                        <a:schemeClr val="tx1">
+                          <a:lumMod val="50000"/>
+                          <a:lumOff val="50000"/>
+                        </a:schemeClr>
                       </a:solidFill>
                       <a:prstDash val="solid"/>
                       <a:round/>
@@ -15671,82 +16964,6 @@
                       <a:noFill/>
                     </a:lnBlToTr>
                     <a:noFill/>
-                  </a:tcPr>
-                </a:tc>
-                <a:tc>
-                  <a:txBody>
-                    <a:bodyPr/>
-                    <a:lstStyle/>
-                    <a:p>
-                      <a:pPr algn="l">
-                        <a:spcAft>
-                          <a:spcPts val="0"/>
-                        </a:spcAft>
-                      </a:pPr>
-                      <a:r>
-                        <a:rPr lang="zh-CN" sz="900" kern="100" dirty="0">
-                          <a:effectLst/>
-                          <a:latin typeface="微软雅黑" panose="020B0503020204020204" pitchFamily="34" charset="-122"/>
-                          <a:ea typeface="微软雅黑" panose="020B0503020204020204" pitchFamily="34" charset="-122"/>
-                        </a:rPr>
-                        <a:t>测试支持</a:t>
-                      </a:r>
-                      <a:endParaRPr lang="zh-CN" sz="1050" kern="100" dirty="0">
-                        <a:effectLst/>
-                        <a:latin typeface="微软雅黑" panose="020B0503020204020204" pitchFamily="34" charset="-122"/>
-                        <a:ea typeface="微软雅黑" panose="020B0503020204020204" pitchFamily="34" charset="-122"/>
-                      </a:endParaRPr>
-                    </a:p>
-                  </a:txBody>
-                  <a:tcPr marL="68580" marR="68580" marT="0" marB="0" anchor="ctr">
-                    <a:lnL w="12700" cap="flat" cmpd="sng" algn="ctr">
-                      <a:solidFill>
-                        <a:schemeClr val="tx1">
-                          <a:lumMod val="50000"/>
-                          <a:lumOff val="50000"/>
-                        </a:schemeClr>
-                      </a:solidFill>
-                      <a:prstDash val="solid"/>
-                      <a:round/>
-                      <a:headEnd type="none" w="med" len="med"/>
-                      <a:tailEnd type="none" w="med" len="med"/>
-                    </a:lnL>
-                    <a:lnR w="12700" cap="flat" cmpd="sng" algn="ctr">
-                      <a:solidFill>
-                        <a:schemeClr val="tx1">
-                          <a:lumMod val="50000"/>
-                          <a:lumOff val="50000"/>
-                        </a:schemeClr>
-                      </a:solidFill>
-                      <a:prstDash val="solid"/>
-                      <a:round/>
-                      <a:headEnd type="none" w="med" len="med"/>
-                      <a:tailEnd type="none" w="med" len="med"/>
-                    </a:lnR>
-                    <a:lnT w="12700" cap="flat" cmpd="sng" algn="ctr">
-                      <a:solidFill>
-                        <a:schemeClr val="tx1">
-                          <a:lumMod val="50000"/>
-                          <a:lumOff val="50000"/>
-                        </a:schemeClr>
-                      </a:solidFill>
-                      <a:prstDash val="solid"/>
-                      <a:round/>
-                      <a:headEnd type="none" w="med" len="med"/>
-                      <a:tailEnd type="none" w="med" len="med"/>
-                    </a:lnT>
-                    <a:lnB w="12700" cap="flat" cmpd="sng" algn="ctr">
-                      <a:solidFill>
-                        <a:schemeClr val="tx1">
-                          <a:lumMod val="50000"/>
-                          <a:lumOff val="50000"/>
-                        </a:schemeClr>
-                      </a:solidFill>
-                      <a:prstDash val="solid"/>
-                      <a:round/>
-                      <a:headEnd type="none" w="med" len="med"/>
-                      <a:tailEnd type="none" w="med" len="med"/>
-                    </a:lnB>
                   </a:tcPr>
                 </a:tc>
                 <a:tc>
@@ -15771,7 +16988,21 @@
                         <a:buFont typeface="Wingdings" panose="05000000000000000000" pitchFamily="2" charset="2"/>
                         <a:buNone/>
                       </a:pPr>
-                      <a:endParaRPr kumimoji="0" lang="zh-CN" altLang="zh-CN" sz="1200" b="0" i="0" u="none" strike="noStrike" cap="none" normalizeH="0" baseline="0" dirty="0" smtClean="0">
+                      <a:r>
+                        <a:rPr kumimoji="0" lang="en-US" altLang="zh-CN" sz="1200" b="0" i="0" u="none" strike="noStrike" cap="none" normalizeH="0" baseline="0" dirty="0" smtClean="0">
+                          <a:ln>
+                            <a:noFill/>
+                          </a:ln>
+                          <a:solidFill>
+                            <a:schemeClr val="tx1"/>
+                          </a:solidFill>
+                          <a:effectLst/>
+                          <a:latin typeface="微软雅黑" panose="020B0503020204020204" pitchFamily="34" charset="-122"/>
+                          <a:ea typeface="微软雅黑" panose="020B0503020204020204" pitchFamily="34" charset="-122"/>
+                        </a:rPr>
+                        <a:t>2</a:t>
+                      </a:r>
+                      <a:endParaRPr kumimoji="0" lang="en-US" altLang="zh-CN" sz="1200" b="0" i="0" u="none" strike="noStrike" cap="none" normalizeH="0" baseline="0" dirty="0" smtClean="0">
                         <a:ln>
                           <a:noFill/>
                         </a:ln>
@@ -15864,7 +17095,524 @@
                         <a:buFont typeface="Wingdings" panose="05000000000000000000" pitchFamily="2" charset="2"/>
                         <a:buNone/>
                       </a:pPr>
-                      <a:endParaRPr kumimoji="0" lang="zh-CN" altLang="zh-CN" sz="1200" b="0" i="0" u="none" strike="noStrike" cap="none" normalizeH="0" baseline="0" dirty="0" smtClean="0">
+                      <a:r>
+                        <a:rPr kumimoji="0" lang="en-US" altLang="zh-CN" sz="1200" b="0" i="0" u="none" strike="noStrike" cap="none" normalizeH="0" baseline="0" dirty="0" smtClean="0">
+                          <a:ln>
+                            <a:noFill/>
+                          </a:ln>
+                          <a:solidFill>
+                            <a:srgbClr val="000000"/>
+                          </a:solidFill>
+                          <a:effectLst/>
+                          <a:latin typeface="微软雅黑" panose="020B0503020204020204" pitchFamily="34" charset="-122"/>
+                          <a:ea typeface="微软雅黑" panose="020B0503020204020204" pitchFamily="34" charset="-122"/>
+                          <a:cs typeface="Times New Roman" panose="02020603050405020304" pitchFamily="18" charset="0"/>
+                        </a:rPr>
+                        <a:t>1.</a:t>
+                      </a:r>
+                      <a:r>
+                        <a:rPr kumimoji="0" lang="zh-CN" altLang="en-US" sz="1200" b="0" i="0" u="none" strike="noStrike" cap="none" normalizeH="0" baseline="0" dirty="0" smtClean="0">
+                          <a:ln>
+                            <a:noFill/>
+                          </a:ln>
+                          <a:solidFill>
+                            <a:srgbClr val="000000"/>
+                          </a:solidFill>
+                          <a:effectLst/>
+                          <a:latin typeface="微软雅黑" panose="020B0503020204020204" pitchFamily="34" charset="-122"/>
+                          <a:ea typeface="微软雅黑" panose="020B0503020204020204" pitchFamily="34" charset="-122"/>
+                          <a:cs typeface="Times New Roman" panose="02020603050405020304" pitchFamily="18" charset="0"/>
+                        </a:rPr>
+                        <a:t>使用</a:t>
+                      </a:r>
+                      <a:r>
+                        <a:rPr kumimoji="0" lang="en-US" altLang="zh-CN" sz="1200" b="0" i="0" u="none" strike="noStrike" cap="none" normalizeH="0" baseline="0" dirty="0" smtClean="0">
+                          <a:ln>
+                            <a:noFill/>
+                          </a:ln>
+                          <a:solidFill>
+                            <a:srgbClr val="000000"/>
+                          </a:solidFill>
+                          <a:effectLst/>
+                          <a:latin typeface="微软雅黑" panose="020B0503020204020204" pitchFamily="34" charset="-122"/>
+                          <a:ea typeface="微软雅黑" panose="020B0503020204020204" pitchFamily="34" charset="-122"/>
+                          <a:cs typeface="Times New Roman" panose="02020603050405020304" pitchFamily="18" charset="0"/>
+                        </a:rPr>
+                        <a:t>spring boot </a:t>
+                      </a:r>
+                      <a:r>
+                        <a:rPr kumimoji="0" lang="zh-CN" altLang="en-US" sz="1200" b="0" i="0" u="none" strike="noStrike" cap="none" normalizeH="0" baseline="0" dirty="0" smtClean="0">
+                          <a:ln>
+                            <a:noFill/>
+                          </a:ln>
+                          <a:solidFill>
+                            <a:srgbClr val="000000"/>
+                          </a:solidFill>
+                          <a:effectLst/>
+                          <a:latin typeface="微软雅黑" panose="020B0503020204020204" pitchFamily="34" charset="-122"/>
+                          <a:ea typeface="微软雅黑" panose="020B0503020204020204" pitchFamily="34" charset="-122"/>
+                          <a:cs typeface="Times New Roman" panose="02020603050405020304" pitchFamily="18" charset="0"/>
+                        </a:rPr>
+                        <a:t>作为服务端框架，快速构建微服务。</a:t>
+                      </a:r>
+                      <a:endParaRPr kumimoji="0" lang="zh-CN" altLang="en-US" sz="1200" b="0" i="0" u="none" strike="noStrike" cap="none" normalizeH="0" baseline="0" dirty="0" smtClean="0">
+                        <a:ln>
+                          <a:noFill/>
+                        </a:ln>
+                        <a:solidFill>
+                          <a:srgbClr val="000000"/>
+                        </a:solidFill>
+                        <a:effectLst/>
+                        <a:latin typeface="微软雅黑" panose="020B0503020204020204" pitchFamily="34" charset="-122"/>
+                        <a:ea typeface="微软雅黑" panose="020B0503020204020204" pitchFamily="34" charset="-122"/>
+                        <a:cs typeface="Times New Roman" panose="02020603050405020304" pitchFamily="18" charset="0"/>
+                      </a:endParaRPr>
+                    </a:p>
+                    <a:p>
+                      <a:pPr marL="0" marR="0" lvl="0" indent="0" algn="l" defTabSz="914400" rtl="0" eaLnBrk="0" fontAlgn="base" latinLnBrk="0" hangingPunct="0">
+                        <a:lnSpc>
+                          <a:spcPct val="120000"/>
+                        </a:lnSpc>
+                        <a:spcBef>
+                          <a:spcPct val="10000"/>
+                        </a:spcBef>
+                        <a:spcAft>
+                          <a:spcPct val="0"/>
+                        </a:spcAft>
+                        <a:buClr>
+                          <a:srgbClr val="3F6985"/>
+                        </a:buClr>
+                        <a:buSzTx/>
+                        <a:buFont typeface="Wingdings" panose="05000000000000000000" pitchFamily="2" charset="2"/>
+                        <a:buNone/>
+                      </a:pPr>
+                      <a:r>
+                        <a:rPr kumimoji="0" lang="en-US" altLang="zh-CN" sz="1200" b="0" i="0" u="none" strike="noStrike" cap="none" normalizeH="0" baseline="0" dirty="0" smtClean="0">
+                          <a:ln>
+                            <a:noFill/>
+                          </a:ln>
+                          <a:solidFill>
+                            <a:srgbClr val="000000"/>
+                          </a:solidFill>
+                          <a:effectLst/>
+                          <a:latin typeface="微软雅黑" panose="020B0503020204020204" pitchFamily="34" charset="-122"/>
+                          <a:ea typeface="微软雅黑" panose="020B0503020204020204" pitchFamily="34" charset="-122"/>
+                          <a:cs typeface="Times New Roman" panose="02020603050405020304" pitchFamily="18" charset="0"/>
+                        </a:rPr>
+                        <a:t>2.</a:t>
+                      </a:r>
+                      <a:r>
+                        <a:rPr kumimoji="0" lang="zh-CN" altLang="en-US" sz="1200" b="0" i="0" u="none" strike="noStrike" cap="none" normalizeH="0" baseline="0" dirty="0" smtClean="0">
+                          <a:ln>
+                            <a:noFill/>
+                          </a:ln>
+                          <a:solidFill>
+                            <a:srgbClr val="000000"/>
+                          </a:solidFill>
+                          <a:effectLst/>
+                          <a:latin typeface="微软雅黑" panose="020B0503020204020204" pitchFamily="34" charset="-122"/>
+                          <a:ea typeface="微软雅黑" panose="020B0503020204020204" pitchFamily="34" charset="-122"/>
+                          <a:cs typeface="Times New Roman" panose="02020603050405020304" pitchFamily="18" charset="0"/>
+                        </a:rPr>
+                        <a:t>关于接口响应时间大于</a:t>
+                      </a:r>
+                      <a:r>
+                        <a:rPr kumimoji="0" lang="en-US" altLang="zh-CN" sz="1200" b="0" i="0" u="none" strike="noStrike" cap="none" normalizeH="0" baseline="0" dirty="0" smtClean="0">
+                          <a:ln>
+                            <a:noFill/>
+                          </a:ln>
+                          <a:solidFill>
+                            <a:srgbClr val="000000"/>
+                          </a:solidFill>
+                          <a:effectLst/>
+                          <a:latin typeface="微软雅黑" panose="020B0503020204020204" pitchFamily="34" charset="-122"/>
+                          <a:ea typeface="微软雅黑" panose="020B0503020204020204" pitchFamily="34" charset="-122"/>
+                          <a:cs typeface="Times New Roman" panose="02020603050405020304" pitchFamily="18" charset="0"/>
+                        </a:rPr>
+                        <a:t>1s</a:t>
+                      </a:r>
+                      <a:r>
+                        <a:rPr kumimoji="0" lang="zh-CN" altLang="en-US" sz="1200" b="0" i="0" u="none" strike="noStrike" cap="none" normalizeH="0" baseline="0" dirty="0" smtClean="0">
+                          <a:ln>
+                            <a:noFill/>
+                          </a:ln>
+                          <a:solidFill>
+                            <a:srgbClr val="000000"/>
+                          </a:solidFill>
+                          <a:effectLst/>
+                          <a:latin typeface="微软雅黑" panose="020B0503020204020204" pitchFamily="34" charset="-122"/>
+                          <a:ea typeface="微软雅黑" panose="020B0503020204020204" pitchFamily="34" charset="-122"/>
+                          <a:cs typeface="Times New Roman" panose="02020603050405020304" pitchFamily="18" charset="0"/>
+                        </a:rPr>
+                        <a:t>的，首先根据</a:t>
+                      </a:r>
+                      <a:r>
+                        <a:rPr kumimoji="0" lang="en-US" altLang="zh-CN" sz="1200" b="0" i="0" u="none" strike="noStrike" cap="none" normalizeH="0" baseline="0" dirty="0" smtClean="0">
+                          <a:ln>
+                            <a:noFill/>
+                          </a:ln>
+                          <a:solidFill>
+                            <a:srgbClr val="000000"/>
+                          </a:solidFill>
+                          <a:effectLst/>
+                          <a:latin typeface="微软雅黑" panose="020B0503020204020204" pitchFamily="34" charset="-122"/>
+                          <a:ea typeface="微软雅黑" panose="020B0503020204020204" pitchFamily="34" charset="-122"/>
+                          <a:cs typeface="Times New Roman" panose="02020603050405020304" pitchFamily="18" charset="0"/>
+                        </a:rPr>
+                        <a:t>sql</a:t>
+                      </a:r>
+                      <a:r>
+                        <a:rPr kumimoji="0" lang="zh-CN" altLang="en-US" sz="1200" b="0" i="0" u="none" strike="noStrike" cap="none" normalizeH="0" baseline="0" dirty="0" smtClean="0">
+                          <a:ln>
+                            <a:noFill/>
+                          </a:ln>
+                          <a:solidFill>
+                            <a:srgbClr val="000000"/>
+                          </a:solidFill>
+                          <a:effectLst/>
+                          <a:latin typeface="微软雅黑" panose="020B0503020204020204" pitchFamily="34" charset="-122"/>
+                          <a:ea typeface="微软雅黑" panose="020B0503020204020204" pitchFamily="34" charset="-122"/>
+                          <a:cs typeface="Times New Roman" panose="02020603050405020304" pitchFamily="18" charset="0"/>
+                        </a:rPr>
+                        <a:t>语句进行优化，创建索引等；如若对于性能没有质的提升，则使用本地缓存和</a:t>
+                      </a:r>
+                      <a:r>
+                        <a:rPr kumimoji="0" lang="en-US" altLang="zh-CN" sz="1200" b="0" i="0" u="none" strike="noStrike" cap="none" normalizeH="0" baseline="0" dirty="0" smtClean="0">
+                          <a:ln>
+                            <a:noFill/>
+                          </a:ln>
+                          <a:solidFill>
+                            <a:srgbClr val="000000"/>
+                          </a:solidFill>
+                          <a:effectLst/>
+                          <a:latin typeface="微软雅黑" panose="020B0503020204020204" pitchFamily="34" charset="-122"/>
+                          <a:ea typeface="微软雅黑" panose="020B0503020204020204" pitchFamily="34" charset="-122"/>
+                          <a:cs typeface="Times New Roman" panose="02020603050405020304" pitchFamily="18" charset="0"/>
+                        </a:rPr>
+                        <a:t>redis</a:t>
+                      </a:r>
+                      <a:r>
+                        <a:rPr kumimoji="0" lang="zh-CN" altLang="en-US" sz="1200" b="0" i="0" u="none" strike="noStrike" cap="none" normalizeH="0" baseline="0" dirty="0" smtClean="0">
+                          <a:ln>
+                            <a:noFill/>
+                          </a:ln>
+                          <a:solidFill>
+                            <a:srgbClr val="000000"/>
+                          </a:solidFill>
+                          <a:effectLst/>
+                          <a:latin typeface="微软雅黑" panose="020B0503020204020204" pitchFamily="34" charset="-122"/>
+                          <a:ea typeface="微软雅黑" panose="020B0503020204020204" pitchFamily="34" charset="-122"/>
+                          <a:cs typeface="Times New Roman" panose="02020603050405020304" pitchFamily="18" charset="0"/>
+                        </a:rPr>
+                        <a:t>缓存</a:t>
+                      </a:r>
+                      <a:r>
+                        <a:rPr lang="zh-CN" altLang="en-US" sz="1200" dirty="0" smtClean="0">
+                          <a:ln>
+                            <a:noFill/>
+                          </a:ln>
+                          <a:solidFill>
+                            <a:srgbClr val="000000"/>
+                          </a:solidFill>
+                          <a:effectLst/>
+                          <a:latin typeface="微软雅黑" panose="020B0503020204020204" pitchFamily="34" charset="-122"/>
+                          <a:ea typeface="微软雅黑" panose="020B0503020204020204" pitchFamily="34" charset="-122"/>
+                          <a:cs typeface="Times New Roman" panose="02020603050405020304" pitchFamily="18" charset="0"/>
+                          <a:sym typeface="+mn-ea"/>
+                        </a:rPr>
+                        <a:t>分级缓存方案实现性能优化，实现接口响应时间缩短</a:t>
+                      </a:r>
+                      <a:r>
+                        <a:rPr lang="en-US" altLang="zh-CN" sz="1200" dirty="0" smtClean="0">
+                          <a:ln>
+                            <a:noFill/>
+                          </a:ln>
+                          <a:solidFill>
+                            <a:srgbClr val="000000"/>
+                          </a:solidFill>
+                          <a:effectLst/>
+                          <a:latin typeface="微软雅黑" panose="020B0503020204020204" pitchFamily="34" charset="-122"/>
+                          <a:ea typeface="微软雅黑" panose="020B0503020204020204" pitchFamily="34" charset="-122"/>
+                          <a:cs typeface="Times New Roman" panose="02020603050405020304" pitchFamily="18" charset="0"/>
+                          <a:sym typeface="+mn-ea"/>
+                        </a:rPr>
+                        <a:t>1/3</a:t>
+                      </a:r>
+                      <a:r>
+                        <a:rPr lang="zh-CN" altLang="en-US" sz="1200" dirty="0" smtClean="0">
+                          <a:ln>
+                            <a:noFill/>
+                          </a:ln>
+                          <a:solidFill>
+                            <a:srgbClr val="000000"/>
+                          </a:solidFill>
+                          <a:effectLst/>
+                          <a:latin typeface="微软雅黑" panose="020B0503020204020204" pitchFamily="34" charset="-122"/>
+                          <a:ea typeface="微软雅黑" panose="020B0503020204020204" pitchFamily="34" charset="-122"/>
+                          <a:cs typeface="Times New Roman" panose="02020603050405020304" pitchFamily="18" charset="0"/>
+                          <a:sym typeface="+mn-ea"/>
+                        </a:rPr>
+                        <a:t>。</a:t>
+                      </a:r>
+                      <a:endParaRPr lang="zh-CN" altLang="en-US" sz="1200" dirty="0" smtClean="0">
+                        <a:ln>
+                          <a:noFill/>
+                        </a:ln>
+                        <a:solidFill>
+                          <a:srgbClr val="000000"/>
+                        </a:solidFill>
+                        <a:effectLst/>
+                        <a:latin typeface="微软雅黑" panose="020B0503020204020204" pitchFamily="34" charset="-122"/>
+                        <a:ea typeface="微软雅黑" panose="020B0503020204020204" pitchFamily="34" charset="-122"/>
+                        <a:cs typeface="Times New Roman" panose="02020603050405020304" pitchFamily="18" charset="0"/>
+                        <a:sym typeface="+mn-ea"/>
+                      </a:endParaRPr>
+                    </a:p>
+                    <a:p>
+                      <a:pPr marL="0" marR="0" lvl="0" indent="0" algn="l" defTabSz="914400" rtl="0" eaLnBrk="0" fontAlgn="base" latinLnBrk="0" hangingPunct="0">
+                        <a:lnSpc>
+                          <a:spcPct val="120000"/>
+                        </a:lnSpc>
+                        <a:spcBef>
+                          <a:spcPct val="10000"/>
+                        </a:spcBef>
+                        <a:spcAft>
+                          <a:spcPct val="0"/>
+                        </a:spcAft>
+                        <a:buClr>
+                          <a:srgbClr val="3F6985"/>
+                        </a:buClr>
+                        <a:buSzTx/>
+                        <a:buFont typeface="Wingdings" panose="05000000000000000000" pitchFamily="2" charset="2"/>
+                        <a:buNone/>
+                      </a:pPr>
+                      <a:r>
+                        <a:rPr kumimoji="0" lang="en-US" altLang="zh-CN" sz="1200" b="0" i="0" u="none" strike="noStrike" cap="none" normalizeH="0" baseline="0" dirty="0" smtClean="0">
+                          <a:ln>
+                            <a:noFill/>
+                          </a:ln>
+                          <a:solidFill>
+                            <a:srgbClr val="000000"/>
+                          </a:solidFill>
+                          <a:effectLst/>
+                          <a:latin typeface="微软雅黑" panose="020B0503020204020204" pitchFamily="34" charset="-122"/>
+                          <a:ea typeface="微软雅黑" panose="020B0503020204020204" pitchFamily="34" charset="-122"/>
+                          <a:cs typeface="Times New Roman" panose="02020603050405020304" pitchFamily="18" charset="0"/>
+                        </a:rPr>
+                        <a:t>3.</a:t>
+                      </a:r>
+                      <a:r>
+                        <a:rPr kumimoji="0" lang="zh-CN" altLang="en-US" sz="1200" b="0" i="0" u="none" strike="noStrike" cap="none" normalizeH="0" baseline="0" dirty="0" smtClean="0">
+                          <a:ln>
+                            <a:noFill/>
+                          </a:ln>
+                          <a:solidFill>
+                            <a:srgbClr val="000000"/>
+                          </a:solidFill>
+                          <a:effectLst/>
+                          <a:latin typeface="微软雅黑" panose="020B0503020204020204" pitchFamily="34" charset="-122"/>
+                          <a:ea typeface="微软雅黑" panose="020B0503020204020204" pitchFamily="34" charset="-122"/>
+                          <a:cs typeface="Times New Roman" panose="02020603050405020304" pitchFamily="18" charset="0"/>
+                        </a:rPr>
+                        <a:t>服务之间的通信采用</a:t>
+                      </a:r>
+                      <a:r>
+                        <a:rPr kumimoji="0" lang="en-US" altLang="zh-CN" sz="1200" b="0" i="0" u="none" strike="noStrike" cap="none" normalizeH="0" baseline="0" dirty="0" smtClean="0">
+                          <a:ln>
+                            <a:noFill/>
+                          </a:ln>
+                          <a:solidFill>
+                            <a:srgbClr val="000000"/>
+                          </a:solidFill>
+                          <a:effectLst/>
+                          <a:latin typeface="微软雅黑" panose="020B0503020204020204" pitchFamily="34" charset="-122"/>
+                          <a:ea typeface="微软雅黑" panose="020B0503020204020204" pitchFamily="34" charset="-122"/>
+                          <a:cs typeface="Times New Roman" panose="02020603050405020304" pitchFamily="18" charset="0"/>
+                        </a:rPr>
+                        <a:t>spring feginclient</a:t>
+                      </a:r>
+                      <a:r>
+                        <a:rPr kumimoji="0" lang="zh-CN" altLang="en-US" sz="1200" b="0" i="0" u="none" strike="noStrike" cap="none" normalizeH="0" baseline="0" dirty="0" smtClean="0">
+                          <a:ln>
+                            <a:noFill/>
+                          </a:ln>
+                          <a:solidFill>
+                            <a:srgbClr val="000000"/>
+                          </a:solidFill>
+                          <a:effectLst/>
+                          <a:latin typeface="微软雅黑" panose="020B0503020204020204" pitchFamily="34" charset="-122"/>
+                          <a:ea typeface="微软雅黑" panose="020B0503020204020204" pitchFamily="34" charset="-122"/>
+                          <a:cs typeface="Times New Roman" panose="02020603050405020304" pitchFamily="18" charset="0"/>
+                        </a:rPr>
+                        <a:t>方法进行方法间的调用，也采用</a:t>
+                      </a:r>
+                      <a:r>
+                        <a:rPr kumimoji="0" lang="en-US" altLang="zh-CN" sz="1200" b="0" i="0" u="none" strike="noStrike" cap="none" normalizeH="0" baseline="0" dirty="0" smtClean="0">
+                          <a:ln>
+                            <a:noFill/>
+                          </a:ln>
+                          <a:solidFill>
+                            <a:srgbClr val="000000"/>
+                          </a:solidFill>
+                          <a:effectLst/>
+                          <a:latin typeface="微软雅黑" panose="020B0503020204020204" pitchFamily="34" charset="-122"/>
+                          <a:ea typeface="微软雅黑" panose="020B0503020204020204" pitchFamily="34" charset="-122"/>
+                          <a:cs typeface="Times New Roman" panose="02020603050405020304" pitchFamily="18" charset="0"/>
+                        </a:rPr>
+                        <a:t>rabbit MQ</a:t>
+                      </a:r>
+                      <a:r>
+                        <a:rPr kumimoji="0" lang="zh-CN" altLang="en-US" sz="1200" b="0" i="0" u="none" strike="noStrike" cap="none" normalizeH="0" baseline="0" dirty="0" smtClean="0">
+                          <a:ln>
+                            <a:noFill/>
+                          </a:ln>
+                          <a:solidFill>
+                            <a:srgbClr val="000000"/>
+                          </a:solidFill>
+                          <a:effectLst/>
+                          <a:latin typeface="微软雅黑" panose="020B0503020204020204" pitchFamily="34" charset="-122"/>
+                          <a:ea typeface="微软雅黑" panose="020B0503020204020204" pitchFamily="34" charset="-122"/>
+                          <a:cs typeface="Times New Roman" panose="02020603050405020304" pitchFamily="18" charset="0"/>
+                        </a:rPr>
+                        <a:t>消息机制进行通信；</a:t>
+                      </a:r>
+                      <a:endParaRPr kumimoji="0" lang="zh-CN" altLang="en-US" sz="1200" b="0" i="0" u="none" strike="noStrike" cap="none" normalizeH="0" baseline="0" dirty="0" smtClean="0">
+                        <a:ln>
+                          <a:noFill/>
+                        </a:ln>
+                        <a:solidFill>
+                          <a:srgbClr val="000000"/>
+                        </a:solidFill>
+                        <a:effectLst/>
+                        <a:latin typeface="微软雅黑" panose="020B0503020204020204" pitchFamily="34" charset="-122"/>
+                        <a:ea typeface="微软雅黑" panose="020B0503020204020204" pitchFamily="34" charset="-122"/>
+                        <a:cs typeface="Times New Roman" panose="02020603050405020304" pitchFamily="18" charset="0"/>
+                      </a:endParaRPr>
+                    </a:p>
+                    <a:p>
+                      <a:pPr marL="0" marR="0" lvl="0" indent="0" algn="l" defTabSz="914400" rtl="0" eaLnBrk="0" fontAlgn="base" latinLnBrk="0" hangingPunct="0">
+                        <a:lnSpc>
+                          <a:spcPct val="120000"/>
+                        </a:lnSpc>
+                        <a:spcBef>
+                          <a:spcPct val="10000"/>
+                        </a:spcBef>
+                        <a:spcAft>
+                          <a:spcPct val="0"/>
+                        </a:spcAft>
+                        <a:buClr>
+                          <a:srgbClr val="3F6985"/>
+                        </a:buClr>
+                        <a:buSzTx/>
+                        <a:buFont typeface="Wingdings" panose="05000000000000000000" pitchFamily="2" charset="2"/>
+                        <a:buNone/>
+                      </a:pPr>
+                      <a:r>
+                        <a:rPr kumimoji="0" lang="en-US" altLang="zh-CN" sz="1200" b="0" i="0" u="none" strike="noStrike" cap="none" normalizeH="0" baseline="0" dirty="0" smtClean="0">
+                          <a:ln>
+                            <a:noFill/>
+                          </a:ln>
+                          <a:solidFill>
+                            <a:srgbClr val="000000"/>
+                          </a:solidFill>
+                          <a:effectLst/>
+                          <a:latin typeface="微软雅黑" panose="020B0503020204020204" pitchFamily="34" charset="-122"/>
+                          <a:ea typeface="微软雅黑" panose="020B0503020204020204" pitchFamily="34" charset="-122"/>
+                          <a:cs typeface="Times New Roman" panose="02020603050405020304" pitchFamily="18" charset="0"/>
+                        </a:rPr>
+                        <a:t>4. </a:t>
+                      </a:r>
+                      <a:r>
+                        <a:rPr kumimoji="0" lang="zh-CN" altLang="en-US" sz="1200" b="0" i="0" u="none" strike="noStrike" cap="none" normalizeH="0" baseline="0" dirty="0" smtClean="0">
+                          <a:ln>
+                            <a:noFill/>
+                          </a:ln>
+                          <a:solidFill>
+                            <a:srgbClr val="000000"/>
+                          </a:solidFill>
+                          <a:effectLst/>
+                          <a:latin typeface="微软雅黑" panose="020B0503020204020204" pitchFamily="34" charset="-122"/>
+                          <a:ea typeface="微软雅黑" panose="020B0503020204020204" pitchFamily="34" charset="-122"/>
+                          <a:cs typeface="Times New Roman" panose="02020603050405020304" pitchFamily="18" charset="0"/>
+                        </a:rPr>
+                        <a:t>采用</a:t>
+                      </a:r>
+                      <a:r>
+                        <a:rPr kumimoji="0" lang="en-US" altLang="zh-CN" sz="1200" b="0" i="0" u="none" strike="noStrike" cap="none" normalizeH="0" baseline="0" dirty="0" smtClean="0">
+                          <a:ln>
+                            <a:noFill/>
+                          </a:ln>
+                          <a:solidFill>
+                            <a:srgbClr val="000000"/>
+                          </a:solidFill>
+                          <a:effectLst/>
+                          <a:latin typeface="微软雅黑" panose="020B0503020204020204" pitchFamily="34" charset="-122"/>
+                          <a:ea typeface="微软雅黑" panose="020B0503020204020204" pitchFamily="34" charset="-122"/>
+                          <a:cs typeface="Times New Roman" panose="02020603050405020304" pitchFamily="18" charset="0"/>
+                        </a:rPr>
+                        <a:t>spring data jpa </a:t>
+                      </a:r>
+                      <a:r>
+                        <a:rPr kumimoji="0" lang="zh-CN" altLang="en-US" sz="1200" b="0" i="0" u="none" strike="noStrike" cap="none" normalizeH="0" baseline="0" dirty="0" smtClean="0">
+                          <a:ln>
+                            <a:noFill/>
+                          </a:ln>
+                          <a:solidFill>
+                            <a:srgbClr val="000000"/>
+                          </a:solidFill>
+                          <a:effectLst/>
+                          <a:latin typeface="微软雅黑" panose="020B0503020204020204" pitchFamily="34" charset="-122"/>
+                          <a:ea typeface="微软雅黑" panose="020B0503020204020204" pitchFamily="34" charset="-122"/>
+                          <a:cs typeface="Times New Roman" panose="02020603050405020304" pitchFamily="18" charset="0"/>
+                        </a:rPr>
+                        <a:t>作为数据访问层，</a:t>
+                      </a:r>
+                      <a:r>
+                        <a:rPr kumimoji="0" lang="en-US" altLang="zh-CN" sz="1200" b="0" i="0" u="none" strike="noStrike" cap="none" normalizeH="0" baseline="0" dirty="0" smtClean="0">
+                          <a:ln>
+                            <a:noFill/>
+                          </a:ln>
+                          <a:solidFill>
+                            <a:srgbClr val="000000"/>
+                          </a:solidFill>
+                          <a:effectLst/>
+                          <a:latin typeface="微软雅黑" panose="020B0503020204020204" pitchFamily="34" charset="-122"/>
+                          <a:ea typeface="微软雅黑" panose="020B0503020204020204" pitchFamily="34" charset="-122"/>
+                          <a:cs typeface="Times New Roman" panose="02020603050405020304" pitchFamily="18" charset="0"/>
+                        </a:rPr>
+                        <a:t>spring data solr</a:t>
+                      </a:r>
+                      <a:r>
+                        <a:rPr kumimoji="0" lang="zh-CN" altLang="en-US" sz="1200" b="0" i="0" u="none" strike="noStrike" cap="none" normalizeH="0" baseline="0" dirty="0" smtClean="0">
+                          <a:ln>
+                            <a:noFill/>
+                          </a:ln>
+                          <a:solidFill>
+                            <a:srgbClr val="000000"/>
+                          </a:solidFill>
+                          <a:effectLst/>
+                          <a:latin typeface="微软雅黑" panose="020B0503020204020204" pitchFamily="34" charset="-122"/>
+                          <a:ea typeface="微软雅黑" panose="020B0503020204020204" pitchFamily="34" charset="-122"/>
+                          <a:cs typeface="Times New Roman" panose="02020603050405020304" pitchFamily="18" charset="0"/>
+                        </a:rPr>
+                        <a:t>作为检索引擎</a:t>
+                      </a:r>
+                      <a:r>
+                        <a:rPr kumimoji="0" lang="en-US" altLang="zh-CN" sz="1200" b="0" i="0" u="none" strike="noStrike" cap="none" normalizeH="0" baseline="0" dirty="0" smtClean="0">
+                          <a:ln>
+                            <a:noFill/>
+                          </a:ln>
+                          <a:solidFill>
+                            <a:srgbClr val="000000"/>
+                          </a:solidFill>
+                          <a:effectLst/>
+                          <a:latin typeface="微软雅黑" panose="020B0503020204020204" pitchFamily="34" charset="-122"/>
+                          <a:ea typeface="微软雅黑" panose="020B0503020204020204" pitchFamily="34" charset="-122"/>
+                          <a:cs typeface="Times New Roman" panose="02020603050405020304" pitchFamily="18" charset="0"/>
+                        </a:rPr>
+                        <a:t>;</a:t>
+                      </a:r>
+                      <a:endParaRPr kumimoji="0" lang="en-US" altLang="zh-CN" sz="1200" b="0" i="0" u="none" strike="noStrike" cap="none" normalizeH="0" baseline="0" dirty="0" smtClean="0">
                         <a:ln>
                           <a:noFill/>
                         </a:ln>
@@ -16030,504 +17778,6 @@
                   </a:tcPr>
                 </a:tc>
               </a:tr>
-              <a:tr h="1337945">
-                <a:tc>
-                  <a:txBody>
-                    <a:bodyPr/>
-                    <a:lstStyle/>
-                    <a:p>
-                      <a:pPr marL="0" marR="0" lvl="0" indent="0" algn="ctr" defTabSz="914400" rtl="0" eaLnBrk="0" fontAlgn="base" latinLnBrk="0" hangingPunct="0">
-                        <a:lnSpc>
-                          <a:spcPct val="120000"/>
-                        </a:lnSpc>
-                        <a:spcBef>
-                          <a:spcPct val="10000"/>
-                        </a:spcBef>
-                        <a:spcAft>
-                          <a:spcPct val="0"/>
-                        </a:spcAft>
-                        <a:buClr>
-                          <a:srgbClr val="3F6985"/>
-                        </a:buClr>
-                        <a:buSzTx/>
-                        <a:buFont typeface="Wingdings" panose="05000000000000000000" pitchFamily="2" charset="2"/>
-                        <a:buNone/>
-                      </a:pPr>
-                      <a:r>
-                        <a:rPr kumimoji="0" lang="zh-CN" altLang="en-US" sz="1200" b="1" i="0" u="none" strike="noStrike" cap="none" normalizeH="0" baseline="0" dirty="0" smtClean="0">
-                          <a:ln>
-                            <a:noFill/>
-                          </a:ln>
-                          <a:solidFill>
-                            <a:schemeClr val="bg1"/>
-                          </a:solidFill>
-                          <a:effectLst/>
-                          <a:latin typeface="微软雅黑" panose="020B0503020204020204" pitchFamily="34" charset="-122"/>
-                          <a:ea typeface="微软雅黑" panose="020B0503020204020204" pitchFamily="34" charset="-122"/>
-                        </a:rPr>
-                        <a:t>组合锁定技能</a:t>
-                      </a:r>
-                      <a:endParaRPr kumimoji="0" lang="zh-CN" altLang="zh-CN" sz="1200" b="1" i="0" u="none" strike="noStrike" cap="none" normalizeH="0" baseline="0" dirty="0" smtClean="0">
-                        <a:ln>
-                          <a:noFill/>
-                        </a:ln>
-                        <a:solidFill>
-                          <a:schemeClr val="bg1"/>
-                        </a:solidFill>
-                        <a:effectLst/>
-                        <a:latin typeface="微软雅黑" panose="020B0503020204020204" pitchFamily="34" charset="-122"/>
-                        <a:ea typeface="微软雅黑" panose="020B0503020204020204" pitchFamily="34" charset="-122"/>
-                      </a:endParaRPr>
-                    </a:p>
-                  </a:txBody>
-                  <a:tcPr marT="40809" marB="40809" anchor="ctr" horzOverflow="overflow">
-                    <a:lnL w="12700" cap="flat" cmpd="sng" algn="ctr">
-                      <a:solidFill>
-                        <a:schemeClr val="tx1">
-                          <a:lumMod val="50000"/>
-                          <a:lumOff val="50000"/>
-                        </a:schemeClr>
-                      </a:solidFill>
-                      <a:prstDash val="solid"/>
-                      <a:round/>
-                      <a:headEnd type="none" w="med" len="med"/>
-                      <a:tailEnd type="none" w="med" len="med"/>
-                    </a:lnL>
-                    <a:lnR w="12700" cap="flat" cmpd="sng" algn="ctr">
-                      <a:solidFill>
-                        <a:schemeClr val="tx1">
-                          <a:lumMod val="50000"/>
-                          <a:lumOff val="50000"/>
-                        </a:schemeClr>
-                      </a:solidFill>
-                      <a:prstDash val="solid"/>
-                      <a:round/>
-                      <a:headEnd type="none" w="med" len="med"/>
-                      <a:tailEnd type="none" w="med" len="med"/>
-                    </a:lnR>
-                    <a:lnT w="12700" cap="flat" cmpd="sng" algn="ctr">
-                      <a:solidFill>
-                        <a:schemeClr val="tx1">
-                          <a:lumMod val="50000"/>
-                          <a:lumOff val="50000"/>
-                        </a:schemeClr>
-                      </a:solidFill>
-                      <a:prstDash val="solid"/>
-                      <a:round/>
-                      <a:headEnd type="none" w="med" len="med"/>
-                      <a:tailEnd type="none" w="med" len="med"/>
-                    </a:lnT>
-                    <a:lnB w="12700" cap="flat" cmpd="sng" algn="ctr">
-                      <a:solidFill>
-                        <a:schemeClr val="tx1">
-                          <a:lumMod val="50000"/>
-                          <a:lumOff val="50000"/>
-                        </a:schemeClr>
-                      </a:solidFill>
-                      <a:prstDash val="solid"/>
-                      <a:round/>
-                      <a:headEnd type="none" w="med" len="med"/>
-                      <a:tailEnd type="none" w="med" len="med"/>
-                    </a:lnB>
-                    <a:lnTlToBr>
-                      <a:noFill/>
-                    </a:lnTlToBr>
-                    <a:lnBlToTr>
-                      <a:noFill/>
-                    </a:lnBlToTr>
-                    <a:solidFill>
-                      <a:srgbClr val="00B0F0"/>
-                    </a:solidFill>
-                  </a:tcPr>
-                </a:tc>
-                <a:tc>
-                  <a:txBody>
-                    <a:bodyPr/>
-                    <a:lstStyle/>
-                    <a:p>
-                      <a:pPr marL="0" marR="0" lvl="0" indent="0" algn="l" defTabSz="914400" rtl="0" eaLnBrk="0" fontAlgn="base" latinLnBrk="0" hangingPunct="0">
-                        <a:lnSpc>
-                          <a:spcPct val="120000"/>
-                        </a:lnSpc>
-                        <a:spcBef>
-                          <a:spcPct val="10000"/>
-                        </a:spcBef>
-                        <a:spcAft>
-                          <a:spcPct val="0"/>
-                        </a:spcAft>
-                        <a:buClr>
-                          <a:srgbClr val="3F6985"/>
-                        </a:buClr>
-                        <a:buSzTx/>
-                        <a:buFont typeface="Wingdings" panose="05000000000000000000" pitchFamily="2" charset="2"/>
-                        <a:buNone/>
-                      </a:pPr>
-                      <a:r>
-                        <a:rPr kumimoji="0" lang="zh-CN" altLang="en-US" sz="900" b="0" i="0" u="none" strike="noStrike" cap="none" normalizeH="0" baseline="0" dirty="0" smtClean="0">
-                          <a:ln>
-                            <a:noFill/>
-                          </a:ln>
-                          <a:solidFill>
-                            <a:schemeClr val="tx1"/>
-                          </a:solidFill>
-                          <a:effectLst/>
-                          <a:latin typeface="微软雅黑" panose="020B0503020204020204" pitchFamily="34" charset="-122"/>
-                          <a:ea typeface="微软雅黑" panose="020B0503020204020204" pitchFamily="34" charset="-122"/>
-                        </a:rPr>
-                        <a:t>▲根据自身技能方向填写</a:t>
-                      </a:r>
-                      <a:endParaRPr kumimoji="0" lang="zh-CN" altLang="zh-CN" sz="900" b="0" i="0" u="none" strike="noStrike" cap="none" normalizeH="0" baseline="0" dirty="0" smtClean="0">
-                        <a:ln>
-                          <a:noFill/>
-                        </a:ln>
-                        <a:solidFill>
-                          <a:schemeClr val="tx1"/>
-                        </a:solidFill>
-                        <a:effectLst/>
-                        <a:latin typeface="微软雅黑" panose="020B0503020204020204" pitchFamily="34" charset="-122"/>
-                        <a:ea typeface="微软雅黑" panose="020B0503020204020204" pitchFamily="34" charset="-122"/>
-                      </a:endParaRPr>
-                    </a:p>
-                  </a:txBody>
-                  <a:tcPr marT="40809" marB="40809" anchor="ctr" horzOverflow="overflow">
-                    <a:lnL w="12700" cap="flat" cmpd="sng" algn="ctr">
-                      <a:solidFill>
-                        <a:schemeClr val="tx1">
-                          <a:lumMod val="50000"/>
-                          <a:lumOff val="50000"/>
-                        </a:schemeClr>
-                      </a:solidFill>
-                      <a:prstDash val="solid"/>
-                      <a:round/>
-                      <a:headEnd type="none" w="med" len="med"/>
-                      <a:tailEnd type="none" w="med" len="med"/>
-                    </a:lnL>
-                    <a:lnR w="12700" cap="flat" cmpd="sng" algn="ctr">
-                      <a:solidFill>
-                        <a:schemeClr val="tx1">
-                          <a:lumMod val="50000"/>
-                          <a:lumOff val="50000"/>
-                        </a:schemeClr>
-                      </a:solidFill>
-                      <a:prstDash val="solid"/>
-                      <a:round/>
-                      <a:headEnd type="none" w="med" len="med"/>
-                      <a:tailEnd type="none" w="med" len="med"/>
-                    </a:lnR>
-                    <a:lnT w="12700" cap="flat" cmpd="sng" algn="ctr">
-                      <a:solidFill>
-                        <a:schemeClr val="tx1">
-                          <a:lumMod val="50000"/>
-                          <a:lumOff val="50000"/>
-                        </a:schemeClr>
-                      </a:solidFill>
-                      <a:prstDash val="solid"/>
-                      <a:round/>
-                      <a:headEnd type="none" w="med" len="med"/>
-                      <a:tailEnd type="none" w="med" len="med"/>
-                    </a:lnT>
-                    <a:lnB w="12700" cap="flat" cmpd="sng" algn="ctr">
-                      <a:solidFill>
-                        <a:schemeClr val="tx1">
-                          <a:lumMod val="50000"/>
-                          <a:lumOff val="50000"/>
-                        </a:schemeClr>
-                      </a:solidFill>
-                      <a:prstDash val="solid"/>
-                      <a:round/>
-                      <a:headEnd type="none" w="med" len="med"/>
-                      <a:tailEnd type="none" w="med" len="med"/>
-                    </a:lnB>
-                    <a:lnTlToBr>
-                      <a:noFill/>
-                    </a:lnTlToBr>
-                    <a:lnBlToTr>
-                      <a:noFill/>
-                    </a:lnBlToTr>
-                    <a:noFill/>
-                  </a:tcPr>
-                </a:tc>
-                <a:tc>
-                  <a:txBody>
-                    <a:bodyPr/>
-                    <a:lstStyle/>
-                    <a:p>
-                      <a:pPr marL="0" marR="0" lvl="0" indent="0" algn="ctr" defTabSz="914400" rtl="0" eaLnBrk="0" fontAlgn="base" latinLnBrk="0" hangingPunct="0">
-                        <a:lnSpc>
-                          <a:spcPct val="120000"/>
-                        </a:lnSpc>
-                        <a:spcBef>
-                          <a:spcPct val="10000"/>
-                        </a:spcBef>
-                        <a:spcAft>
-                          <a:spcPct val="0"/>
-                        </a:spcAft>
-                        <a:buClr>
-                          <a:srgbClr val="3F6985"/>
-                        </a:buClr>
-                        <a:buSzTx/>
-                        <a:buFont typeface="Wingdings" panose="05000000000000000000" pitchFamily="2" charset="2"/>
-                        <a:buNone/>
-                      </a:pPr>
-                      <a:endParaRPr kumimoji="0" lang="zh-CN" altLang="zh-CN" sz="1200" b="0" i="0" u="none" strike="noStrike" cap="none" normalizeH="0" baseline="0" dirty="0" smtClean="0">
-                        <a:ln>
-                          <a:noFill/>
-                        </a:ln>
-                        <a:solidFill>
-                          <a:schemeClr val="tx1"/>
-                        </a:solidFill>
-                        <a:effectLst/>
-                        <a:latin typeface="微软雅黑" panose="020B0503020204020204" pitchFamily="34" charset="-122"/>
-                        <a:ea typeface="微软雅黑" panose="020B0503020204020204" pitchFamily="34" charset="-122"/>
-                      </a:endParaRPr>
-                    </a:p>
-                  </a:txBody>
-                  <a:tcPr marT="40809" marB="40809" anchor="ctr" horzOverflow="overflow">
-                    <a:lnL w="12700" cap="flat" cmpd="sng" algn="ctr">
-                      <a:solidFill>
-                        <a:schemeClr val="tx1">
-                          <a:lumMod val="50000"/>
-                          <a:lumOff val="50000"/>
-                        </a:schemeClr>
-                      </a:solidFill>
-                      <a:prstDash val="solid"/>
-                      <a:round/>
-                      <a:headEnd type="none" w="med" len="med"/>
-                      <a:tailEnd type="none" w="med" len="med"/>
-                    </a:lnL>
-                    <a:lnR w="12700" cap="flat" cmpd="sng" algn="ctr">
-                      <a:solidFill>
-                        <a:schemeClr val="tx1">
-                          <a:lumMod val="50000"/>
-                          <a:lumOff val="50000"/>
-                        </a:schemeClr>
-                      </a:solidFill>
-                      <a:prstDash val="solid"/>
-                      <a:round/>
-                      <a:headEnd type="none" w="med" len="med"/>
-                      <a:tailEnd type="none" w="med" len="med"/>
-                    </a:lnR>
-                    <a:lnT w="12700" cap="flat" cmpd="sng" algn="ctr">
-                      <a:solidFill>
-                        <a:schemeClr val="tx1">
-                          <a:lumMod val="50000"/>
-                          <a:lumOff val="50000"/>
-                        </a:schemeClr>
-                      </a:solidFill>
-                      <a:prstDash val="solid"/>
-                      <a:round/>
-                      <a:headEnd type="none" w="med" len="med"/>
-                      <a:tailEnd type="none" w="med" len="med"/>
-                    </a:lnT>
-                    <a:lnB w="12700" cap="flat" cmpd="sng" algn="ctr">
-                      <a:solidFill>
-                        <a:schemeClr val="tx1">
-                          <a:lumMod val="50000"/>
-                          <a:lumOff val="50000"/>
-                        </a:schemeClr>
-                      </a:solidFill>
-                      <a:prstDash val="solid"/>
-                      <a:round/>
-                      <a:headEnd type="none" w="med" len="med"/>
-                      <a:tailEnd type="none" w="med" len="med"/>
-                    </a:lnB>
-                    <a:lnTlToBr>
-                      <a:noFill/>
-                    </a:lnTlToBr>
-                    <a:lnBlToTr>
-                      <a:noFill/>
-                    </a:lnBlToTr>
-                    <a:noFill/>
-                  </a:tcPr>
-                </a:tc>
-                <a:tc>
-                  <a:txBody>
-                    <a:bodyPr/>
-                    <a:lstStyle/>
-                    <a:p>
-                      <a:pPr marL="0" marR="0" lvl="0" indent="0" algn="l" defTabSz="914400" rtl="0" eaLnBrk="0" fontAlgn="base" latinLnBrk="0" hangingPunct="0">
-                        <a:lnSpc>
-                          <a:spcPct val="120000"/>
-                        </a:lnSpc>
-                        <a:spcBef>
-                          <a:spcPct val="10000"/>
-                        </a:spcBef>
-                        <a:spcAft>
-                          <a:spcPct val="0"/>
-                        </a:spcAft>
-                        <a:buClr>
-                          <a:srgbClr val="3F6985"/>
-                        </a:buClr>
-                        <a:buSzTx/>
-                        <a:buFont typeface="Wingdings" panose="05000000000000000000" pitchFamily="2" charset="2"/>
-                        <a:buNone/>
-                      </a:pPr>
-                      <a:endParaRPr kumimoji="0" lang="zh-CN" altLang="zh-CN" sz="1200" b="0" i="0" u="none" strike="noStrike" cap="none" normalizeH="0" baseline="0" dirty="0" smtClean="0">
-                        <a:ln>
-                          <a:noFill/>
-                        </a:ln>
-                        <a:solidFill>
-                          <a:srgbClr val="000000"/>
-                        </a:solidFill>
-                        <a:effectLst/>
-                        <a:latin typeface="微软雅黑" panose="020B0503020204020204" pitchFamily="34" charset="-122"/>
-                        <a:ea typeface="微软雅黑" panose="020B0503020204020204" pitchFamily="34" charset="-122"/>
-                        <a:cs typeface="Times New Roman" panose="02020603050405020304" pitchFamily="18" charset="0"/>
-                      </a:endParaRPr>
-                    </a:p>
-                  </a:txBody>
-                  <a:tcPr marT="40809" marB="40809" anchor="ctr" horzOverflow="overflow">
-                    <a:lnL w="12700" cap="flat" cmpd="sng" algn="ctr">
-                      <a:solidFill>
-                        <a:schemeClr val="tx1">
-                          <a:lumMod val="50000"/>
-                          <a:lumOff val="50000"/>
-                        </a:schemeClr>
-                      </a:solidFill>
-                      <a:prstDash val="solid"/>
-                      <a:round/>
-                      <a:headEnd type="none" w="med" len="med"/>
-                      <a:tailEnd type="none" w="med" len="med"/>
-                    </a:lnL>
-                    <a:lnR w="12700" cap="flat" cmpd="sng" algn="ctr">
-                      <a:solidFill>
-                        <a:schemeClr val="tx1">
-                          <a:lumMod val="50000"/>
-                          <a:lumOff val="50000"/>
-                        </a:schemeClr>
-                      </a:solidFill>
-                      <a:prstDash val="solid"/>
-                      <a:round/>
-                      <a:headEnd type="none" w="med" len="med"/>
-                      <a:tailEnd type="none" w="med" len="med"/>
-                    </a:lnR>
-                    <a:lnT w="12700" cap="flat" cmpd="sng" algn="ctr">
-                      <a:solidFill>
-                        <a:schemeClr val="tx1">
-                          <a:lumMod val="50000"/>
-                          <a:lumOff val="50000"/>
-                        </a:schemeClr>
-                      </a:solidFill>
-                      <a:prstDash val="solid"/>
-                      <a:round/>
-                      <a:headEnd type="none" w="med" len="med"/>
-                      <a:tailEnd type="none" w="med" len="med"/>
-                    </a:lnT>
-                    <a:lnB w="12700" cap="flat" cmpd="sng" algn="ctr">
-                      <a:solidFill>
-                        <a:schemeClr val="tx1">
-                          <a:lumMod val="50000"/>
-                          <a:lumOff val="50000"/>
-                        </a:schemeClr>
-                      </a:solidFill>
-                      <a:prstDash val="solid"/>
-                      <a:round/>
-                      <a:headEnd type="none" w="med" len="med"/>
-                      <a:tailEnd type="none" w="med" len="med"/>
-                    </a:lnB>
-                    <a:lnTlToBr>
-                      <a:noFill/>
-                    </a:lnTlToBr>
-                    <a:lnBlToTr>
-                      <a:noFill/>
-                    </a:lnBlToTr>
-                    <a:noFill/>
-                  </a:tcPr>
-                </a:tc>
-                <a:tc>
-                  <a:txBody>
-                    <a:bodyPr/>
-                    <a:lstStyle/>
-                    <a:p>
-                      <a:pPr marL="0" marR="0" lvl="0" indent="0" algn="l" defTabSz="914400" rtl="0" eaLnBrk="0" fontAlgn="base" latinLnBrk="0" hangingPunct="0">
-                        <a:lnSpc>
-                          <a:spcPct val="120000"/>
-                        </a:lnSpc>
-                        <a:spcBef>
-                          <a:spcPct val="10000"/>
-                        </a:spcBef>
-                        <a:spcAft>
-                          <a:spcPct val="0"/>
-                        </a:spcAft>
-                        <a:buClr>
-                          <a:srgbClr val="3F6985"/>
-                        </a:buClr>
-                        <a:buSzTx/>
-                        <a:buFont typeface="Wingdings" panose="05000000000000000000" pitchFamily="2" charset="2"/>
-                        <a:buNone/>
-                      </a:pPr>
-                      <a:endParaRPr kumimoji="0" lang="zh-CN" altLang="zh-CN" sz="1200" b="0" i="0" u="none" strike="noStrike" cap="none" normalizeH="0" baseline="0" dirty="0" smtClean="0">
-                        <a:ln>
-                          <a:noFill/>
-                        </a:ln>
-                        <a:solidFill>
-                          <a:schemeClr val="tx1"/>
-                        </a:solidFill>
-                        <a:effectLst/>
-                        <a:latin typeface="微软雅黑" panose="020B0503020204020204" pitchFamily="34" charset="-122"/>
-                        <a:ea typeface="微软雅黑" panose="020B0503020204020204" pitchFamily="34" charset="-122"/>
-                      </a:endParaRPr>
-                    </a:p>
-                  </a:txBody>
-                  <a:tcPr marT="40809" marB="40809" anchor="ctr" horzOverflow="overflow">
-                    <a:lnL w="12700" cap="flat" cmpd="sng" algn="ctr">
-                      <a:solidFill>
-                        <a:schemeClr val="tx1">
-                          <a:lumMod val="50000"/>
-                          <a:lumOff val="50000"/>
-                        </a:schemeClr>
-                      </a:solidFill>
-                      <a:prstDash val="solid"/>
-                      <a:round/>
-                      <a:headEnd type="none" w="med" len="med"/>
-                      <a:tailEnd type="none" w="med" len="med"/>
-                    </a:lnL>
-                    <a:lnR w="12700" cap="flat" cmpd="sng" algn="ctr">
-                      <a:solidFill>
-                        <a:schemeClr val="tx1">
-                          <a:lumMod val="50000"/>
-                          <a:lumOff val="50000"/>
-                        </a:schemeClr>
-                      </a:solidFill>
-                      <a:prstDash val="solid"/>
-                      <a:round/>
-                      <a:headEnd type="none" w="med" len="med"/>
-                      <a:tailEnd type="none" w="med" len="med"/>
-                    </a:lnR>
-                    <a:lnT w="12700" cap="flat" cmpd="sng" algn="ctr">
-                      <a:solidFill>
-                        <a:schemeClr val="tx1">
-                          <a:lumMod val="50000"/>
-                          <a:lumOff val="50000"/>
-                        </a:schemeClr>
-                      </a:solidFill>
-                      <a:prstDash val="solid"/>
-                      <a:round/>
-                      <a:headEnd type="none" w="med" len="med"/>
-                      <a:tailEnd type="none" w="med" len="med"/>
-                    </a:lnT>
-                    <a:lnB w="12700" cap="flat" cmpd="sng" algn="ctr">
-                      <a:solidFill>
-                        <a:schemeClr val="tx1">
-                          <a:lumMod val="50000"/>
-                          <a:lumOff val="50000"/>
-                        </a:schemeClr>
-                      </a:solidFill>
-                      <a:prstDash val="solid"/>
-                      <a:round/>
-                      <a:headEnd type="none" w="med" len="med"/>
-                      <a:tailEnd type="none" w="med" len="med"/>
-                    </a:lnB>
-                    <a:lnTlToBr>
-                      <a:noFill/>
-                    </a:lnTlToBr>
-                    <a:lnBlToTr>
-                      <a:noFill/>
-                    </a:lnBlToTr>
-                    <a:noFill/>
-                  </a:tcPr>
-                </a:tc>
-              </a:tr>
             </a:tbl>
           </a:graphicData>
         </a:graphic>
@@ -16554,153 +17804,6 @@
               <a:rPr lang="en-US" altLang="zh-CN" smtClean="0"/>
             </a:fld>
             <a:endParaRPr lang="en-US" altLang="zh-CN"/>
-          </a:p>
-        </p:txBody>
-      </p:sp>
-      <p:sp>
-        <p:nvSpPr>
-          <p:cNvPr id="8196" name="Text Box 48"/>
-          <p:cNvSpPr txBox="1">
-            <a:spLocks noChangeArrowheads="1"/>
-          </p:cNvSpPr>
-          <p:nvPr/>
-        </p:nvSpPr>
-        <p:spPr bwMode="auto">
-          <a:xfrm>
-            <a:off x="242211" y="5420662"/>
-            <a:ext cx="9369631" cy="400061"/>
-          </a:xfrm>
-          <a:prstGeom prst="rect">
-            <a:avLst/>
-          </a:prstGeom>
-          <a:noFill/>
-          <a:ln w="9525" algn="ctr">
-            <a:noFill/>
-            <a:miter lim="800000"/>
-          </a:ln>
-        </p:spPr>
-        <p:txBody>
-          <a:bodyPr wrap="square" lIns="91392" tIns="45696" rIns="91392" bIns="45696">
-            <a:spAutoFit/>
-          </a:bodyPr>
-          <a:lstStyle/>
-          <a:p>
-            <a:pPr algn="l">
-              <a:spcBef>
-                <a:spcPct val="50000"/>
-              </a:spcBef>
-            </a:pPr>
-            <a:r>
-              <a:rPr lang="zh-CN" altLang="en-US" sz="800" b="0" dirty="0" smtClean="0">
-                <a:solidFill>
-                  <a:srgbClr val="C00000"/>
-                </a:solidFill>
-                <a:latin typeface="微软雅黑" panose="020B0503020204020204" pitchFamily="34" charset="-122"/>
-                <a:ea typeface="微软雅黑" panose="020B0503020204020204" pitchFamily="34" charset="-122"/>
-              </a:rPr>
-              <a:t>说明：</a:t>
-            </a:r>
-            <a:r>
-              <a:rPr lang="en-US" altLang="zh-CN" sz="800" b="0" dirty="0" smtClean="0">
-                <a:solidFill>
-                  <a:srgbClr val="C00000"/>
-                </a:solidFill>
-                <a:latin typeface="微软雅黑" panose="020B0503020204020204" pitchFamily="34" charset="-122"/>
-                <a:ea typeface="微软雅黑" panose="020B0503020204020204" pitchFamily="34" charset="-122"/>
-              </a:rPr>
-              <a:t>1.</a:t>
-            </a:r>
-            <a:r>
-              <a:rPr lang="zh-CN" altLang="en-US" sz="800" b="0" dirty="0" smtClean="0">
-                <a:solidFill>
-                  <a:srgbClr val="C00000"/>
-                </a:solidFill>
-                <a:latin typeface="微软雅黑" panose="020B0503020204020204" pitchFamily="34" charset="-122"/>
-                <a:ea typeface="微软雅黑" panose="020B0503020204020204" pitchFamily="34" charset="-122"/>
-              </a:rPr>
-              <a:t>根据</a:t>
-            </a:r>
-            <a:r>
-              <a:rPr lang="zh-CN" altLang="en-US" sz="800" b="0" dirty="0">
-                <a:solidFill>
-                  <a:srgbClr val="C00000"/>
-                </a:solidFill>
-                <a:latin typeface="微软雅黑" panose="020B0503020204020204" pitchFamily="34" charset="-122"/>
-                <a:ea typeface="微软雅黑" panose="020B0503020204020204" pitchFamily="34" charset="-122"/>
-              </a:rPr>
-              <a:t>本职位工作所需专业能力要求，自评专业能力层级，并针对该能力层级要求列举</a:t>
-            </a:r>
-            <a:r>
-              <a:rPr lang="en-US" altLang="zh-CN" sz="800" b="0" dirty="0">
-                <a:solidFill>
-                  <a:srgbClr val="C00000"/>
-                </a:solidFill>
-                <a:latin typeface="微软雅黑" panose="020B0503020204020204" pitchFamily="34" charset="-122"/>
-                <a:ea typeface="微软雅黑" panose="020B0503020204020204" pitchFamily="34" charset="-122"/>
-              </a:rPr>
-              <a:t>1</a:t>
-            </a:r>
-            <a:r>
-              <a:rPr lang="zh-CN" altLang="en-US" sz="800" b="0" dirty="0">
-                <a:solidFill>
-                  <a:srgbClr val="C00000"/>
-                </a:solidFill>
-                <a:latin typeface="微软雅黑" panose="020B0503020204020204" pitchFamily="34" charset="-122"/>
-                <a:ea typeface="微软雅黑" panose="020B0503020204020204" pitchFamily="34" charset="-122"/>
-              </a:rPr>
-              <a:t>项个人在网龙任职期间内的关键事件，以证明自己已达到所申请的任职资格专业能力标准</a:t>
-            </a:r>
-            <a:r>
-              <a:rPr lang="zh-CN" altLang="en-US" sz="800" b="0" dirty="0" smtClean="0">
-                <a:solidFill>
-                  <a:srgbClr val="C00000"/>
-                </a:solidFill>
-                <a:latin typeface="微软雅黑" panose="020B0503020204020204" pitchFamily="34" charset="-122"/>
-                <a:ea typeface="微软雅黑" panose="020B0503020204020204" pitchFamily="34" charset="-122"/>
-              </a:rPr>
-              <a:t>。</a:t>
-            </a:r>
-            <a:endParaRPr lang="en-US" altLang="zh-CN" sz="800" b="0" dirty="0" smtClean="0">
-              <a:solidFill>
-                <a:srgbClr val="C00000"/>
-              </a:solidFill>
-              <a:latin typeface="微软雅黑" panose="020B0503020204020204" pitchFamily="34" charset="-122"/>
-              <a:ea typeface="微软雅黑" panose="020B0503020204020204" pitchFamily="34" charset="-122"/>
-            </a:endParaRPr>
-          </a:p>
-          <a:p>
-            <a:pPr algn="l">
-              <a:spcBef>
-                <a:spcPct val="50000"/>
-              </a:spcBef>
-            </a:pPr>
-            <a:r>
-              <a:rPr lang="en-US" altLang="zh-CN" sz="800" b="0" dirty="0" smtClean="0">
-                <a:solidFill>
-                  <a:srgbClr val="C00000"/>
-                </a:solidFill>
-                <a:latin typeface="微软雅黑" panose="020B0503020204020204" pitchFamily="34" charset="-122"/>
-                <a:ea typeface="微软雅黑" panose="020B0503020204020204" pitchFamily="34" charset="-122"/>
-              </a:rPr>
-              <a:t>           2.</a:t>
-            </a:r>
-            <a:r>
-              <a:rPr lang="zh-CN" altLang="en-US" sz="800" b="0" dirty="0" smtClean="0">
-                <a:solidFill>
-                  <a:srgbClr val="C00000"/>
-                </a:solidFill>
-                <a:latin typeface="微软雅黑" panose="020B0503020204020204" pitchFamily="34" charset="-122"/>
-                <a:ea typeface="微软雅黑" panose="020B0503020204020204" pitchFamily="34" charset="-122"/>
-              </a:rPr>
-              <a:t>可对照当前职位职级，用不同颜色标识出差异部分进行重点陈述。</a:t>
-            </a:r>
-            <a:endParaRPr lang="zh-CN" altLang="en-US" sz="800" b="0" dirty="0">
-              <a:solidFill>
-                <a:srgbClr val="C00000"/>
-              </a:solidFill>
-              <a:latin typeface="微软雅黑" panose="020B0503020204020204" pitchFamily="34" charset="-122"/>
-              <a:ea typeface="微软雅黑" panose="020B0503020204020204" pitchFamily="34" charset="-122"/>
-            </a:endParaRPr>
           </a:p>
         </p:txBody>
       </p:sp>
@@ -16821,153 +17924,6 @@
           </a:p>
         </p:txBody>
       </p:sp>
-      <p:sp>
-        <p:nvSpPr>
-          <p:cNvPr id="9257" name="Text Box 42"/>
-          <p:cNvSpPr txBox="1">
-            <a:spLocks noChangeArrowheads="1"/>
-          </p:cNvSpPr>
-          <p:nvPr/>
-        </p:nvSpPr>
-        <p:spPr bwMode="auto">
-          <a:xfrm>
-            <a:off x="341675" y="5407133"/>
-            <a:ext cx="8507050" cy="400061"/>
-          </a:xfrm>
-          <a:prstGeom prst="rect">
-            <a:avLst/>
-          </a:prstGeom>
-          <a:noFill/>
-          <a:ln w="9525" algn="ctr">
-            <a:noFill/>
-            <a:miter lim="800000"/>
-          </a:ln>
-        </p:spPr>
-        <p:txBody>
-          <a:bodyPr wrap="square" lIns="91392" tIns="45696" rIns="91392" bIns="45696">
-            <a:spAutoFit/>
-          </a:bodyPr>
-          <a:lstStyle/>
-          <a:p>
-            <a:pPr algn="l">
-              <a:spcBef>
-                <a:spcPct val="50000"/>
-              </a:spcBef>
-            </a:pPr>
-            <a:r>
-              <a:rPr lang="zh-CN" altLang="en-US" sz="800" b="0" dirty="0" smtClean="0">
-                <a:solidFill>
-                  <a:srgbClr val="C00000"/>
-                </a:solidFill>
-                <a:latin typeface="微软雅黑" panose="020B0503020204020204" pitchFamily="34" charset="-122"/>
-                <a:ea typeface="微软雅黑" panose="020B0503020204020204" pitchFamily="34" charset="-122"/>
-              </a:rPr>
-              <a:t>说明：</a:t>
-            </a:r>
-            <a:r>
-              <a:rPr lang="en-US" altLang="zh-CN" sz="800" b="0" dirty="0" smtClean="0">
-                <a:solidFill>
-                  <a:srgbClr val="C00000"/>
-                </a:solidFill>
-                <a:latin typeface="微软雅黑" panose="020B0503020204020204" pitchFamily="34" charset="-122"/>
-                <a:ea typeface="微软雅黑" panose="020B0503020204020204" pitchFamily="34" charset="-122"/>
-              </a:rPr>
-              <a:t>1.</a:t>
-            </a:r>
-            <a:r>
-              <a:rPr lang="zh-CN" altLang="en-US" sz="800" b="0" dirty="0" smtClean="0">
-                <a:solidFill>
-                  <a:srgbClr val="C00000"/>
-                </a:solidFill>
-                <a:latin typeface="微软雅黑" panose="020B0503020204020204" pitchFamily="34" charset="-122"/>
-                <a:ea typeface="微软雅黑" panose="020B0503020204020204" pitchFamily="34" charset="-122"/>
-              </a:rPr>
-              <a:t>根据</a:t>
-            </a:r>
-            <a:r>
-              <a:rPr lang="zh-CN" altLang="en-US" sz="800" b="0" dirty="0">
-                <a:solidFill>
-                  <a:srgbClr val="C00000"/>
-                </a:solidFill>
-                <a:latin typeface="微软雅黑" panose="020B0503020204020204" pitchFamily="34" charset="-122"/>
-                <a:ea typeface="微软雅黑" panose="020B0503020204020204" pitchFamily="34" charset="-122"/>
-              </a:rPr>
-              <a:t>本职位工作所需管理能力要求，自评管理能力层级，并针对该能力层级要求列举</a:t>
-            </a:r>
-            <a:r>
-              <a:rPr lang="en-US" altLang="zh-CN" sz="800" b="0" dirty="0">
-                <a:solidFill>
-                  <a:srgbClr val="C00000"/>
-                </a:solidFill>
-                <a:latin typeface="微软雅黑" panose="020B0503020204020204" pitchFamily="34" charset="-122"/>
-                <a:ea typeface="微软雅黑" panose="020B0503020204020204" pitchFamily="34" charset="-122"/>
-              </a:rPr>
-              <a:t>1</a:t>
-            </a:r>
-            <a:r>
-              <a:rPr lang="zh-CN" altLang="en-US" sz="800" b="0" dirty="0">
-                <a:solidFill>
-                  <a:srgbClr val="C00000"/>
-                </a:solidFill>
-                <a:latin typeface="微软雅黑" panose="020B0503020204020204" pitchFamily="34" charset="-122"/>
-                <a:ea typeface="微软雅黑" panose="020B0503020204020204" pitchFamily="34" charset="-122"/>
-              </a:rPr>
-              <a:t>项个人在网龙任职期间内的关键事件，以证明自己已达到所申请的任职资格管理能力标准</a:t>
-            </a:r>
-            <a:r>
-              <a:rPr lang="zh-CN" altLang="en-US" sz="800" b="0" dirty="0" smtClean="0">
-                <a:solidFill>
-                  <a:srgbClr val="C00000"/>
-                </a:solidFill>
-                <a:latin typeface="微软雅黑" panose="020B0503020204020204" pitchFamily="34" charset="-122"/>
-                <a:ea typeface="微软雅黑" panose="020B0503020204020204" pitchFamily="34" charset="-122"/>
-              </a:rPr>
-              <a:t>。</a:t>
-            </a:r>
-            <a:endParaRPr lang="en-US" altLang="zh-CN" sz="800" b="0" dirty="0" smtClean="0">
-              <a:solidFill>
-                <a:srgbClr val="C00000"/>
-              </a:solidFill>
-              <a:latin typeface="微软雅黑" panose="020B0503020204020204" pitchFamily="34" charset="-122"/>
-              <a:ea typeface="微软雅黑" panose="020B0503020204020204" pitchFamily="34" charset="-122"/>
-            </a:endParaRPr>
-          </a:p>
-          <a:p>
-            <a:pPr>
-              <a:spcBef>
-                <a:spcPct val="50000"/>
-              </a:spcBef>
-            </a:pPr>
-            <a:r>
-              <a:rPr lang="en-US" altLang="zh-CN" sz="800" b="0" dirty="0" smtClean="0">
-                <a:solidFill>
-                  <a:srgbClr val="C00000"/>
-                </a:solidFill>
-                <a:latin typeface="微软雅黑" panose="020B0503020204020204" pitchFamily="34" charset="-122"/>
-                <a:ea typeface="微软雅黑" panose="020B0503020204020204" pitchFamily="34" charset="-122"/>
-              </a:rPr>
-              <a:t>           2.</a:t>
-            </a:r>
-            <a:r>
-              <a:rPr lang="zh-CN" altLang="en-US" sz="800" b="0" dirty="0" smtClean="0">
-                <a:solidFill>
-                  <a:srgbClr val="C00000"/>
-                </a:solidFill>
-                <a:latin typeface="微软雅黑" panose="020B0503020204020204" pitchFamily="34" charset="-122"/>
-                <a:ea typeface="微软雅黑" panose="020B0503020204020204" pitchFamily="34" charset="-122"/>
-              </a:rPr>
-              <a:t>可对照当前职位职级，用不同颜色标识出差异部分进行重点陈述。</a:t>
-            </a:r>
-            <a:endParaRPr lang="zh-CN" altLang="en-US" sz="800" b="0" dirty="0">
-              <a:solidFill>
-                <a:srgbClr val="C00000"/>
-              </a:solidFill>
-              <a:latin typeface="微软雅黑" panose="020B0503020204020204" pitchFamily="34" charset="-122"/>
-              <a:ea typeface="微软雅黑" panose="020B0503020204020204" pitchFamily="34" charset="-122"/>
-            </a:endParaRPr>
-          </a:p>
-        </p:txBody>
-      </p:sp>
       <p:graphicFrame>
         <p:nvGraphicFramePr>
           <p:cNvPr id="8" name="Group 74"/>
@@ -16978,7 +17934,7 @@
         </p:nvGraphicFramePr>
         <p:xfrm>
           <a:off x="383540" y="1292860"/>
-          <a:ext cx="9046210" cy="3775075"/>
+          <a:ext cx="9046210" cy="4078605"/>
         </p:xfrm>
         <a:graphic>
           <a:graphicData uri="http://schemas.openxmlformats.org/drawingml/2006/table">
@@ -16991,7 +17947,7 @@
                 <a:gridCol w="5210175"/>
                 <a:gridCol w="1120140"/>
               </a:tblGrid>
-              <a:tr h="727075">
+              <a:tr h="761365">
                 <a:tc gridSpan="2">
                   <a:txBody>
                     <a:bodyPr/>
@@ -17483,7 +18439,7 @@
                   </a:tcPr>
                 </a:tc>
               </a:tr>
-              <a:tr h="540385">
+              <a:tr h="690245">
                 <a:tc rowSpan="5">
                   <a:txBody>
                     <a:bodyPr/>
@@ -17957,7 +18913,7 @@
                   </a:tcPr>
                 </a:tc>
               </a:tr>
-              <a:tr h="610870">
+              <a:tr h="640715">
                 <a:tc vMerge="1">
                   <a:tcPr horzOverflow="overflow">
                     <a:lnL w="12700" cap="flat" cmpd="sng" algn="ctr">
@@ -18381,7 +19337,7 @@
                   </a:tcPr>
                 </a:tc>
               </a:tr>
-              <a:tr h="621665">
+              <a:tr h="650875">
                 <a:tc vMerge="1">
                   <a:tcPr marT="40809" marB="40809" anchor="ctr" horzOverflow="overflow">
                     <a:lnL w="12700" cap="flat" cmpd="sng" algn="ctr">
@@ -18807,7 +19763,7 @@
                   </a:tcPr>
                 </a:tc>
               </a:tr>
-              <a:tr h="621665">
+              <a:tr h="650875">
                 <a:tc vMerge="1">
                   <a:tcPr horzOverflow="overflow">
                     <a:lnL w="12700" cap="flat" cmpd="sng" algn="ctr">
@@ -19231,7 +20187,7 @@
                   </a:tcPr>
                 </a:tc>
               </a:tr>
-              <a:tr h="653415">
+              <a:tr h="684530">
                 <a:tc vMerge="1">
                   <a:tcPr horzOverflow="overflow">
                     <a:lnL w="12700" cap="flat" cmpd="sng" algn="ctr">

--- a/员工晋升陈述材料_6级及以下(1).pptx
+++ b/员工晋升陈述材料_6级及以下(1).pptx
@@ -5469,8 +5469,8 @@
                     <a:lumOff val="35000"/>
                   </a:schemeClr>
                 </a:solidFill>
-                <a:latin typeface="幼圆" pitchFamily="49" charset="-122"/>
-                <a:ea typeface="幼圆" pitchFamily="49" charset="-122"/>
+                <a:latin typeface="幼圆" panose="02010509060101010101" pitchFamily="49" charset="-122"/>
+                <a:ea typeface="幼圆" panose="02010509060101010101" pitchFamily="49" charset="-122"/>
               </a:rPr>
               <a:t>严火荣申请：软件工程师</a:t>
             </a:r>
@@ -5482,8 +5482,8 @@
                     <a:lumOff val="35000"/>
                   </a:schemeClr>
                 </a:solidFill>
-                <a:latin typeface="幼圆" pitchFamily="49" charset="-122"/>
-                <a:ea typeface="幼圆" pitchFamily="49" charset="-122"/>
+                <a:latin typeface="幼圆" panose="02010509060101010101" pitchFamily="49" charset="-122"/>
+                <a:ea typeface="幼圆" panose="02010509060101010101" pitchFamily="49" charset="-122"/>
               </a:rPr>
               <a:t>(P5)</a:t>
             </a:r>
@@ -5494,8 +5494,8 @@
                   <a:lumOff val="35000"/>
                 </a:schemeClr>
               </a:solidFill>
-              <a:latin typeface="幼圆" pitchFamily="49" charset="-122"/>
-              <a:ea typeface="幼圆" pitchFamily="49" charset="-122"/>
+              <a:latin typeface="幼圆" panose="02010509060101010101" pitchFamily="49" charset="-122"/>
+              <a:ea typeface="幼圆" panose="02010509060101010101" pitchFamily="49" charset="-122"/>
             </a:endParaRPr>
           </a:p>
         </p:txBody>
@@ -15425,23 +15425,7 @@
                           <a:cs typeface="Times New Roman" panose="02020603050405020304" pitchFamily="18" charset="0"/>
                           <a:sym typeface="+mn-ea"/>
                         </a:rPr>
-                        <a:t>端的</a:t>
-                      </a:r>
-                      <a:r>
-                        <a:rPr lang="zh-CN" altLang="en-US" sz="1200" dirty="0" smtClean="0">
-                          <a:ln>
-                            <a:noFill/>
-                          </a:ln>
-                          <a:solidFill>
-                            <a:srgbClr val="000000"/>
-                          </a:solidFill>
-                          <a:effectLst/>
-                          <a:latin typeface="微软雅黑" panose="020B0503020204020204" pitchFamily="34" charset="-122"/>
-                          <a:ea typeface="微软雅黑" panose="020B0503020204020204" pitchFamily="34" charset="-122"/>
-                          <a:cs typeface="Times New Roman" panose="02020603050405020304" pitchFamily="18" charset="0"/>
-                          <a:sym typeface="+mn-ea"/>
-                        </a:rPr>
-                        <a:t>业务要求，也保证了接口的复用性。</a:t>
+                        <a:t>端的业务要求，也保证了接口的复用性。</a:t>
                       </a:r>
                       <a:endParaRPr kumimoji="0" lang="zh-CN" altLang="zh-CN" sz="1200" b="0" i="0" u="none" strike="noStrike" cap="none" normalizeH="0" baseline="0" dirty="0" smtClean="0">
                         <a:ln>
@@ -15980,22 +15964,7 @@
                           <a:ea typeface="微软雅黑" panose="020B0503020204020204" pitchFamily="34" charset="-122"/>
                           <a:cs typeface="Times New Roman" panose="02020603050405020304" pitchFamily="18" charset="0"/>
                         </a:rPr>
-                        <a:t>消息机制，在</a:t>
-                      </a:r>
-                      <a:r>
-                        <a:rPr kumimoji="0" lang="zh-CN" altLang="en-US" sz="1200" b="0" i="0" u="none" strike="noStrike" cap="none" normalizeH="0" baseline="0" dirty="0" smtClean="0">
-                          <a:ln>
-                            <a:noFill/>
-                          </a:ln>
-                          <a:solidFill>
-                            <a:srgbClr val="000000"/>
-                          </a:solidFill>
-                          <a:effectLst/>
-                          <a:latin typeface="微软雅黑" panose="020B0503020204020204" pitchFamily="34" charset="-122"/>
-                          <a:ea typeface="微软雅黑" panose="020B0503020204020204" pitchFamily="34" charset="-122"/>
-                          <a:cs typeface="Times New Roman" panose="02020603050405020304" pitchFamily="18" charset="0"/>
-                        </a:rPr>
-                        <a:t>我的学习采用通用的数据结构本地冗余一份用户学习数据，通过监听业务对象用户学习进度变化更新本地数据数据，直接查询本地数据库，一条</a:t>
+                        <a:t>消息机制，在我的学习采用通用的数据结构本地冗余一份用户学习数据，通过监听业务对象用户学习进度变化更新本地数据，直接查询本地数据库，一条</a:t>
                       </a:r>
                       <a:r>
                         <a:rPr kumimoji="0" lang="en-US" altLang="zh-CN" sz="1200" b="0" i="0" u="none" strike="noStrike" cap="none" normalizeH="0" baseline="0" dirty="0" smtClean="0">
@@ -19840,8 +19809,8 @@
           <p:nvPr/>
         </p:nvGraphicFramePr>
         <p:xfrm>
-          <a:off x="383540" y="1186815"/>
-          <a:ext cx="9046210" cy="4772025"/>
+          <a:off x="383540" y="1078230"/>
+          <a:ext cx="9046210" cy="5102860"/>
         </p:xfrm>
         <a:graphic>
           <a:graphicData uri="http://schemas.openxmlformats.org/drawingml/2006/table">
@@ -19854,7 +19823,7 @@
                 <a:gridCol w="5210175"/>
                 <a:gridCol w="1120140"/>
               </a:tblGrid>
-              <a:tr h="859790">
+              <a:tr h="878205">
                 <a:tc gridSpan="2">
                   <a:txBody>
                     <a:bodyPr/>
@@ -20346,7 +20315,7 @@
                   </a:tcPr>
                 </a:tc>
               </a:tr>
-              <a:tr h="1507490">
+              <a:tr h="1540510">
                 <a:tc rowSpan="3">
                   <a:txBody>
                     <a:bodyPr/>
@@ -20925,7 +20894,7 @@
                   </a:tcPr>
                 </a:tc>
               </a:tr>
-              <a:tr h="1669415">
+              <a:tr h="1705610">
                 <a:tc vMerge="1">
                   <a:tcPr horzOverflow="overflow">
                     <a:lnL w="12700" cap="flat" cmpd="sng" algn="ctr">
@@ -21604,7 +21573,7 @@
                   </a:tcPr>
                 </a:tc>
               </a:tr>
-              <a:tr h="735330">
+              <a:tr h="978535">
                 <a:tc vMerge="1">
                   <a:tcPr marT="40809" marB="40809" anchor="ctr" horzOverflow="overflow">
                     <a:lnL w="12700" cap="flat" cmpd="sng" algn="ctr">
@@ -23339,22 +23308,7 @@
                           <a:ea typeface="微软雅黑" panose="020B0503020204020204" pitchFamily="34" charset="-122"/>
                           <a:cs typeface="Times New Roman" panose="02020603050405020304" pitchFamily="18" charset="0"/>
                         </a:rPr>
-                        <a:t>等</a:t>
-                      </a:r>
-                      <a:r>
-                        <a:rPr kumimoji="0" lang="zh-CN" altLang="en-US" sz="1200" b="0" i="0" u="none" strike="noStrike" cap="none" normalizeH="0" baseline="0" dirty="0" smtClean="0">
-                          <a:ln>
-                            <a:noFill/>
-                          </a:ln>
-                          <a:solidFill>
-                            <a:srgbClr val="000000"/>
-                          </a:solidFill>
-                          <a:effectLst/>
-                          <a:latin typeface="微软雅黑" panose="020B0503020204020204" pitchFamily="34" charset="-122"/>
-                          <a:ea typeface="微软雅黑" panose="020B0503020204020204" pitchFamily="34" charset="-122"/>
-                          <a:cs typeface="Times New Roman" panose="02020603050405020304" pitchFamily="18" charset="0"/>
-                        </a:rPr>
-                        <a:t>）；</a:t>
+                        <a:t>等）；</a:t>
                       </a:r>
                       <a:endParaRPr kumimoji="0" lang="zh-CN" altLang="en-US" sz="1200" b="0" i="0" u="none" strike="noStrike" cap="none" normalizeH="0" baseline="0" dirty="0" smtClean="0">
                         <a:ln>
@@ -23794,7 +23748,112 @@
                         <a:buFont typeface="Wingdings" panose="05000000000000000000" pitchFamily="2" charset="2"/>
                         <a:buNone/>
                       </a:pPr>
-                      <a:endParaRPr kumimoji="0" lang="zh-CN" altLang="zh-CN" sz="1200" b="0" i="0" u="none" strike="noStrike" cap="none" normalizeH="0" baseline="0" dirty="0" smtClean="0">
+                      <a:r>
+                        <a:rPr kumimoji="0" lang="zh-CN" altLang="zh-CN" sz="1200" b="0" i="0" u="none" strike="noStrike" cap="none" normalizeH="0" baseline="0" dirty="0" smtClean="0">
+                          <a:ln>
+                            <a:noFill/>
+                          </a:ln>
+                          <a:solidFill>
+                            <a:srgbClr val="000000"/>
+                          </a:solidFill>
+                          <a:effectLst/>
+                          <a:latin typeface="微软雅黑" panose="020B0503020204020204" pitchFamily="34" charset="-122"/>
+                          <a:ea typeface="微软雅黑" panose="020B0503020204020204" pitchFamily="34" charset="-122"/>
+                          <a:cs typeface="Times New Roman" panose="02020603050405020304" pitchFamily="18" charset="0"/>
+                        </a:rPr>
+                        <a:t>证书组件</a:t>
+                      </a:r>
+                      <a:r>
+                        <a:rPr kumimoji="0" lang="en-US" altLang="zh-CN" sz="1200" b="0" i="0" u="none" strike="noStrike" cap="none" normalizeH="0" baseline="0" dirty="0" smtClean="0">
+                          <a:ln>
+                            <a:noFill/>
+                          </a:ln>
+                          <a:solidFill>
+                            <a:srgbClr val="000000"/>
+                          </a:solidFill>
+                          <a:effectLst/>
+                          <a:latin typeface="微软雅黑" panose="020B0503020204020204" pitchFamily="34" charset="-122"/>
+                          <a:ea typeface="微软雅黑" panose="020B0503020204020204" pitchFamily="34" charset="-122"/>
+                          <a:cs typeface="Times New Roman" panose="02020603050405020304" pitchFamily="18" charset="0"/>
+                        </a:rPr>
+                        <a:t>web</a:t>
+                      </a:r>
+                      <a:r>
+                        <a:rPr kumimoji="0" lang="zh-CN" altLang="en-US" sz="1200" b="0" i="0" u="none" strike="noStrike" cap="none" normalizeH="0" baseline="0" dirty="0" smtClean="0">
+                          <a:ln>
+                            <a:noFill/>
+                          </a:ln>
+                          <a:solidFill>
+                            <a:srgbClr val="000000"/>
+                          </a:solidFill>
+                          <a:effectLst/>
+                          <a:latin typeface="微软雅黑" panose="020B0503020204020204" pitchFamily="34" charset="-122"/>
+                          <a:ea typeface="微软雅黑" panose="020B0503020204020204" pitchFamily="34" charset="-122"/>
+                          <a:cs typeface="Times New Roman" panose="02020603050405020304" pitchFamily="18" charset="0"/>
+                        </a:rPr>
+                        <a:t>端要实现与移动端一样的证书申请及查看我的证书功能，接到任务后，主动跟</a:t>
+                      </a:r>
+                      <a:r>
+                        <a:rPr kumimoji="0" lang="en-US" altLang="zh-CN" sz="1200" b="0" i="0" u="none" strike="noStrike" cap="none" normalizeH="0" baseline="0" dirty="0" smtClean="0">
+                          <a:ln>
+                            <a:noFill/>
+                          </a:ln>
+                          <a:solidFill>
+                            <a:srgbClr val="000000"/>
+                          </a:solidFill>
+                          <a:effectLst/>
+                          <a:latin typeface="微软雅黑" panose="020B0503020204020204" pitchFamily="34" charset="-122"/>
+                          <a:ea typeface="微软雅黑" panose="020B0503020204020204" pitchFamily="34" charset="-122"/>
+                          <a:cs typeface="Times New Roman" panose="02020603050405020304" pitchFamily="18" charset="0"/>
+                        </a:rPr>
+                        <a:t>web</a:t>
+                      </a:r>
+                      <a:r>
+                        <a:rPr kumimoji="0" lang="zh-CN" altLang="en-US" sz="1200" b="0" i="0" u="none" strike="noStrike" cap="none" normalizeH="0" baseline="0" dirty="0" smtClean="0">
+                          <a:ln>
+                            <a:noFill/>
+                          </a:ln>
+                          <a:solidFill>
+                            <a:srgbClr val="000000"/>
+                          </a:solidFill>
+                          <a:effectLst/>
+                          <a:latin typeface="微软雅黑" panose="020B0503020204020204" pitchFamily="34" charset="-122"/>
+                          <a:ea typeface="微软雅黑" panose="020B0503020204020204" pitchFamily="34" charset="-122"/>
+                          <a:cs typeface="Times New Roman" panose="02020603050405020304" pitchFamily="18" charset="0"/>
+                        </a:rPr>
+                        <a:t>端同学进行沟通，了解</a:t>
+                      </a:r>
+                      <a:r>
+                        <a:rPr kumimoji="0" lang="en-US" altLang="zh-CN" sz="1200" b="0" i="0" u="none" strike="noStrike" cap="none" normalizeH="0" baseline="0" dirty="0" smtClean="0">
+                          <a:ln>
+                            <a:noFill/>
+                          </a:ln>
+                          <a:solidFill>
+                            <a:srgbClr val="000000"/>
+                          </a:solidFill>
+                          <a:effectLst/>
+                          <a:latin typeface="微软雅黑" panose="020B0503020204020204" pitchFamily="34" charset="-122"/>
+                          <a:ea typeface="微软雅黑" panose="020B0503020204020204" pitchFamily="34" charset="-122"/>
+                          <a:cs typeface="Times New Roman" panose="02020603050405020304" pitchFamily="18" charset="0"/>
+                        </a:rPr>
+                        <a:t>web</a:t>
+                      </a:r>
+                      <a:r>
+                        <a:rPr kumimoji="0" lang="zh-CN" altLang="en-US" sz="1200" b="0" i="0" u="none" strike="noStrike" cap="none" normalizeH="0" baseline="0" dirty="0" smtClean="0">
+                          <a:ln>
+                            <a:noFill/>
+                          </a:ln>
+                          <a:solidFill>
+                            <a:srgbClr val="000000"/>
+                          </a:solidFill>
+                          <a:effectLst/>
+                          <a:latin typeface="微软雅黑" panose="020B0503020204020204" pitchFamily="34" charset="-122"/>
+                          <a:ea typeface="微软雅黑" panose="020B0503020204020204" pitchFamily="34" charset="-122"/>
+                          <a:cs typeface="Times New Roman" panose="02020603050405020304" pitchFamily="18" charset="0"/>
+                        </a:rPr>
+                        <a:t>端需要做的地方，并预估时间及后续的联调，保证了版本的提测；</a:t>
+                      </a:r>
+                      <a:endParaRPr kumimoji="0" lang="zh-CN" altLang="en-US" sz="1200" b="0" i="0" u="none" strike="noStrike" cap="none" normalizeH="0" baseline="0" dirty="0" smtClean="0">
                         <a:ln>
                           <a:noFill/>
                         </a:ln>
